--- a/ALVF_AnalisePropostas_TI_DiretoriaExecutiva_Fev_2025/Apresentação_Estrutura_SI_ALVF.pptx
+++ b/ALVF_AnalisePropostas_TI_DiretoriaExecutiva_Fev_2025/Apresentação_Estrutura_SI_ALVF.pptx
@@ -5,7 +5,7 @@
     <p:sldMasterId id="2147483744" r:id="rId1"/>
   </p:sldMasterIdLst>
   <p:notesMasterIdLst>
-    <p:notesMasterId r:id="rId47"/>
+    <p:notesMasterId r:id="rId52"/>
   </p:notesMasterIdLst>
   <p:sldIdLst>
     <p:sldId id="256" r:id="rId2"/>
@@ -32,27 +32,32 @@
     <p:sldId id="307" r:id="rId23"/>
     <p:sldId id="358" r:id="rId24"/>
     <p:sldId id="308" r:id="rId25"/>
-    <p:sldId id="310" r:id="rId26"/>
-    <p:sldId id="391" r:id="rId27"/>
-    <p:sldId id="392" r:id="rId28"/>
-    <p:sldId id="312" r:id="rId29"/>
-    <p:sldId id="313" r:id="rId30"/>
-    <p:sldId id="314" r:id="rId31"/>
-    <p:sldId id="315" r:id="rId32"/>
-    <p:sldId id="393" r:id="rId33"/>
-    <p:sldId id="375" r:id="rId34"/>
-    <p:sldId id="377" r:id="rId35"/>
-    <p:sldId id="378" r:id="rId36"/>
-    <p:sldId id="382" r:id="rId37"/>
-    <p:sldId id="383" r:id="rId38"/>
-    <p:sldId id="384" r:id="rId39"/>
-    <p:sldId id="385" r:id="rId40"/>
-    <p:sldId id="386" r:id="rId41"/>
-    <p:sldId id="389" r:id="rId42"/>
-    <p:sldId id="390" r:id="rId43"/>
-    <p:sldId id="260" r:id="rId44"/>
-    <p:sldId id="261" r:id="rId45"/>
-    <p:sldId id="262" r:id="rId46"/>
+    <p:sldId id="394" r:id="rId26"/>
+    <p:sldId id="395" r:id="rId27"/>
+    <p:sldId id="396" r:id="rId28"/>
+    <p:sldId id="397" r:id="rId29"/>
+    <p:sldId id="310" r:id="rId30"/>
+    <p:sldId id="398" r:id="rId31"/>
+    <p:sldId id="391" r:id="rId32"/>
+    <p:sldId id="392" r:id="rId33"/>
+    <p:sldId id="312" r:id="rId34"/>
+    <p:sldId id="313" r:id="rId35"/>
+    <p:sldId id="314" r:id="rId36"/>
+    <p:sldId id="315" r:id="rId37"/>
+    <p:sldId id="393" r:id="rId38"/>
+    <p:sldId id="375" r:id="rId39"/>
+    <p:sldId id="377" r:id="rId40"/>
+    <p:sldId id="378" r:id="rId41"/>
+    <p:sldId id="382" r:id="rId42"/>
+    <p:sldId id="383" r:id="rId43"/>
+    <p:sldId id="384" r:id="rId44"/>
+    <p:sldId id="385" r:id="rId45"/>
+    <p:sldId id="386" r:id="rId46"/>
+    <p:sldId id="389" r:id="rId47"/>
+    <p:sldId id="390" r:id="rId48"/>
+    <p:sldId id="260" r:id="rId49"/>
+    <p:sldId id="261" r:id="rId50"/>
+    <p:sldId id="262" r:id="rId51"/>
   </p:sldIdLst>
   <p:sldSz cx="9144000" cy="6858000" type="screen4x3"/>
   <p:notesSz cx="6858000" cy="9144000"/>
@@ -10759,7 +10764,7 @@
           <a:p>
             <a:fld id="{5802BE67-18CC-48B6-B0AC-DBB302AA60FE}" type="datetimeFigureOut">
               <a:rPr lang="pt-BR" smtClean="0"/>
-              <a:t>04/02/2025</a:t>
+              <a:t>09/02/2025</a:t>
             </a:fld>
             <a:endParaRPr lang="pt-BR"/>
           </a:p>
@@ -11397,6 +11402,151 @@
         <p:cNvPr id="1" name="Shape 251">
           <a:extLst>
             <a:ext uri="{FF2B5EF4-FFF2-40B4-BE49-F238E27FC236}">
+              <a16:creationId xmlns:a16="http://schemas.microsoft.com/office/drawing/2014/main" id="{8646BE9C-6B98-C820-22CB-97DC990FF902}"/>
+            </a:ext>
+          </a:extLst>
+        </p:cNvPr>
+        <p:cNvGrpSpPr/>
+        <p:nvPr/>
+      </p:nvGrpSpPr>
+      <p:grpSpPr>
+        <a:xfrm>
+          <a:off x="0" y="0"/>
+          <a:ext cx="0" cy="0"/>
+          <a:chOff x="0" y="0"/>
+          <a:chExt cx="0" cy="0"/>
+        </a:xfrm>
+      </p:grpSpPr>
+      <p:sp>
+        <p:nvSpPr>
+          <p:cNvPr id="252" name="Google Shape;252;p5:notes">
+            <a:extLst>
+              <a:ext uri="{FF2B5EF4-FFF2-40B4-BE49-F238E27FC236}">
+                <a16:creationId xmlns:a16="http://schemas.microsoft.com/office/drawing/2014/main" id="{A5B747C7-9295-933C-4329-F31370A30BF8}"/>
+              </a:ext>
+            </a:extLst>
+          </p:cNvPr>
+          <p:cNvSpPr txBox="1">
+            <a:spLocks noGrp="1"/>
+          </p:cNvSpPr>
+          <p:nvPr>
+            <p:ph type="body" idx="1"/>
+          </p:nvPr>
+        </p:nvSpPr>
+        <p:spPr>
+          <a:xfrm>
+            <a:off x="685800" y="4400550"/>
+            <a:ext cx="5486400" cy="3600450"/>
+          </a:xfrm>
+          <a:prstGeom prst="rect">
+            <a:avLst/>
+          </a:prstGeom>
+          <a:noFill/>
+          <a:ln>
+            <a:noFill/>
+          </a:ln>
+        </p:spPr>
+        <p:txBody>
+          <a:bodyPr spcFirstLastPara="1" wrap="square" lIns="91425" tIns="45700" rIns="91425" bIns="45700" anchor="t" anchorCtr="0">
+            <a:noAutofit/>
+          </a:bodyPr>
+          <a:lstStyle/>
+          <a:p>
+            <a:pPr marL="0" lvl="0" indent="0" algn="l" rtl="0">
+              <a:lnSpc>
+                <a:spcPct val="100000"/>
+              </a:lnSpc>
+              <a:spcBef>
+                <a:spcPts val="0"/>
+              </a:spcBef>
+              <a:spcAft>
+                <a:spcPts val="0"/>
+              </a:spcAft>
+              <a:buSzPts val="1400"/>
+              <a:buNone/>
+            </a:pPr>
+            <a:endParaRPr/>
+          </a:p>
+        </p:txBody>
+      </p:sp>
+      <p:sp>
+        <p:nvSpPr>
+          <p:cNvPr id="253" name="Google Shape;253;p5:notes">
+            <a:extLst>
+              <a:ext uri="{FF2B5EF4-FFF2-40B4-BE49-F238E27FC236}">
+                <a16:creationId xmlns:a16="http://schemas.microsoft.com/office/drawing/2014/main" id="{22C29876-857E-8D20-3A38-F83B300238CD}"/>
+              </a:ext>
+            </a:extLst>
+          </p:cNvPr>
+          <p:cNvSpPr>
+            <a:spLocks noGrp="1" noRot="1" noChangeAspect="1"/>
+          </p:cNvSpPr>
+          <p:nvPr>
+            <p:ph type="sldImg" idx="2"/>
+          </p:nvPr>
+        </p:nvSpPr>
+        <p:spPr>
+          <a:xfrm>
+            <a:off x="1371600" y="1143000"/>
+            <a:ext cx="4114800" cy="3086100"/>
+          </a:xfrm>
+          <a:custGeom>
+            <a:avLst/>
+            <a:gdLst/>
+            <a:ahLst/>
+            <a:cxnLst/>
+            <a:rect l="l" t="t" r="r" b="b"/>
+            <a:pathLst>
+              <a:path w="120000" h="120000" extrusionOk="0">
+                <a:moveTo>
+                  <a:pt x="0" y="0"/>
+                </a:moveTo>
+                <a:lnTo>
+                  <a:pt x="120000" y="0"/>
+                </a:lnTo>
+                <a:lnTo>
+                  <a:pt x="120000" y="120000"/>
+                </a:lnTo>
+                <a:lnTo>
+                  <a:pt x="0" y="120000"/>
+                </a:lnTo>
+                <a:close/>
+              </a:path>
+            </a:pathLst>
+          </a:custGeom>
+          <a:noFill/>
+          <a:ln w="12700" cap="flat" cmpd="sng">
+            <a:solidFill>
+              <a:srgbClr val="000000"/>
+            </a:solidFill>
+            <a:prstDash val="solid"/>
+            <a:round/>
+            <a:headEnd type="none" w="sm" len="sm"/>
+            <a:tailEnd type="none" w="sm" len="sm"/>
+          </a:ln>
+        </p:spPr>
+      </p:sp>
+    </p:spTree>
+    <p:extLst>
+      <p:ext uri="{BB962C8B-B14F-4D97-AF65-F5344CB8AC3E}">
+        <p14:creationId xmlns:p14="http://schemas.microsoft.com/office/powerpoint/2010/main" val="607114540"/>
+      </p:ext>
+    </p:extLst>
+  </p:cSld>
+  <p:clrMapOvr>
+    <a:masterClrMapping/>
+  </p:clrMapOvr>
+</p:notes>
+</file>
+
+<file path=ppt/notesSlides/notesSlide13.xml><?xml version="1.0" encoding="utf-8"?>
+<p:notes xmlns:a="http://schemas.openxmlformats.org/drawingml/2006/main" xmlns:r="http://schemas.openxmlformats.org/officeDocument/2006/relationships" xmlns:p="http://schemas.openxmlformats.org/presentationml/2006/main" showMasterSp="0" showMasterPhAnim="0">
+  <p:cSld>
+    <p:spTree>
+      <p:nvGrpSpPr>
+        <p:cNvPr id="1" name="Shape 251">
+          <a:extLst>
+            <a:ext uri="{FF2B5EF4-FFF2-40B4-BE49-F238E27FC236}">
               <a16:creationId xmlns:a16="http://schemas.microsoft.com/office/drawing/2014/main" id="{7CBF6ACC-11CC-4168-8CC4-735DD0595561}"/>
             </a:ext>
           </a:extLst>
@@ -11534,7 +11684,7 @@
 </p:notes>
 </file>
 
-<file path=ppt/notesSlides/notesSlide13.xml><?xml version="1.0" encoding="utf-8"?>
+<file path=ppt/notesSlides/notesSlide14.xml><?xml version="1.0" encoding="utf-8"?>
 <p:notes xmlns:a="http://schemas.openxmlformats.org/drawingml/2006/main" xmlns:r="http://schemas.openxmlformats.org/officeDocument/2006/relationships" xmlns:p="http://schemas.openxmlformats.org/presentationml/2006/main" showMasterSp="0" showMasterPhAnim="0">
   <p:cSld>
     <p:spTree>
@@ -11679,7 +11829,7 @@
 </p:notes>
 </file>
 
-<file path=ppt/notesSlides/notesSlide14.xml><?xml version="1.0" encoding="utf-8"?>
+<file path=ppt/notesSlides/notesSlide15.xml><?xml version="1.0" encoding="utf-8"?>
 <p:notes xmlns:a="http://schemas.openxmlformats.org/drawingml/2006/main" xmlns:r="http://schemas.openxmlformats.org/officeDocument/2006/relationships" xmlns:p="http://schemas.openxmlformats.org/presentationml/2006/main" showMasterSp="0" showMasterPhAnim="0">
   <p:cSld>
     <p:spTree>
@@ -11841,7 +11991,7 @@
             </a:pPr>
             <a:fld id="{00000000-1234-1234-1234-123412341234}" type="slidenum">
               <a:rPr lang="pt-BR"/>
-              <a:t>28</a:t>
+              <a:t>33</a:t>
             </a:fld>
             <a:endParaRPr/>
           </a:p>
@@ -11860,7 +12010,7 @@
 </p:notes>
 </file>
 
-<file path=ppt/notesSlides/notesSlide15.xml><?xml version="1.0" encoding="utf-8"?>
+<file path=ppt/notesSlides/notesSlide16.xml><?xml version="1.0" encoding="utf-8"?>
 <p:notes xmlns:a="http://schemas.openxmlformats.org/drawingml/2006/main" xmlns:r="http://schemas.openxmlformats.org/officeDocument/2006/relationships" xmlns:p="http://schemas.openxmlformats.org/presentationml/2006/main" showMasterSp="0" showMasterPhAnim="0">
   <p:cSld>
     <p:spTree>
@@ -12022,7 +12172,7 @@
             </a:pPr>
             <a:fld id="{00000000-1234-1234-1234-123412341234}" type="slidenum">
               <a:rPr lang="pt-BR"/>
-              <a:t>29</a:t>
+              <a:t>34</a:t>
             </a:fld>
             <a:endParaRPr/>
           </a:p>
@@ -12041,7 +12191,7 @@
 </p:notes>
 </file>
 
-<file path=ppt/notesSlides/notesSlide16.xml><?xml version="1.0" encoding="utf-8"?>
+<file path=ppt/notesSlides/notesSlide17.xml><?xml version="1.0" encoding="utf-8"?>
 <p:notes xmlns:a="http://schemas.openxmlformats.org/drawingml/2006/main" xmlns:r="http://schemas.openxmlformats.org/officeDocument/2006/relationships" xmlns:p="http://schemas.openxmlformats.org/presentationml/2006/main" showMasterSp="0" showMasterPhAnim="0">
   <p:cSld>
     <p:spTree>
@@ -12203,7 +12353,7 @@
             </a:pPr>
             <a:fld id="{00000000-1234-1234-1234-123412341234}" type="slidenum">
               <a:rPr lang="pt-BR"/>
-              <a:t>30</a:t>
+              <a:t>35</a:t>
             </a:fld>
             <a:endParaRPr/>
           </a:p>
@@ -12222,7 +12372,7 @@
 </p:notes>
 </file>
 
-<file path=ppt/notesSlides/notesSlide17.xml><?xml version="1.0" encoding="utf-8"?>
+<file path=ppt/notesSlides/notesSlide18.xml><?xml version="1.0" encoding="utf-8"?>
 <p:notes xmlns:a="http://schemas.openxmlformats.org/drawingml/2006/main" xmlns:r="http://schemas.openxmlformats.org/officeDocument/2006/relationships" xmlns:p="http://schemas.openxmlformats.org/presentationml/2006/main" showMasterSp="0" showMasterPhAnim="0">
   <p:cSld>
     <p:spTree>
@@ -12384,7 +12534,7 @@
             </a:pPr>
             <a:fld id="{00000000-1234-1234-1234-123412341234}" type="slidenum">
               <a:rPr lang="pt-BR"/>
-              <a:t>31</a:t>
+              <a:t>36</a:t>
             </a:fld>
             <a:endParaRPr/>
           </a:p>
@@ -12403,7 +12553,7 @@
 </p:notes>
 </file>
 
-<file path=ppt/notesSlides/notesSlide18.xml><?xml version="1.0" encoding="utf-8"?>
+<file path=ppt/notesSlides/notesSlide19.xml><?xml version="1.0" encoding="utf-8"?>
 <p:notes xmlns:a="http://schemas.openxmlformats.org/drawingml/2006/main" xmlns:r="http://schemas.openxmlformats.org/officeDocument/2006/relationships" xmlns:p="http://schemas.openxmlformats.org/presentationml/2006/main" showMasterSp="0" showMasterPhAnim="0">
   <p:cSld>
     <p:spTree>
@@ -14108,7 +14258,7 @@
           <a:p>
             <a:fld id="{5BCAD085-E8A6-8845-BD4E-CB4CCA059FC4}" type="datetimeFigureOut">
               <a:rPr lang="en-US" smtClean="0"/>
-              <a:t>2/4/2025</a:t>
+              <a:t>2/9/2025</a:t>
             </a:fld>
             <a:endParaRPr lang="en-US"/>
           </a:p>
@@ -14306,7 +14456,7 @@
           <a:p>
             <a:fld id="{5BCAD085-E8A6-8845-BD4E-CB4CCA059FC4}" type="datetimeFigureOut">
               <a:rPr lang="en-US" smtClean="0"/>
-              <a:t>2/4/2025</a:t>
+              <a:t>2/9/2025</a:t>
             </a:fld>
             <a:endParaRPr lang="en-US"/>
           </a:p>
@@ -14514,7 +14664,7 @@
           <a:p>
             <a:fld id="{5BCAD085-E8A6-8845-BD4E-CB4CCA059FC4}" type="datetimeFigureOut">
               <a:rPr lang="en-US" smtClean="0"/>
-              <a:t>2/4/2025</a:t>
+              <a:t>2/9/2025</a:t>
             </a:fld>
             <a:endParaRPr lang="en-US"/>
           </a:p>
@@ -14942,7 +15092,7 @@
           <a:p>
             <a:fld id="{5BCAD085-E8A6-8845-BD4E-CB4CCA059FC4}" type="datetimeFigureOut">
               <a:rPr lang="en-US" smtClean="0"/>
-              <a:t>2/4/2025</a:t>
+              <a:t>2/9/2025</a:t>
             </a:fld>
             <a:endParaRPr lang="en-US"/>
           </a:p>
@@ -15217,7 +15367,7 @@
           <a:p>
             <a:fld id="{5BCAD085-E8A6-8845-BD4E-CB4CCA059FC4}" type="datetimeFigureOut">
               <a:rPr lang="en-US" smtClean="0"/>
-              <a:t>2/4/2025</a:t>
+              <a:t>2/9/2025</a:t>
             </a:fld>
             <a:endParaRPr lang="en-US"/>
           </a:p>
@@ -15482,7 +15632,7 @@
           <a:p>
             <a:fld id="{5BCAD085-E8A6-8845-BD4E-CB4CCA059FC4}" type="datetimeFigureOut">
               <a:rPr lang="en-US" smtClean="0"/>
-              <a:t>2/4/2025</a:t>
+              <a:t>2/9/2025</a:t>
             </a:fld>
             <a:endParaRPr lang="en-US"/>
           </a:p>
@@ -15894,7 +16044,7 @@
           <a:p>
             <a:fld id="{5BCAD085-E8A6-8845-BD4E-CB4CCA059FC4}" type="datetimeFigureOut">
               <a:rPr lang="en-US" smtClean="0"/>
-              <a:t>2/4/2025</a:t>
+              <a:t>2/9/2025</a:t>
             </a:fld>
             <a:endParaRPr lang="en-US"/>
           </a:p>
@@ -16035,7 +16185,7 @@
           <a:p>
             <a:fld id="{5BCAD085-E8A6-8845-BD4E-CB4CCA059FC4}" type="datetimeFigureOut">
               <a:rPr lang="en-US" smtClean="0"/>
-              <a:t>2/4/2025</a:t>
+              <a:t>2/9/2025</a:t>
             </a:fld>
             <a:endParaRPr lang="en-US"/>
           </a:p>
@@ -16148,7 +16298,7 @@
           <a:p>
             <a:fld id="{5BCAD085-E8A6-8845-BD4E-CB4CCA059FC4}" type="datetimeFigureOut">
               <a:rPr lang="en-US" smtClean="0"/>
-              <a:t>2/4/2025</a:t>
+              <a:t>2/9/2025</a:t>
             </a:fld>
             <a:endParaRPr lang="en-US"/>
           </a:p>
@@ -16459,7 +16609,7 @@
           <a:p>
             <a:fld id="{5BCAD085-E8A6-8845-BD4E-CB4CCA059FC4}" type="datetimeFigureOut">
               <a:rPr lang="en-US" smtClean="0"/>
-              <a:t>2/4/2025</a:t>
+              <a:t>2/9/2025</a:t>
             </a:fld>
             <a:endParaRPr lang="en-US"/>
           </a:p>
@@ -16747,7 +16897,7 @@
           <a:p>
             <a:fld id="{5BCAD085-E8A6-8845-BD4E-CB4CCA059FC4}" type="datetimeFigureOut">
               <a:rPr lang="en-US" smtClean="0"/>
-              <a:t>2/4/2025</a:t>
+              <a:t>2/9/2025</a:t>
             </a:fld>
             <a:endParaRPr lang="en-US"/>
           </a:p>
@@ -16988,7 +17138,7 @@
           <a:p>
             <a:fld id="{5BCAD085-E8A6-8845-BD4E-CB4CCA059FC4}" type="datetimeFigureOut">
               <a:rPr lang="en-US" smtClean="0"/>
-              <a:t>2/4/2025</a:t>
+              <a:t>2/9/2025</a:t>
             </a:fld>
             <a:endParaRPr lang="en-US"/>
           </a:p>
@@ -17615,8 +17765,8 @@
         </p:nvSpPr>
         <p:spPr>
           <a:xfrm>
-            <a:off x="963930" y="1008993"/>
-            <a:ext cx="6923558" cy="3542045"/>
+            <a:off x="665018" y="729674"/>
+            <a:ext cx="7860146" cy="3226298"/>
           </a:xfrm>
         </p:spPr>
         <p:txBody>
@@ -17627,8 +17777,8 @@
           <a:p>
             <a:pPr algn="l"/>
             <a:r>
-              <a:rPr lang="pt-BR" sz="5500"/>
-              <a:t>Estrutura e Sistema de Tecnologia da Informação da ALVF/HRO/HNS</a:t>
+              <a:rPr lang="pt-BR" sz="5500" dirty="0"/>
+              <a:t>Prospecção de Estrutura para Tecnologia da Informação da ALVF/HRO/HNS</a:t>
             </a:r>
           </a:p>
         </p:txBody>
@@ -23774,6 +23924,1391 @@
   <p:cSld>
     <p:spTree>
       <p:nvGrpSpPr>
+        <p:cNvPr id="1" name=""/>
+        <p:cNvGrpSpPr/>
+        <p:nvPr/>
+      </p:nvGrpSpPr>
+      <p:grpSpPr>
+        <a:xfrm>
+          <a:off x="0" y="0"/>
+          <a:ext cx="0" cy="0"/>
+          <a:chOff x="0" y="0"/>
+          <a:chExt cx="0" cy="0"/>
+        </a:xfrm>
+      </p:grpSpPr>
+      <p:sp>
+        <p:nvSpPr>
+          <p:cNvPr id="2" name="Título 1">
+            <a:extLst>
+              <a:ext uri="{FF2B5EF4-FFF2-40B4-BE49-F238E27FC236}">
+                <a16:creationId xmlns:a16="http://schemas.microsoft.com/office/drawing/2014/main" id="{D6662DB4-8764-C23C-4FF8-D7B3786892B8}"/>
+              </a:ext>
+            </a:extLst>
+          </p:cNvPr>
+          <p:cNvSpPr>
+            <a:spLocks noGrp="1"/>
+          </p:cNvSpPr>
+          <p:nvPr>
+            <p:ph type="title"/>
+          </p:nvPr>
+        </p:nvSpPr>
+        <p:spPr>
+          <a:xfrm>
+            <a:off x="36946" y="88036"/>
+            <a:ext cx="7886700" cy="493855"/>
+          </a:xfrm>
+        </p:spPr>
+        <p:txBody>
+          <a:bodyPr>
+            <a:normAutofit fontScale="90000"/>
+          </a:bodyPr>
+          <a:lstStyle/>
+          <a:p>
+            <a:pPr algn="ctr"/>
+            <a:r>
+              <a:rPr lang="pt-BR" dirty="0"/>
+              <a:t>Observações Críticas</a:t>
+            </a:r>
+          </a:p>
+        </p:txBody>
+      </p:sp>
+      <p:sp>
+        <p:nvSpPr>
+          <p:cNvPr id="3" name="Espaço Reservado para Conteúdo 2">
+            <a:extLst>
+              <a:ext uri="{FF2B5EF4-FFF2-40B4-BE49-F238E27FC236}">
+                <a16:creationId xmlns:a16="http://schemas.microsoft.com/office/drawing/2014/main" id="{566FD70C-5C37-CF10-132B-3F94CF67C168}"/>
+              </a:ext>
+            </a:extLst>
+          </p:cNvPr>
+          <p:cNvSpPr>
+            <a:spLocks noGrp="1"/>
+          </p:cNvSpPr>
+          <p:nvPr>
+            <p:ph idx="1"/>
+          </p:nvPr>
+        </p:nvSpPr>
+        <p:spPr>
+          <a:xfrm>
+            <a:off x="435429" y="487073"/>
+            <a:ext cx="8251371" cy="6066127"/>
+          </a:xfrm>
+          <a:solidFill>
+            <a:schemeClr val="bg1"/>
+          </a:solidFill>
+        </p:spPr>
+        <p:txBody>
+          <a:bodyPr>
+            <a:normAutofit fontScale="25000" lnSpcReduction="20000"/>
+          </a:bodyPr>
+          <a:lstStyle/>
+          <a:p>
+            <a:pPr marL="358775" indent="-358775" fontAlgn="b">
+              <a:lnSpc>
+                <a:spcPct val="120000"/>
+              </a:lnSpc>
+              <a:spcBef>
+                <a:spcPts val="600"/>
+              </a:spcBef>
+              <a:buFont typeface="+mj-lt"/>
+              <a:buAutoNum type="arabicParenR"/>
+            </a:pPr>
+            <a:r>
+              <a:rPr lang="pt-BR" sz="6400" dirty="0">
+                <a:solidFill>
+                  <a:srgbClr val="000000"/>
+                </a:solidFill>
+                <a:latin typeface="Arial" panose="020B0604020202020204" pitchFamily="34" charset="0"/>
+              </a:rPr>
+              <a:t>Alguns processos/áreas não foram implementadas de forma integral;</a:t>
+            </a:r>
+          </a:p>
+          <a:p>
+            <a:pPr marL="358775" indent="-358775" fontAlgn="b">
+              <a:lnSpc>
+                <a:spcPct val="120000"/>
+              </a:lnSpc>
+              <a:spcBef>
+                <a:spcPts val="600"/>
+              </a:spcBef>
+              <a:buFont typeface="+mj-lt"/>
+              <a:buAutoNum type="arabicParenR"/>
+            </a:pPr>
+            <a:r>
+              <a:rPr lang="pt-BR" sz="6400" dirty="0">
+                <a:solidFill>
+                  <a:srgbClr val="000000"/>
+                </a:solidFill>
+                <a:latin typeface="Arial" panose="020B0604020202020204" pitchFamily="34" charset="0"/>
+              </a:rPr>
+              <a:t>Lento, algumas funções deveriam estar interligadas;</a:t>
+            </a:r>
+          </a:p>
+          <a:p>
+            <a:pPr marL="358775" indent="-358775" fontAlgn="b">
+              <a:lnSpc>
+                <a:spcPct val="120000"/>
+              </a:lnSpc>
+              <a:spcBef>
+                <a:spcPts val="600"/>
+              </a:spcBef>
+              <a:buFont typeface="+mj-lt"/>
+              <a:buAutoNum type="arabicParenR"/>
+            </a:pPr>
+            <a:r>
+              <a:rPr lang="pt-BR" sz="6400" dirty="0">
+                <a:solidFill>
+                  <a:srgbClr val="000000"/>
+                </a:solidFill>
+                <a:latin typeface="Arial" panose="020B0604020202020204" pitchFamily="34" charset="0"/>
+              </a:rPr>
+              <a:t>Não integra todos os módulos (faturamento, patrimônio). Não possui data de fechamento (manutenção/patrimônio);</a:t>
+            </a:r>
+          </a:p>
+          <a:p>
+            <a:pPr marL="358775" indent="-358775" fontAlgn="b">
+              <a:lnSpc>
+                <a:spcPct val="120000"/>
+              </a:lnSpc>
+              <a:spcBef>
+                <a:spcPts val="600"/>
+              </a:spcBef>
+              <a:buFont typeface="+mj-lt"/>
+              <a:buAutoNum type="arabicParenR"/>
+            </a:pPr>
+            <a:r>
+              <a:rPr lang="pt-BR" sz="6400" dirty="0">
+                <a:solidFill>
+                  <a:srgbClr val="000000"/>
+                </a:solidFill>
+                <a:latin typeface="Arial" panose="020B0604020202020204" pitchFamily="34" charset="0"/>
+              </a:rPr>
+              <a:t>Não atende todas as declarações acessórias;</a:t>
+            </a:r>
+          </a:p>
+          <a:p>
+            <a:pPr marL="358775" indent="-358775" fontAlgn="b">
+              <a:lnSpc>
+                <a:spcPct val="120000"/>
+              </a:lnSpc>
+              <a:spcBef>
+                <a:spcPts val="600"/>
+              </a:spcBef>
+              <a:buFont typeface="+mj-lt"/>
+              <a:buAutoNum type="arabicParenR"/>
+            </a:pPr>
+            <a:r>
+              <a:rPr lang="pt-BR" sz="6400" dirty="0">
+                <a:solidFill>
+                  <a:srgbClr val="000000"/>
+                </a:solidFill>
+                <a:latin typeface="Arial" panose="020B0604020202020204" pitchFamily="34" charset="0"/>
+              </a:rPr>
+              <a:t>Não possui sistema de custos integrado com contabilidade e demais módulos. Não possui um módulo de integração de dados estatísticos. Relatórios não passam confiabilidade;</a:t>
+            </a:r>
+          </a:p>
+          <a:p>
+            <a:pPr marL="358775" indent="-358775" fontAlgn="b">
+              <a:lnSpc>
+                <a:spcPct val="120000"/>
+              </a:lnSpc>
+              <a:spcBef>
+                <a:spcPts val="600"/>
+              </a:spcBef>
+              <a:buFont typeface="+mj-lt"/>
+              <a:buAutoNum type="arabicParenR"/>
+            </a:pPr>
+            <a:r>
+              <a:rPr lang="pt-BR" sz="6400" dirty="0">
+                <a:solidFill>
+                  <a:srgbClr val="000000"/>
+                </a:solidFill>
+                <a:latin typeface="Arial" panose="020B0604020202020204" pitchFamily="34" charset="0"/>
+              </a:rPr>
+              <a:t>Problemas com devolução, sistema muito engessado sem dar oportunidades em melhorias, muitos módulos que não são interligados. Gera problemas no </a:t>
+            </a:r>
+            <a:r>
+              <a:rPr lang="pt-BR" sz="6400" dirty="0" err="1">
+                <a:solidFill>
+                  <a:srgbClr val="000000"/>
+                </a:solidFill>
+                <a:latin typeface="Arial" panose="020B0604020202020204" pitchFamily="34" charset="0"/>
+              </a:rPr>
+              <a:t>reaprazamento</a:t>
+            </a:r>
+            <a:r>
+              <a:rPr lang="pt-BR" sz="6400" dirty="0">
+                <a:solidFill>
+                  <a:srgbClr val="000000"/>
+                </a:solidFill>
+                <a:latin typeface="Arial" panose="020B0604020202020204" pitchFamily="34" charset="0"/>
+              </a:rPr>
+              <a:t>, difícil acesso na procura de medicamentos e materiais. Problema em avisar quando a prescrição foi dada saída em outro setor. Grava prescrições sem ter o item no ponto de estoque, excluindo o item automaticamente. Da a mensagem que não foi possível gravar e grava mesmo assim;</a:t>
+            </a:r>
+          </a:p>
+          <a:p>
+            <a:pPr marL="358775" indent="-358775" fontAlgn="b">
+              <a:lnSpc>
+                <a:spcPct val="120000"/>
+              </a:lnSpc>
+              <a:spcBef>
+                <a:spcPts val="600"/>
+              </a:spcBef>
+              <a:buFont typeface="+mj-lt"/>
+              <a:buAutoNum type="arabicParenR"/>
+            </a:pPr>
+            <a:r>
+              <a:rPr lang="pt-BR" sz="6400" dirty="0">
+                <a:solidFill>
+                  <a:srgbClr val="000000"/>
+                </a:solidFill>
+                <a:latin typeface="Arial" panose="020B0604020202020204" pitchFamily="34" charset="0"/>
+              </a:rPr>
+              <a:t>Atualizações e acompanhamento da empresa fornecedora junto aos processos do HRO. Dificuldades para entender e como se obter dados de gestão e apresentação destes dados;</a:t>
+            </a:r>
+          </a:p>
+          <a:p>
+            <a:pPr marL="358775" marR="0" indent="-358775" fontAlgn="b">
+              <a:lnSpc>
+                <a:spcPct val="120000"/>
+              </a:lnSpc>
+              <a:spcBef>
+                <a:spcPts val="600"/>
+              </a:spcBef>
+              <a:buFont typeface="+mj-lt"/>
+              <a:buAutoNum type="arabicParenR"/>
+            </a:pPr>
+            <a:r>
+              <a:rPr lang="pt-BR" sz="6400" b="0" i="0" u="none" strike="noStrike" dirty="0">
+                <a:solidFill>
+                  <a:srgbClr val="000000"/>
+                </a:solidFill>
+                <a:effectLst/>
+                <a:latin typeface="Arial" panose="020B0604020202020204" pitchFamily="34" charset="0"/>
+              </a:rPr>
+              <a:t>Em atualizações retorna erros ou inconsistências que já haviam sido resolvidas, informações de um módulo </a:t>
+            </a:r>
+            <a:r>
+              <a:rPr lang="pt-BR" sz="6400" dirty="0">
+                <a:solidFill>
+                  <a:srgbClr val="000000"/>
+                </a:solidFill>
+                <a:latin typeface="Arial" panose="020B0604020202020204" pitchFamily="34" charset="0"/>
+              </a:rPr>
+              <a:t>não entra automático em outro (PR-CG), diversos erros de sistema q influenciam nos processos (ex. devoluções de </a:t>
+            </a:r>
+            <a:r>
+              <a:rPr lang="pt-BR" sz="6400" dirty="0" err="1">
+                <a:solidFill>
+                  <a:srgbClr val="000000"/>
+                </a:solidFill>
+                <a:latin typeface="Arial" panose="020B0604020202020204" pitchFamily="34" charset="0"/>
+              </a:rPr>
+              <a:t>pctes</a:t>
+            </a:r>
+            <a:r>
+              <a:rPr lang="pt-BR" sz="6400" dirty="0">
+                <a:solidFill>
+                  <a:srgbClr val="000000"/>
+                </a:solidFill>
+                <a:latin typeface="Arial" panose="020B0604020202020204" pitchFamily="34" charset="0"/>
+              </a:rPr>
+              <a:t> q não utilizaram, eletrólitos de planos de soros que saem em horários diferentes, dentre outros);</a:t>
+            </a:r>
+          </a:p>
+          <a:p>
+            <a:pPr marR="0" rtl="0" fontAlgn="b">
+              <a:buFontTx/>
+              <a:buChar char="-"/>
+            </a:pPr>
+            <a:endParaRPr lang="pt-BR" dirty="0"/>
+          </a:p>
+        </p:txBody>
+      </p:sp>
+    </p:spTree>
+    <p:extLst>
+      <p:ext uri="{BB962C8B-B14F-4D97-AF65-F5344CB8AC3E}">
+        <p14:creationId xmlns:p14="http://schemas.microsoft.com/office/powerpoint/2010/main" val="3695653372"/>
+      </p:ext>
+    </p:extLst>
+  </p:cSld>
+  <p:clrMapOvr>
+    <a:masterClrMapping/>
+  </p:clrMapOvr>
+</p:sld>
+</file>
+
+<file path=ppt/slides/slide26.xml><?xml version="1.0" encoding="utf-8"?>
+<p:sld xmlns:a="http://schemas.openxmlformats.org/drawingml/2006/main" xmlns:r="http://schemas.openxmlformats.org/officeDocument/2006/relationships" xmlns:p="http://schemas.openxmlformats.org/presentationml/2006/main">
+  <p:cSld>
+    <p:spTree>
+      <p:nvGrpSpPr>
+        <p:cNvPr id="1" name="">
+          <a:extLst>
+            <a:ext uri="{FF2B5EF4-FFF2-40B4-BE49-F238E27FC236}">
+              <a16:creationId xmlns:a16="http://schemas.microsoft.com/office/drawing/2014/main" id="{02C0FFFB-8E87-0AE6-0AA7-F92556D60F38}"/>
+            </a:ext>
+          </a:extLst>
+        </p:cNvPr>
+        <p:cNvGrpSpPr/>
+        <p:nvPr/>
+      </p:nvGrpSpPr>
+      <p:grpSpPr>
+        <a:xfrm>
+          <a:off x="0" y="0"/>
+          <a:ext cx="0" cy="0"/>
+          <a:chOff x="0" y="0"/>
+          <a:chExt cx="0" cy="0"/>
+        </a:xfrm>
+      </p:grpSpPr>
+      <p:sp>
+        <p:nvSpPr>
+          <p:cNvPr id="2" name="Título 1">
+            <a:extLst>
+              <a:ext uri="{FF2B5EF4-FFF2-40B4-BE49-F238E27FC236}">
+                <a16:creationId xmlns:a16="http://schemas.microsoft.com/office/drawing/2014/main" id="{14FD19DA-2DF9-BE5A-BFD2-40384FED82E5}"/>
+              </a:ext>
+            </a:extLst>
+          </p:cNvPr>
+          <p:cNvSpPr>
+            <a:spLocks noGrp="1"/>
+          </p:cNvSpPr>
+          <p:nvPr>
+            <p:ph type="title"/>
+          </p:nvPr>
+        </p:nvSpPr>
+        <p:spPr>
+          <a:xfrm>
+            <a:off x="435429" y="88036"/>
+            <a:ext cx="7886700" cy="493855"/>
+          </a:xfrm>
+        </p:spPr>
+        <p:txBody>
+          <a:bodyPr>
+            <a:normAutofit fontScale="90000"/>
+          </a:bodyPr>
+          <a:lstStyle/>
+          <a:p>
+            <a:pPr algn="ctr"/>
+            <a:r>
+              <a:rPr lang="pt-BR" dirty="0"/>
+              <a:t>Observações Críticas</a:t>
+            </a:r>
+          </a:p>
+        </p:txBody>
+      </p:sp>
+      <p:sp>
+        <p:nvSpPr>
+          <p:cNvPr id="3" name="Espaço Reservado para Conteúdo 2">
+            <a:extLst>
+              <a:ext uri="{FF2B5EF4-FFF2-40B4-BE49-F238E27FC236}">
+                <a16:creationId xmlns:a16="http://schemas.microsoft.com/office/drawing/2014/main" id="{CC00E6BA-9AE7-38F6-3962-88A6DAB48B26}"/>
+              </a:ext>
+            </a:extLst>
+          </p:cNvPr>
+          <p:cNvSpPr>
+            <a:spLocks noGrp="1"/>
+          </p:cNvSpPr>
+          <p:nvPr>
+            <p:ph idx="1"/>
+          </p:nvPr>
+        </p:nvSpPr>
+        <p:spPr>
+          <a:xfrm>
+            <a:off x="435429" y="487073"/>
+            <a:ext cx="8251371" cy="6066127"/>
+          </a:xfrm>
+          <a:solidFill>
+            <a:schemeClr val="bg1"/>
+          </a:solidFill>
+        </p:spPr>
+        <p:txBody>
+          <a:bodyPr>
+            <a:normAutofit fontScale="25000" lnSpcReduction="20000"/>
+          </a:bodyPr>
+          <a:lstStyle/>
+          <a:p>
+            <a:pPr marL="358775" marR="0" indent="-358775" fontAlgn="b">
+              <a:lnSpc>
+                <a:spcPct val="120000"/>
+              </a:lnSpc>
+              <a:spcBef>
+                <a:spcPts val="600"/>
+              </a:spcBef>
+              <a:buFont typeface="+mj-lt"/>
+              <a:buAutoNum type="arabicParenR" startAt="9"/>
+            </a:pPr>
+            <a:endParaRPr lang="pt-BR" sz="6600" dirty="0">
+              <a:solidFill>
+                <a:srgbClr val="000000"/>
+              </a:solidFill>
+              <a:latin typeface="Arial" panose="020B0604020202020204" pitchFamily="34" charset="0"/>
+            </a:endParaRPr>
+          </a:p>
+          <a:p>
+            <a:pPr marL="358775" indent="-358775" fontAlgn="b">
+              <a:lnSpc>
+                <a:spcPct val="120000"/>
+              </a:lnSpc>
+              <a:spcBef>
+                <a:spcPts val="600"/>
+              </a:spcBef>
+              <a:buFont typeface="+mj-lt"/>
+              <a:buAutoNum type="arabicParenR" startAt="9"/>
+            </a:pPr>
+            <a:r>
+              <a:rPr lang="pt-BR" sz="6600" dirty="0">
+                <a:solidFill>
+                  <a:srgbClr val="000000"/>
+                </a:solidFill>
+                <a:latin typeface="Arial" panose="020B0604020202020204" pitchFamily="34" charset="0"/>
+              </a:rPr>
+              <a:t>Fragilidade nos logins de acessos. Situações q trazem insegurança ao processo;</a:t>
+            </a:r>
+          </a:p>
+          <a:p>
+            <a:pPr marL="358775" marR="0" indent="-358775" fontAlgn="b">
+              <a:lnSpc>
+                <a:spcPct val="120000"/>
+              </a:lnSpc>
+              <a:spcBef>
+                <a:spcPts val="600"/>
+              </a:spcBef>
+              <a:buFont typeface="+mj-lt"/>
+              <a:buAutoNum type="arabicParenR" startAt="9"/>
+            </a:pPr>
+            <a:r>
+              <a:rPr lang="pt-BR" sz="6600" dirty="0">
+                <a:solidFill>
+                  <a:srgbClr val="000000"/>
+                </a:solidFill>
+                <a:latin typeface="Arial" panose="020B0604020202020204" pitchFamily="34" charset="0"/>
+              </a:rPr>
+              <a:t>Exames lançados são de difícil visualização, alguns sem valores anteriores, atualização do status;</a:t>
+            </a:r>
+          </a:p>
+          <a:p>
+            <a:pPr marL="358775" marR="0" indent="-358775" fontAlgn="b">
+              <a:lnSpc>
+                <a:spcPct val="120000"/>
+              </a:lnSpc>
+              <a:spcBef>
+                <a:spcPts val="600"/>
+              </a:spcBef>
+              <a:buFont typeface="+mj-lt"/>
+              <a:buAutoNum type="arabicParenR" startAt="9"/>
+            </a:pPr>
+            <a:r>
+              <a:rPr lang="pt-BR" sz="6600" dirty="0">
+                <a:solidFill>
+                  <a:srgbClr val="000000"/>
+                </a:solidFill>
+                <a:latin typeface="Arial" panose="020B0604020202020204" pitchFamily="34" charset="0"/>
+              </a:rPr>
+              <a:t>Os módulos serem distintos, precisando logar cada um separadamente;</a:t>
+            </a:r>
+          </a:p>
+          <a:p>
+            <a:pPr marL="358775" indent="-358775" fontAlgn="b">
+              <a:lnSpc>
+                <a:spcPct val="120000"/>
+              </a:lnSpc>
+              <a:spcBef>
+                <a:spcPts val="600"/>
+              </a:spcBef>
+              <a:buFont typeface="+mj-lt"/>
+              <a:buAutoNum type="arabicParenR" startAt="9"/>
+            </a:pPr>
+            <a:r>
+              <a:rPr lang="pt-BR" sz="6600" dirty="0">
+                <a:solidFill>
+                  <a:srgbClr val="000000"/>
+                </a:solidFill>
+                <a:latin typeface="Arial" panose="020B0604020202020204" pitchFamily="34" charset="0"/>
+              </a:rPr>
+              <a:t>Relatórios personalizados por vezes não tem opção de selecionar exatamente o tipo de informação que precisamos gerar;</a:t>
+            </a:r>
+          </a:p>
+          <a:p>
+            <a:pPr marL="358775" indent="-358775" fontAlgn="b">
+              <a:lnSpc>
+                <a:spcPct val="120000"/>
+              </a:lnSpc>
+              <a:spcBef>
+                <a:spcPts val="600"/>
+              </a:spcBef>
+              <a:buFont typeface="+mj-lt"/>
+              <a:buAutoNum type="arabicParenR" startAt="9"/>
+            </a:pPr>
+            <a:r>
+              <a:rPr lang="pt-BR" sz="6600" dirty="0">
+                <a:solidFill>
+                  <a:srgbClr val="000000"/>
+                </a:solidFill>
+                <a:latin typeface="Arial" panose="020B0604020202020204" pitchFamily="34" charset="0"/>
+              </a:rPr>
+              <a:t>Dificuldade de relatório. Dificuldade de gerar indicadores. Ligação com outros processos. Bloqueio de algo que não é autorizado;</a:t>
+            </a:r>
+          </a:p>
+          <a:p>
+            <a:pPr marL="358775" indent="-358775" fontAlgn="b">
+              <a:lnSpc>
+                <a:spcPct val="120000"/>
+              </a:lnSpc>
+              <a:spcBef>
+                <a:spcPts val="600"/>
+              </a:spcBef>
+              <a:buFont typeface="+mj-lt"/>
+              <a:buAutoNum type="arabicParenR" startAt="9"/>
+            </a:pPr>
+            <a:r>
+              <a:rPr lang="pt-BR" sz="6600" dirty="0">
+                <a:solidFill>
+                  <a:srgbClr val="000000"/>
+                </a:solidFill>
+                <a:latin typeface="Arial" panose="020B0604020202020204" pitchFamily="34" charset="0"/>
+              </a:rPr>
+              <a:t>Imagem do sistema desgastada durante os anos, falta de interesse em ajudar a melhorar o sistema, falta de acompanhamento da Empresa Fornecedora do Software, Equipe interna STI sem apoio/investimento;</a:t>
+            </a:r>
+          </a:p>
+          <a:p>
+            <a:pPr marL="358775" indent="-358775" fontAlgn="b">
+              <a:lnSpc>
+                <a:spcPct val="120000"/>
+              </a:lnSpc>
+              <a:spcBef>
+                <a:spcPts val="600"/>
+              </a:spcBef>
+              <a:buFont typeface="+mj-lt"/>
+              <a:buAutoNum type="arabicParenR" startAt="9"/>
+            </a:pPr>
+            <a:r>
+              <a:rPr lang="pt-BR" sz="6600" dirty="0">
+                <a:solidFill>
+                  <a:srgbClr val="000000"/>
+                </a:solidFill>
+                <a:latin typeface="Arial" panose="020B0604020202020204" pitchFamily="34" charset="0"/>
+              </a:rPr>
+              <a:t>Falta de confiabilidade nas informações;</a:t>
+            </a:r>
+          </a:p>
+          <a:p>
+            <a:pPr marL="358775" indent="-358775" fontAlgn="b">
+              <a:lnSpc>
+                <a:spcPct val="120000"/>
+              </a:lnSpc>
+              <a:spcBef>
+                <a:spcPts val="600"/>
+              </a:spcBef>
+              <a:buFont typeface="+mj-lt"/>
+              <a:buAutoNum type="arabicParenR" startAt="9"/>
+            </a:pPr>
+            <a:r>
+              <a:rPr lang="pt-BR" sz="6600" dirty="0">
+                <a:solidFill>
+                  <a:srgbClr val="000000"/>
+                </a:solidFill>
+                <a:latin typeface="Arial" panose="020B0604020202020204" pitchFamily="34" charset="0"/>
+              </a:rPr>
+              <a:t>Erro de estoque, </a:t>
+            </a:r>
+            <a:r>
+              <a:rPr lang="pt-BR" sz="6600" dirty="0" err="1">
+                <a:solidFill>
+                  <a:srgbClr val="000000"/>
+                </a:solidFill>
+                <a:latin typeface="Arial" panose="020B0604020202020204" pitchFamily="34" charset="0"/>
+              </a:rPr>
+              <a:t>saida</a:t>
+            </a:r>
+            <a:r>
+              <a:rPr lang="pt-BR" sz="6600" dirty="0">
+                <a:solidFill>
+                  <a:srgbClr val="000000"/>
+                </a:solidFill>
+                <a:latin typeface="Arial" panose="020B0604020202020204" pitchFamily="34" charset="0"/>
+              </a:rPr>
+              <a:t> duplicada, devolução duplicada, mensagens sem ponto de estoque e que foi gravada, mensagem que não é </a:t>
+            </a:r>
+            <a:r>
+              <a:rPr lang="pt-BR" sz="6600" dirty="0" err="1">
+                <a:solidFill>
+                  <a:srgbClr val="000000"/>
+                </a:solidFill>
+                <a:latin typeface="Arial" panose="020B0604020202020204" pitchFamily="34" charset="0"/>
+              </a:rPr>
+              <a:t>possivel</a:t>
+            </a:r>
+            <a:r>
+              <a:rPr lang="pt-BR" sz="6600" dirty="0">
+                <a:solidFill>
+                  <a:srgbClr val="000000"/>
+                </a:solidFill>
+                <a:latin typeface="Arial" panose="020B0604020202020204" pitchFamily="34" charset="0"/>
+              </a:rPr>
+              <a:t> gravar prescrição e grava;</a:t>
+            </a:r>
+          </a:p>
+          <a:p>
+            <a:pPr marL="358775" indent="-358775" fontAlgn="b">
+              <a:lnSpc>
+                <a:spcPct val="120000"/>
+              </a:lnSpc>
+              <a:spcBef>
+                <a:spcPts val="600"/>
+              </a:spcBef>
+              <a:buFont typeface="+mj-lt"/>
+              <a:buAutoNum type="arabicParenR" startAt="9"/>
+            </a:pPr>
+            <a:r>
+              <a:rPr lang="pt-BR" sz="6600" dirty="0">
+                <a:solidFill>
+                  <a:srgbClr val="000000"/>
+                </a:solidFill>
+                <a:latin typeface="Arial" panose="020B0604020202020204" pitchFamily="34" charset="0"/>
+              </a:rPr>
+              <a:t>Custos além dos benefícios para a customização do sistema. Implantação de um sistema padronizado.</a:t>
+            </a:r>
+          </a:p>
+          <a:p>
+            <a:pPr marR="0" rtl="0" fontAlgn="b">
+              <a:buFontTx/>
+              <a:buChar char="-"/>
+            </a:pPr>
+            <a:endParaRPr lang="pt-BR" dirty="0"/>
+          </a:p>
+        </p:txBody>
+      </p:sp>
+    </p:spTree>
+    <p:extLst>
+      <p:ext uri="{BB962C8B-B14F-4D97-AF65-F5344CB8AC3E}">
+        <p14:creationId xmlns:p14="http://schemas.microsoft.com/office/powerpoint/2010/main" val="4251089767"/>
+      </p:ext>
+    </p:extLst>
+  </p:cSld>
+  <p:clrMapOvr>
+    <a:masterClrMapping/>
+  </p:clrMapOvr>
+</p:sld>
+</file>
+
+<file path=ppt/slides/slide27.xml><?xml version="1.0" encoding="utf-8"?>
+<p:sld xmlns:a="http://schemas.openxmlformats.org/drawingml/2006/main" xmlns:r="http://schemas.openxmlformats.org/officeDocument/2006/relationships" xmlns:p="http://schemas.openxmlformats.org/presentationml/2006/main">
+  <p:cSld>
+    <p:spTree>
+      <p:nvGrpSpPr>
+        <p:cNvPr id="1" name="">
+          <a:extLst>
+            <a:ext uri="{FF2B5EF4-FFF2-40B4-BE49-F238E27FC236}">
+              <a16:creationId xmlns:a16="http://schemas.microsoft.com/office/drawing/2014/main" id="{796AA7CC-C4F6-6D58-5758-817B8FF3751F}"/>
+            </a:ext>
+          </a:extLst>
+        </p:cNvPr>
+        <p:cNvGrpSpPr/>
+        <p:nvPr/>
+      </p:nvGrpSpPr>
+      <p:grpSpPr>
+        <a:xfrm>
+          <a:off x="0" y="0"/>
+          <a:ext cx="0" cy="0"/>
+          <a:chOff x="0" y="0"/>
+          <a:chExt cx="0" cy="0"/>
+        </a:xfrm>
+      </p:grpSpPr>
+      <p:sp>
+        <p:nvSpPr>
+          <p:cNvPr id="2" name="Título 1">
+            <a:extLst>
+              <a:ext uri="{FF2B5EF4-FFF2-40B4-BE49-F238E27FC236}">
+                <a16:creationId xmlns:a16="http://schemas.microsoft.com/office/drawing/2014/main" id="{48EF2B61-CF2F-08BA-5468-C420E3068E5C}"/>
+              </a:ext>
+            </a:extLst>
+          </p:cNvPr>
+          <p:cNvSpPr>
+            <a:spLocks noGrp="1"/>
+          </p:cNvSpPr>
+          <p:nvPr>
+            <p:ph type="title"/>
+          </p:nvPr>
+        </p:nvSpPr>
+        <p:spPr>
+          <a:xfrm>
+            <a:off x="36946" y="88036"/>
+            <a:ext cx="7886700" cy="493855"/>
+          </a:xfrm>
+        </p:spPr>
+        <p:txBody>
+          <a:bodyPr>
+            <a:normAutofit fontScale="90000"/>
+          </a:bodyPr>
+          <a:lstStyle/>
+          <a:p>
+            <a:pPr algn="ctr"/>
+            <a:r>
+              <a:rPr lang="pt-BR" dirty="0"/>
+              <a:t>Observações Favoráveis</a:t>
+            </a:r>
+          </a:p>
+        </p:txBody>
+      </p:sp>
+      <p:sp>
+        <p:nvSpPr>
+          <p:cNvPr id="3" name="Espaço Reservado para Conteúdo 2">
+            <a:extLst>
+              <a:ext uri="{FF2B5EF4-FFF2-40B4-BE49-F238E27FC236}">
+                <a16:creationId xmlns:a16="http://schemas.microsoft.com/office/drawing/2014/main" id="{93131E01-8456-4823-44BE-3896FE0AF46C}"/>
+              </a:ext>
+            </a:extLst>
+          </p:cNvPr>
+          <p:cNvSpPr>
+            <a:spLocks noGrp="1"/>
+          </p:cNvSpPr>
+          <p:nvPr>
+            <p:ph idx="1"/>
+          </p:nvPr>
+        </p:nvSpPr>
+        <p:spPr>
+          <a:xfrm>
+            <a:off x="435429" y="487073"/>
+            <a:ext cx="8251371" cy="6066127"/>
+          </a:xfrm>
+          <a:solidFill>
+            <a:schemeClr val="bg1"/>
+          </a:solidFill>
+        </p:spPr>
+        <p:txBody>
+          <a:bodyPr>
+            <a:normAutofit fontScale="25000" lnSpcReduction="20000"/>
+          </a:bodyPr>
+          <a:lstStyle/>
+          <a:p>
+            <a:pPr marL="358775" indent="-358775" fontAlgn="b">
+              <a:lnSpc>
+                <a:spcPct val="120000"/>
+              </a:lnSpc>
+              <a:spcBef>
+                <a:spcPts val="600"/>
+              </a:spcBef>
+              <a:buFont typeface="+mj-lt"/>
+              <a:buAutoNum type="arabicParenR" startAt="9"/>
+            </a:pPr>
+            <a:endParaRPr lang="pt-BR" sz="6800" dirty="0">
+              <a:solidFill>
+                <a:srgbClr val="000000"/>
+              </a:solidFill>
+              <a:latin typeface="Arial" panose="020B0604020202020204" pitchFamily="34" charset="0"/>
+            </a:endParaRPr>
+          </a:p>
+          <a:p>
+            <a:pPr marL="358775" indent="-358775" fontAlgn="b">
+              <a:lnSpc>
+                <a:spcPct val="120000"/>
+              </a:lnSpc>
+              <a:spcBef>
+                <a:spcPts val="600"/>
+              </a:spcBef>
+              <a:buFont typeface="+mj-lt"/>
+              <a:buAutoNum type="arabicParenR"/>
+            </a:pPr>
+            <a:r>
+              <a:rPr lang="pt-BR" sz="6800" dirty="0">
+                <a:solidFill>
+                  <a:srgbClr val="000000"/>
+                </a:solidFill>
+                <a:latin typeface="Arial" panose="020B0604020202020204" pitchFamily="34" charset="0"/>
+              </a:rPr>
+              <a:t>Funciona em Sistema Operacional Linux, Banco de Dados Freeware, Ambiente Web, Desenvolvido se adequando as necessidades da Instituição;</a:t>
+            </a:r>
+          </a:p>
+          <a:p>
+            <a:pPr marL="358775" indent="-358775" fontAlgn="b">
+              <a:lnSpc>
+                <a:spcPct val="120000"/>
+              </a:lnSpc>
+              <a:spcBef>
+                <a:spcPts val="600"/>
+              </a:spcBef>
+              <a:buFont typeface="+mj-lt"/>
+              <a:buAutoNum type="arabicParenR"/>
+            </a:pPr>
+            <a:r>
+              <a:rPr lang="pt-BR" sz="6800" dirty="0">
+                <a:solidFill>
+                  <a:srgbClr val="000000"/>
+                </a:solidFill>
+                <a:latin typeface="Arial" panose="020B0604020202020204" pitchFamily="34" charset="0"/>
+              </a:rPr>
+              <a:t>Prático de fácil entendimento e acesso;</a:t>
+            </a:r>
+          </a:p>
+          <a:p>
+            <a:pPr marL="358775" indent="-358775" fontAlgn="b">
+              <a:lnSpc>
+                <a:spcPct val="120000"/>
+              </a:lnSpc>
+              <a:spcBef>
+                <a:spcPts val="600"/>
+              </a:spcBef>
+              <a:buFont typeface="+mj-lt"/>
+              <a:buAutoNum type="arabicParenR"/>
+            </a:pPr>
+            <a:r>
+              <a:rPr lang="pt-BR" sz="6800" dirty="0">
+                <a:solidFill>
+                  <a:srgbClr val="000000"/>
+                </a:solidFill>
+                <a:latin typeface="Arial" panose="020B0604020202020204" pitchFamily="34" charset="0"/>
+              </a:rPr>
+              <a:t>Aceitação de importação via arquivo (layout padrão) para lançamentos contábeis;</a:t>
+            </a:r>
+          </a:p>
+          <a:p>
+            <a:pPr marL="358775" indent="-358775" fontAlgn="b">
+              <a:lnSpc>
+                <a:spcPct val="120000"/>
+              </a:lnSpc>
+              <a:spcBef>
+                <a:spcPts val="600"/>
+              </a:spcBef>
+              <a:buFont typeface="+mj-lt"/>
+              <a:buAutoNum type="arabicParenR"/>
+            </a:pPr>
+            <a:r>
+              <a:rPr lang="pt-BR" sz="6800" dirty="0">
+                <a:solidFill>
+                  <a:srgbClr val="000000"/>
+                </a:solidFill>
+                <a:latin typeface="Arial" panose="020B0604020202020204" pitchFamily="34" charset="0"/>
+              </a:rPr>
+              <a:t>Facil entendimento no manuseio;</a:t>
+            </a:r>
+          </a:p>
+          <a:p>
+            <a:pPr marL="358775" indent="-358775" fontAlgn="b">
+              <a:lnSpc>
+                <a:spcPct val="120000"/>
+              </a:lnSpc>
+              <a:spcBef>
+                <a:spcPts val="600"/>
+              </a:spcBef>
+              <a:buFont typeface="+mj-lt"/>
+              <a:buAutoNum type="arabicParenR"/>
+            </a:pPr>
+            <a:r>
+              <a:rPr lang="pt-BR" sz="6800" dirty="0">
+                <a:solidFill>
+                  <a:srgbClr val="000000"/>
+                </a:solidFill>
+                <a:latin typeface="Arial" panose="020B0604020202020204" pitchFamily="34" charset="0"/>
+              </a:rPr>
+              <a:t>Sistema compatível com a infraestrutura de rede de dados do HRO;</a:t>
+            </a:r>
+          </a:p>
+          <a:p>
+            <a:pPr marL="358775" indent="-358775" fontAlgn="b">
+              <a:lnSpc>
+                <a:spcPct val="120000"/>
+              </a:lnSpc>
+              <a:spcBef>
+                <a:spcPts val="600"/>
+              </a:spcBef>
+              <a:buFont typeface="+mj-lt"/>
+              <a:buAutoNum type="arabicParenR"/>
+            </a:pPr>
+            <a:r>
+              <a:rPr lang="pt-BR" sz="6800" dirty="0">
+                <a:solidFill>
+                  <a:srgbClr val="000000"/>
+                </a:solidFill>
+                <a:latin typeface="Arial" panose="020B0604020202020204" pitchFamily="34" charset="0"/>
+              </a:rPr>
+              <a:t>Relatórios podem ser personalizados;</a:t>
+            </a:r>
+          </a:p>
+          <a:p>
+            <a:pPr marL="358775" indent="-358775" fontAlgn="b">
+              <a:lnSpc>
+                <a:spcPct val="120000"/>
+              </a:lnSpc>
+              <a:spcBef>
+                <a:spcPts val="600"/>
+              </a:spcBef>
+              <a:buFont typeface="+mj-lt"/>
+              <a:buAutoNum type="arabicParenR"/>
+            </a:pPr>
+            <a:r>
+              <a:rPr lang="pt-BR" sz="6800" dirty="0">
+                <a:solidFill>
+                  <a:srgbClr val="000000"/>
+                </a:solidFill>
+                <a:latin typeface="Arial" panose="020B0604020202020204" pitchFamily="34" charset="0"/>
+              </a:rPr>
+              <a:t>Sistema didático;</a:t>
+            </a:r>
+          </a:p>
+          <a:p>
+            <a:pPr marL="358775" indent="-358775" fontAlgn="b">
+              <a:lnSpc>
+                <a:spcPct val="120000"/>
+              </a:lnSpc>
+              <a:spcBef>
+                <a:spcPts val="600"/>
+              </a:spcBef>
+              <a:buFont typeface="+mj-lt"/>
+              <a:buAutoNum type="arabicParenR"/>
+            </a:pPr>
+            <a:r>
+              <a:rPr lang="pt-BR" sz="6800" dirty="0">
+                <a:solidFill>
+                  <a:srgbClr val="000000"/>
+                </a:solidFill>
+                <a:latin typeface="Arial" panose="020B0604020202020204" pitchFamily="34" charset="0"/>
+              </a:rPr>
+              <a:t>Sistema de fácil entendimento;</a:t>
+            </a:r>
+          </a:p>
+          <a:p>
+            <a:pPr marL="358775" indent="-358775" fontAlgn="b">
+              <a:lnSpc>
+                <a:spcPct val="120000"/>
+              </a:lnSpc>
+              <a:spcBef>
+                <a:spcPts val="600"/>
+              </a:spcBef>
+              <a:buFont typeface="+mj-lt"/>
+              <a:buAutoNum type="arabicParenR"/>
+            </a:pPr>
+            <a:r>
+              <a:rPr lang="pt-BR" sz="6800" dirty="0">
+                <a:solidFill>
+                  <a:srgbClr val="000000"/>
+                </a:solidFill>
+                <a:latin typeface="Arial" panose="020B0604020202020204" pitchFamily="34" charset="0"/>
+              </a:rPr>
+              <a:t>Facilidade na busca de prontuários, layout de fácil aprendizado e intuitivo;</a:t>
+            </a:r>
+          </a:p>
+          <a:p>
+            <a:pPr marL="358775" indent="-358775" fontAlgn="b">
+              <a:lnSpc>
+                <a:spcPct val="120000"/>
+              </a:lnSpc>
+              <a:spcBef>
+                <a:spcPts val="600"/>
+              </a:spcBef>
+              <a:buFont typeface="+mj-lt"/>
+              <a:buAutoNum type="arabicParenR"/>
+            </a:pPr>
+            <a:r>
+              <a:rPr lang="pt-BR" sz="6800" dirty="0">
+                <a:solidFill>
+                  <a:srgbClr val="000000"/>
+                </a:solidFill>
+                <a:latin typeface="Arial" panose="020B0604020202020204" pitchFamily="34" charset="0"/>
+              </a:rPr>
+              <a:t>Atende as necessidades administrativas;</a:t>
+            </a:r>
+            <a:endParaRPr lang="pt-BR" dirty="0"/>
+          </a:p>
+        </p:txBody>
+      </p:sp>
+    </p:spTree>
+    <p:extLst>
+      <p:ext uri="{BB962C8B-B14F-4D97-AF65-F5344CB8AC3E}">
+        <p14:creationId xmlns:p14="http://schemas.microsoft.com/office/powerpoint/2010/main" val="1422400270"/>
+      </p:ext>
+    </p:extLst>
+  </p:cSld>
+  <p:clrMapOvr>
+    <a:masterClrMapping/>
+  </p:clrMapOvr>
+</p:sld>
+</file>
+
+<file path=ppt/slides/slide28.xml><?xml version="1.0" encoding="utf-8"?>
+<p:sld xmlns:a="http://schemas.openxmlformats.org/drawingml/2006/main" xmlns:r="http://schemas.openxmlformats.org/officeDocument/2006/relationships" xmlns:p="http://schemas.openxmlformats.org/presentationml/2006/main">
+  <p:cSld>
+    <p:spTree>
+      <p:nvGrpSpPr>
+        <p:cNvPr id="1" name="">
+          <a:extLst>
+            <a:ext uri="{FF2B5EF4-FFF2-40B4-BE49-F238E27FC236}">
+              <a16:creationId xmlns:a16="http://schemas.microsoft.com/office/drawing/2014/main" id="{785C19DB-D328-306A-A563-D21CC3AE6E7A}"/>
+            </a:ext>
+          </a:extLst>
+        </p:cNvPr>
+        <p:cNvGrpSpPr/>
+        <p:nvPr/>
+      </p:nvGrpSpPr>
+      <p:grpSpPr>
+        <a:xfrm>
+          <a:off x="0" y="0"/>
+          <a:ext cx="0" cy="0"/>
+          <a:chOff x="0" y="0"/>
+          <a:chExt cx="0" cy="0"/>
+        </a:xfrm>
+      </p:grpSpPr>
+      <p:sp>
+        <p:nvSpPr>
+          <p:cNvPr id="2" name="Título 1">
+            <a:extLst>
+              <a:ext uri="{FF2B5EF4-FFF2-40B4-BE49-F238E27FC236}">
+                <a16:creationId xmlns:a16="http://schemas.microsoft.com/office/drawing/2014/main" id="{46B33AB2-4A48-6B2B-B150-993EA5756A14}"/>
+              </a:ext>
+            </a:extLst>
+          </p:cNvPr>
+          <p:cNvSpPr>
+            <a:spLocks noGrp="1"/>
+          </p:cNvSpPr>
+          <p:nvPr>
+            <p:ph type="title"/>
+          </p:nvPr>
+        </p:nvSpPr>
+        <p:spPr>
+          <a:xfrm>
+            <a:off x="349463" y="334963"/>
+            <a:ext cx="7886700" cy="493855"/>
+          </a:xfrm>
+        </p:spPr>
+        <p:txBody>
+          <a:bodyPr>
+            <a:normAutofit fontScale="90000"/>
+          </a:bodyPr>
+          <a:lstStyle/>
+          <a:p>
+            <a:pPr algn="ctr"/>
+            <a:r>
+              <a:rPr lang="pt-BR" dirty="0"/>
+              <a:t>Observações Favoráveis</a:t>
+            </a:r>
+          </a:p>
+        </p:txBody>
+      </p:sp>
+      <p:sp>
+        <p:nvSpPr>
+          <p:cNvPr id="3" name="Espaço Reservado para Conteúdo 2">
+            <a:extLst>
+              <a:ext uri="{FF2B5EF4-FFF2-40B4-BE49-F238E27FC236}">
+                <a16:creationId xmlns:a16="http://schemas.microsoft.com/office/drawing/2014/main" id="{55B8245E-8BB5-EC0B-F865-1A6A97235B75}"/>
+              </a:ext>
+            </a:extLst>
+          </p:cNvPr>
+          <p:cNvSpPr>
+            <a:spLocks noGrp="1"/>
+          </p:cNvSpPr>
+          <p:nvPr>
+            <p:ph idx="1"/>
+          </p:nvPr>
+        </p:nvSpPr>
+        <p:spPr>
+          <a:xfrm>
+            <a:off x="446314" y="1088957"/>
+            <a:ext cx="8251371" cy="5149797"/>
+          </a:xfrm>
+          <a:solidFill>
+            <a:schemeClr val="bg1"/>
+          </a:solidFill>
+        </p:spPr>
+        <p:txBody>
+          <a:bodyPr>
+            <a:normAutofit/>
+          </a:bodyPr>
+          <a:lstStyle/>
+          <a:p>
+            <a:pPr marL="358775" marR="0" indent="-358775" fontAlgn="b">
+              <a:lnSpc>
+                <a:spcPct val="100000"/>
+              </a:lnSpc>
+              <a:spcBef>
+                <a:spcPts val="600"/>
+              </a:spcBef>
+              <a:buFont typeface="+mj-lt"/>
+              <a:buAutoNum type="arabicParenR" startAt="11"/>
+            </a:pPr>
+            <a:r>
+              <a:rPr lang="pt-BR" sz="1700" dirty="0">
+                <a:solidFill>
+                  <a:srgbClr val="000000"/>
+                </a:solidFill>
+                <a:latin typeface="Arial" panose="020B0604020202020204" pitchFamily="34" charset="0"/>
+              </a:rPr>
+              <a:t>Maior investimento. Integrar a área de qualidade/processos para oportunizar uma continuidade efetiva do ambiente operacional;</a:t>
+            </a:r>
+          </a:p>
+          <a:p>
+            <a:pPr marL="358775" marR="0" indent="-358775" fontAlgn="b">
+              <a:lnSpc>
+                <a:spcPct val="100000"/>
+              </a:lnSpc>
+              <a:spcBef>
+                <a:spcPts val="600"/>
+              </a:spcBef>
+              <a:buFont typeface="+mj-lt"/>
+              <a:buAutoNum type="arabicParenR" startAt="11"/>
+            </a:pPr>
+            <a:r>
+              <a:rPr lang="pt-BR" sz="1700" dirty="0">
+                <a:solidFill>
+                  <a:srgbClr val="000000"/>
+                </a:solidFill>
+                <a:latin typeface="Arial" panose="020B0604020202020204" pitchFamily="34" charset="0"/>
+              </a:rPr>
+              <a:t>Possibilidade de extrair relatórios em CSV onde não haja deslocamento de colunas nas páginas seguintes da primeira ou na última;</a:t>
+            </a:r>
+            <a:br>
+              <a:rPr lang="pt-BR" sz="1700" dirty="0">
+                <a:solidFill>
+                  <a:srgbClr val="000000"/>
+                </a:solidFill>
+                <a:latin typeface="Arial" panose="020B0604020202020204" pitchFamily="34" charset="0"/>
+              </a:rPr>
+            </a:br>
+            <a:r>
+              <a:rPr lang="pt-BR" sz="1700" dirty="0">
+                <a:solidFill>
+                  <a:srgbClr val="000000"/>
+                </a:solidFill>
+                <a:latin typeface="Arial" panose="020B0604020202020204" pitchFamily="34" charset="0"/>
+              </a:rPr>
+              <a:t>- Possibilidade de importar cadastro de contas contábeis no plano de contas já cadastrados, via layout;</a:t>
+            </a:r>
+          </a:p>
+          <a:p>
+            <a:pPr marL="358775" marR="0" indent="-358775" fontAlgn="b">
+              <a:lnSpc>
+                <a:spcPct val="100000"/>
+              </a:lnSpc>
+              <a:spcBef>
+                <a:spcPts val="600"/>
+              </a:spcBef>
+              <a:buFont typeface="+mj-lt"/>
+              <a:buAutoNum type="arabicParenR" startAt="11"/>
+            </a:pPr>
+            <a:r>
+              <a:rPr lang="pt-BR" sz="1700" dirty="0">
+                <a:solidFill>
+                  <a:srgbClr val="000000"/>
+                </a:solidFill>
+                <a:latin typeface="Arial" panose="020B0604020202020204" pitchFamily="34" charset="0"/>
+              </a:rPr>
+              <a:t>Nada;</a:t>
+            </a:r>
+          </a:p>
+          <a:p>
+            <a:pPr marL="358775" marR="0" indent="-358775" fontAlgn="b">
+              <a:lnSpc>
+                <a:spcPct val="100000"/>
+              </a:lnSpc>
+              <a:spcBef>
+                <a:spcPts val="600"/>
+              </a:spcBef>
+              <a:buFont typeface="+mj-lt"/>
+              <a:buAutoNum type="arabicParenR" startAt="11"/>
+            </a:pPr>
+            <a:r>
+              <a:rPr lang="pt-BR" sz="1700" dirty="0">
+                <a:solidFill>
+                  <a:srgbClr val="000000"/>
+                </a:solidFill>
+                <a:latin typeface="Arial" panose="020B0604020202020204" pitchFamily="34" charset="0"/>
+              </a:rPr>
+              <a:t>A </a:t>
+            </a:r>
+            <a:r>
+              <a:rPr lang="pt-BR" sz="1700" dirty="0" err="1">
+                <a:solidFill>
+                  <a:srgbClr val="000000"/>
+                </a:solidFill>
+                <a:latin typeface="Arial" panose="020B0604020202020204" pitchFamily="34" charset="0"/>
+              </a:rPr>
+              <a:t>emrpesa</a:t>
+            </a:r>
+            <a:r>
+              <a:rPr lang="pt-BR" sz="1700" dirty="0">
+                <a:solidFill>
+                  <a:srgbClr val="000000"/>
+                </a:solidFill>
+                <a:latin typeface="Arial" panose="020B0604020202020204" pitchFamily="34" charset="0"/>
+              </a:rPr>
+              <a:t> é da região. Pode incluir pessoal operacional dentro do HRO para acompanhamento e customização;</a:t>
+            </a:r>
+          </a:p>
+          <a:p>
+            <a:pPr marL="358775" marR="0" indent="-358775" fontAlgn="b">
+              <a:lnSpc>
+                <a:spcPct val="100000"/>
+              </a:lnSpc>
+              <a:spcBef>
+                <a:spcPts val="600"/>
+              </a:spcBef>
+              <a:buFont typeface="+mj-lt"/>
+              <a:buAutoNum type="arabicParenR" startAt="11"/>
+            </a:pPr>
+            <a:r>
+              <a:rPr lang="pt-BR" sz="1700" dirty="0">
+                <a:solidFill>
+                  <a:srgbClr val="000000"/>
+                </a:solidFill>
+                <a:latin typeface="Arial" panose="020B0604020202020204" pitchFamily="34" charset="0"/>
+              </a:rPr>
+              <a:t>Atende com ressalvas, </a:t>
+            </a:r>
+            <a:r>
+              <a:rPr lang="pt-BR" sz="1700" dirty="0" err="1">
+                <a:solidFill>
+                  <a:srgbClr val="000000"/>
+                </a:solidFill>
+                <a:latin typeface="Arial" panose="020B0604020202020204" pitchFamily="34" charset="0"/>
+              </a:rPr>
+              <a:t>planexo</a:t>
+            </a:r>
+            <a:r>
+              <a:rPr lang="pt-BR" sz="1700" dirty="0">
+                <a:solidFill>
+                  <a:srgbClr val="000000"/>
+                </a:solidFill>
+                <a:latin typeface="Arial" panose="020B0604020202020204" pitchFamily="34" charset="0"/>
+              </a:rPr>
+              <a:t>, </a:t>
+            </a:r>
+            <a:r>
+              <a:rPr lang="pt-BR" sz="1700" dirty="0" err="1">
+                <a:solidFill>
+                  <a:srgbClr val="000000"/>
+                </a:solidFill>
+                <a:latin typeface="Arial" panose="020B0604020202020204" pitchFamily="34" charset="0"/>
+              </a:rPr>
+              <a:t>opuspac</a:t>
+            </a:r>
+            <a:r>
+              <a:rPr lang="pt-BR" sz="1700" dirty="0">
+                <a:solidFill>
+                  <a:srgbClr val="000000"/>
+                </a:solidFill>
+                <a:latin typeface="Arial" panose="020B0604020202020204" pitchFamily="34" charset="0"/>
+              </a:rPr>
+              <a:t> e </a:t>
+            </a:r>
+            <a:r>
+              <a:rPr lang="pt-BR" sz="1700" dirty="0" err="1">
+                <a:solidFill>
+                  <a:srgbClr val="000000"/>
+                </a:solidFill>
+                <a:latin typeface="Arial" panose="020B0604020202020204" pitchFamily="34" charset="0"/>
+              </a:rPr>
+              <a:t>noharm</a:t>
+            </a:r>
+            <a:r>
+              <a:rPr lang="pt-BR" sz="1700" dirty="0">
+                <a:solidFill>
+                  <a:srgbClr val="000000"/>
+                </a:solidFill>
+                <a:latin typeface="Arial" panose="020B0604020202020204" pitchFamily="34" charset="0"/>
+              </a:rPr>
+              <a:t> em uso na farmácia, no último, os exames não integram;</a:t>
+            </a:r>
+          </a:p>
+          <a:p>
+            <a:pPr marL="358775" marR="0" indent="-358775" fontAlgn="b">
+              <a:lnSpc>
+                <a:spcPct val="100000"/>
+              </a:lnSpc>
+              <a:spcBef>
+                <a:spcPts val="600"/>
+              </a:spcBef>
+              <a:buFont typeface="+mj-lt"/>
+              <a:buAutoNum type="arabicParenR" startAt="11"/>
+            </a:pPr>
+            <a:r>
+              <a:rPr lang="pt-BR" sz="1700" dirty="0">
+                <a:solidFill>
+                  <a:srgbClr val="000000"/>
+                </a:solidFill>
+                <a:latin typeface="Arial" panose="020B0604020202020204" pitchFamily="34" charset="0"/>
+              </a:rPr>
+              <a:t>A integração dos exames na </a:t>
+            </a:r>
+            <a:r>
+              <a:rPr lang="pt-BR" sz="1700" dirty="0" err="1">
+                <a:solidFill>
+                  <a:srgbClr val="000000"/>
+                </a:solidFill>
+                <a:latin typeface="Arial" panose="020B0604020202020204" pitchFamily="34" charset="0"/>
+              </a:rPr>
+              <a:t>noHarm</a:t>
+            </a:r>
+            <a:r>
+              <a:rPr lang="pt-BR" sz="1700" dirty="0">
+                <a:solidFill>
+                  <a:srgbClr val="000000"/>
+                </a:solidFill>
+                <a:latin typeface="Arial" panose="020B0604020202020204" pitchFamily="34" charset="0"/>
+              </a:rPr>
+              <a:t> que não aconteceu;</a:t>
+            </a:r>
+          </a:p>
+          <a:p>
+            <a:pPr marL="358775" marR="0" indent="-358775" fontAlgn="b">
+              <a:lnSpc>
+                <a:spcPct val="100000"/>
+              </a:lnSpc>
+              <a:spcBef>
+                <a:spcPts val="600"/>
+              </a:spcBef>
+              <a:buFont typeface="+mj-lt"/>
+              <a:buAutoNum type="arabicParenR" startAt="11"/>
+            </a:pPr>
+            <a:r>
+              <a:rPr lang="pt-BR" sz="1700" dirty="0">
+                <a:solidFill>
+                  <a:srgbClr val="000000"/>
+                </a:solidFill>
+                <a:latin typeface="Arial" panose="020B0604020202020204" pitchFamily="34" charset="0"/>
+              </a:rPr>
+              <a:t>Atende;</a:t>
+            </a:r>
+          </a:p>
+          <a:p>
+            <a:pPr marL="358775" marR="0" indent="-358775" fontAlgn="b">
+              <a:lnSpc>
+                <a:spcPct val="100000"/>
+              </a:lnSpc>
+              <a:spcBef>
+                <a:spcPts val="600"/>
+              </a:spcBef>
+              <a:buFont typeface="+mj-lt"/>
+              <a:buAutoNum type="arabicParenR" startAt="11"/>
+            </a:pPr>
+            <a:r>
+              <a:rPr lang="pt-BR" sz="1700" dirty="0">
+                <a:solidFill>
+                  <a:srgbClr val="000000"/>
+                </a:solidFill>
+                <a:latin typeface="Arial" panose="020B0604020202020204" pitchFamily="34" charset="0"/>
+              </a:rPr>
+              <a:t>Interligação com sistema CADSUS, SISREG e SES LEITOS.</a:t>
+            </a:r>
+          </a:p>
+        </p:txBody>
+      </p:sp>
+    </p:spTree>
+    <p:extLst>
+      <p:ext uri="{BB962C8B-B14F-4D97-AF65-F5344CB8AC3E}">
+        <p14:creationId xmlns:p14="http://schemas.microsoft.com/office/powerpoint/2010/main" val="1074965010"/>
+      </p:ext>
+    </p:extLst>
+  </p:cSld>
+  <p:clrMapOvr>
+    <a:masterClrMapping/>
+  </p:clrMapOvr>
+</p:sld>
+</file>
+
+<file path=ppt/slides/slide29.xml><?xml version="1.0" encoding="utf-8"?>
+<p:sld xmlns:a="http://schemas.openxmlformats.org/drawingml/2006/main" xmlns:r="http://schemas.openxmlformats.org/officeDocument/2006/relationships" xmlns:p="http://schemas.openxmlformats.org/presentationml/2006/main">
+  <p:cSld>
+    <p:spTree>
+      <p:nvGrpSpPr>
         <p:cNvPr id="1" name="Shape 254"/>
         <p:cNvGrpSpPr/>
         <p:nvPr/>
@@ -23789,6 +25324,450 @@
       <p:sp>
         <p:nvSpPr>
           <p:cNvPr id="255" name="Google Shape;255;p5"/>
+          <p:cNvSpPr txBox="1"/>
+          <p:nvPr/>
+        </p:nvSpPr>
+        <p:spPr>
+          <a:xfrm>
+            <a:off x="223157" y="2805783"/>
+            <a:ext cx="8697686" cy="1731213"/>
+          </a:xfrm>
+          <a:prstGeom prst="rect">
+            <a:avLst/>
+          </a:prstGeom>
+          <a:noFill/>
+          <a:ln>
+            <a:noFill/>
+          </a:ln>
+        </p:spPr>
+        <p:txBody>
+          <a:bodyPr spcFirstLastPara="1" wrap="square" lIns="68569" tIns="34275" rIns="68569" bIns="34275" anchor="t" anchorCtr="0">
+            <a:spAutoFit/>
+          </a:bodyPr>
+          <a:lstStyle/>
+          <a:p>
+            <a:pPr algn="ctr">
+              <a:buSzPts val="5400"/>
+            </a:pPr>
+            <a:r>
+              <a:rPr lang="pt-BR" sz="3600" dirty="0">
+                <a:solidFill>
+                  <a:srgbClr val="0F4861"/>
+                </a:solidFill>
+              </a:rPr>
+              <a:t>Opções em Sistemas:</a:t>
+            </a:r>
+          </a:p>
+          <a:p>
+            <a:pPr algn="ctr">
+              <a:buSzPts val="5400"/>
+            </a:pPr>
+            <a:r>
+              <a:rPr lang="pt-BR" sz="3600" dirty="0">
+                <a:solidFill>
+                  <a:srgbClr val="0F4861"/>
+                </a:solidFill>
+              </a:rPr>
+              <a:t>1- Aluguel/Sistema Fechado</a:t>
+            </a:r>
+          </a:p>
+          <a:p>
+            <a:pPr algn="ctr">
+              <a:buSzPts val="5400"/>
+            </a:pPr>
+            <a:r>
+              <a:rPr lang="pt-BR" sz="3600" dirty="0">
+                <a:solidFill>
+                  <a:srgbClr val="0F4861"/>
+                </a:solidFill>
+              </a:rPr>
+              <a:t>2 - Open </a:t>
+            </a:r>
+            <a:r>
+              <a:rPr lang="pt-BR" sz="3600" dirty="0" err="1">
+                <a:solidFill>
+                  <a:srgbClr val="0F4861"/>
+                </a:solidFill>
+              </a:rPr>
+              <a:t>Source</a:t>
+            </a:r>
+            <a:r>
+              <a:rPr lang="pt-BR" sz="3600" dirty="0">
+                <a:solidFill>
+                  <a:srgbClr val="0F4861"/>
+                </a:solidFill>
+              </a:rPr>
+              <a:t>/Sistema Aberto</a:t>
+            </a:r>
+            <a:endParaRPr sz="3600" dirty="0">
+              <a:solidFill>
+                <a:srgbClr val="0F4861"/>
+              </a:solidFill>
+            </a:endParaRPr>
+          </a:p>
+        </p:txBody>
+      </p:sp>
+    </p:spTree>
+    <p:extLst>
+      <p:ext uri="{BB962C8B-B14F-4D97-AF65-F5344CB8AC3E}">
+        <p14:creationId xmlns:p14="http://schemas.microsoft.com/office/powerpoint/2010/main" val="2391642659"/>
+      </p:ext>
+    </p:extLst>
+  </p:cSld>
+  <p:clrMapOvr>
+    <a:masterClrMapping/>
+  </p:clrMapOvr>
+</p:sld>
+</file>
+
+<file path=ppt/slides/slide3.xml><?xml version="1.0" encoding="utf-8"?>
+<p:sld xmlns:a="http://schemas.openxmlformats.org/drawingml/2006/main" xmlns:r="http://schemas.openxmlformats.org/officeDocument/2006/relationships" xmlns:p="http://schemas.openxmlformats.org/presentationml/2006/main">
+  <p:cSld>
+    <p:bg>
+      <p:bgPr>
+        <a:solidFill>
+          <a:schemeClr val="bg1"/>
+        </a:solidFill>
+        <a:effectLst/>
+      </p:bgPr>
+    </p:bg>
+    <p:spTree>
+      <p:nvGrpSpPr>
+        <p:cNvPr id="1" name=""/>
+        <p:cNvGrpSpPr/>
+        <p:nvPr/>
+      </p:nvGrpSpPr>
+      <p:grpSpPr>
+        <a:xfrm>
+          <a:off x="0" y="0"/>
+          <a:ext cx="0" cy="0"/>
+          <a:chOff x="0" y="0"/>
+          <a:chExt cx="0" cy="0"/>
+        </a:xfrm>
+      </p:grpSpPr>
+      <p:sp useBgFill="1">
+        <p:nvSpPr>
+          <p:cNvPr id="8" name="Rectangle 7">
+            <a:extLst>
+              <a:ext uri="{FF2B5EF4-FFF2-40B4-BE49-F238E27FC236}">
+                <a16:creationId xmlns:a16="http://schemas.microsoft.com/office/drawing/2014/main" id="{081EA652-8C6A-4E69-BEB9-170809474553}"/>
+              </a:ext>
+              <a:ext uri="{C183D7F6-B498-43B3-948B-1728B52AA6E4}">
+                <adec:decorative xmlns:adec="http://schemas.microsoft.com/office/drawing/2017/decorative" val="1"/>
+              </a:ext>
+            </a:extLst>
+          </p:cNvPr>
+          <p:cNvSpPr>
+            <a:spLocks noGrp="1" noRot="1" noChangeAspect="1" noMove="1" noResize="1" noEditPoints="1" noAdjustHandles="1" noChangeArrowheads="1" noChangeShapeType="1" noTextEdit="1"/>
+          </p:cNvSpPr>
+          <p:nvPr>
+            <p:extLst>
+              <p:ext uri="{386F3935-93C4-4BCD-93E2-E3B085C9AB24}">
+                <p16:designElem xmlns:p16="http://schemas.microsoft.com/office/powerpoint/2015/main" val="1"/>
+              </p:ext>
+            </p:extLst>
+          </p:nvPr>
+        </p:nvSpPr>
+        <p:spPr>
+          <a:xfrm>
+            <a:off x="0" y="0"/>
+            <a:ext cx="9144000" cy="6858000"/>
+          </a:xfrm>
+          <a:prstGeom prst="rect">
+            <a:avLst/>
+          </a:prstGeom>
+          <a:ln>
+            <a:noFill/>
+          </a:ln>
+        </p:spPr>
+        <p:style>
+          <a:lnRef idx="2">
+            <a:schemeClr val="accent1">
+              <a:shade val="50000"/>
+            </a:schemeClr>
+          </a:lnRef>
+          <a:fillRef idx="1">
+            <a:schemeClr val="accent1"/>
+          </a:fillRef>
+          <a:effectRef idx="0">
+            <a:schemeClr val="accent1"/>
+          </a:effectRef>
+          <a:fontRef idx="minor">
+            <a:schemeClr val="lt1"/>
+          </a:fontRef>
+        </p:style>
+        <p:txBody>
+          <a:bodyPr rtlCol="0" anchor="ctr"/>
+          <a:lstStyle/>
+          <a:p>
+            <a:pPr algn="ctr"/>
+            <a:endParaRPr lang="en-US"/>
+          </a:p>
+        </p:txBody>
+      </p:sp>
+      <p:sp>
+        <p:nvSpPr>
+          <p:cNvPr id="10" name="Right Triangle 9">
+            <a:extLst>
+              <a:ext uri="{FF2B5EF4-FFF2-40B4-BE49-F238E27FC236}">
+                <a16:creationId xmlns:a16="http://schemas.microsoft.com/office/drawing/2014/main" id="{5298780A-33B9-4EA2-8F67-DE68AD62841B}"/>
+              </a:ext>
+              <a:ext uri="{C183D7F6-B498-43B3-948B-1728B52AA6E4}">
+                <adec:decorative xmlns:adec="http://schemas.microsoft.com/office/drawing/2017/decorative" val="1"/>
+              </a:ext>
+            </a:extLst>
+          </p:cNvPr>
+          <p:cNvSpPr>
+            <a:spLocks noGrp="1" noRot="1" noChangeAspect="1" noMove="1" noResize="1" noEditPoints="1" noAdjustHandles="1" noChangeArrowheads="1" noChangeShapeType="1" noTextEdit="1"/>
+          </p:cNvSpPr>
+          <p:nvPr>
+            <p:extLst>
+              <p:ext uri="{386F3935-93C4-4BCD-93E2-E3B085C9AB24}">
+                <p16:designElem xmlns:p16="http://schemas.microsoft.com/office/powerpoint/2015/main" val="1"/>
+              </p:ext>
+            </p:extLst>
+          </p:nvPr>
+        </p:nvSpPr>
+        <p:spPr>
+          <a:xfrm flipH="1">
+            <a:off x="6432540" y="3335867"/>
+            <a:ext cx="2468880" cy="3200400"/>
+          </a:xfrm>
+          <a:prstGeom prst="rtTriangle">
+            <a:avLst/>
+          </a:prstGeom>
+          <a:solidFill>
+            <a:schemeClr val="accent4"/>
+          </a:solidFill>
+          <a:ln>
+            <a:noFill/>
+          </a:ln>
+        </p:spPr>
+        <p:style>
+          <a:lnRef idx="2">
+            <a:schemeClr val="accent1">
+              <a:shade val="50000"/>
+            </a:schemeClr>
+          </a:lnRef>
+          <a:fillRef idx="1">
+            <a:schemeClr val="accent1"/>
+          </a:fillRef>
+          <a:effectRef idx="0">
+            <a:schemeClr val="accent1"/>
+          </a:effectRef>
+          <a:fontRef idx="minor">
+            <a:schemeClr val="lt1"/>
+          </a:fontRef>
+        </p:style>
+        <p:txBody>
+          <a:bodyPr rtlCol="0" anchor="ctr"/>
+          <a:lstStyle/>
+          <a:p>
+            <a:pPr algn="ctr"/>
+            <a:endParaRPr lang="en-US" dirty="0"/>
+          </a:p>
+        </p:txBody>
+      </p:sp>
+      <p:sp>
+        <p:nvSpPr>
+          <p:cNvPr id="12" name="Rectangle 11">
+            <a:extLst>
+              <a:ext uri="{FF2B5EF4-FFF2-40B4-BE49-F238E27FC236}">
+                <a16:creationId xmlns:a16="http://schemas.microsoft.com/office/drawing/2014/main" id="{7F488E8B-4E1E-4402-8935-D4E6C02615C7}"/>
+              </a:ext>
+              <a:ext uri="{C183D7F6-B498-43B3-948B-1728B52AA6E4}">
+                <adec:decorative xmlns:adec="http://schemas.microsoft.com/office/drawing/2017/decorative" val="1"/>
+              </a:ext>
+            </a:extLst>
+          </p:cNvPr>
+          <p:cNvSpPr>
+            <a:spLocks noGrp="1" noRot="1" noChangeAspect="1" noMove="1" noResize="1" noEditPoints="1" noAdjustHandles="1" noChangeArrowheads="1" noChangeShapeType="1" noTextEdit="1"/>
+          </p:cNvSpPr>
+          <p:nvPr>
+            <p:extLst>
+              <p:ext uri="{386F3935-93C4-4BCD-93E2-E3B085C9AB24}">
+                <p16:designElem xmlns:p16="http://schemas.microsoft.com/office/powerpoint/2015/main" val="1"/>
+              </p:ext>
+            </p:extLst>
+          </p:nvPr>
+        </p:nvSpPr>
+        <p:spPr>
+          <a:xfrm>
+            <a:off x="481330" y="623275"/>
+            <a:ext cx="8178790" cy="5607882"/>
+          </a:xfrm>
+          <a:prstGeom prst="rect">
+            <a:avLst/>
+          </a:prstGeom>
+          <a:noFill/>
+          <a:ln w="19050">
+            <a:solidFill>
+              <a:schemeClr val="tx1">
+                <a:lumMod val="75000"/>
+                <a:lumOff val="25000"/>
+              </a:schemeClr>
+            </a:solidFill>
+          </a:ln>
+        </p:spPr>
+        <p:style>
+          <a:lnRef idx="2">
+            <a:schemeClr val="accent1">
+              <a:shade val="50000"/>
+            </a:schemeClr>
+          </a:lnRef>
+          <a:fillRef idx="1">
+            <a:schemeClr val="accent1"/>
+          </a:fillRef>
+          <a:effectRef idx="0">
+            <a:schemeClr val="accent1"/>
+          </a:effectRef>
+          <a:fontRef idx="minor">
+            <a:schemeClr val="lt1"/>
+          </a:fontRef>
+        </p:style>
+        <p:txBody>
+          <a:bodyPr rtlCol="0" anchor="ctr"/>
+          <a:lstStyle/>
+          <a:p>
+            <a:pPr algn="ctr"/>
+            <a:endParaRPr lang="en-US"/>
+          </a:p>
+        </p:txBody>
+      </p:sp>
+      <p:sp>
+        <p:nvSpPr>
+          <p:cNvPr id="2" name="Título 1">
+            <a:extLst>
+              <a:ext uri="{FF2B5EF4-FFF2-40B4-BE49-F238E27FC236}">
+                <a16:creationId xmlns:a16="http://schemas.microsoft.com/office/drawing/2014/main" id="{7F5E962E-90CC-796E-9B17-0565B0C14B0A}"/>
+              </a:ext>
+            </a:extLst>
+          </p:cNvPr>
+          <p:cNvSpPr>
+            <a:spLocks noGrp="1"/>
+          </p:cNvSpPr>
+          <p:nvPr>
+            <p:ph type="title"/>
+          </p:nvPr>
+        </p:nvSpPr>
+        <p:spPr>
+          <a:xfrm>
+            <a:off x="963930" y="1050595"/>
+            <a:ext cx="6056111" cy="1618489"/>
+          </a:xfrm>
+        </p:spPr>
+        <p:txBody>
+          <a:bodyPr anchor="ctr">
+            <a:normAutofit/>
+          </a:bodyPr>
+          <a:lstStyle/>
+          <a:p>
+            <a:r>
+              <a:rPr lang="pt-BR" sz="6300" dirty="0"/>
+              <a:t>Introdução</a:t>
+            </a:r>
+          </a:p>
+        </p:txBody>
+      </p:sp>
+      <p:sp>
+        <p:nvSpPr>
+          <p:cNvPr id="3" name="Espaço Reservado para Conteúdo 2">
+            <a:extLst>
+              <a:ext uri="{FF2B5EF4-FFF2-40B4-BE49-F238E27FC236}">
+                <a16:creationId xmlns:a16="http://schemas.microsoft.com/office/drawing/2014/main" id="{7125DE4B-7038-8BE5-ABFA-C069390D2520}"/>
+              </a:ext>
+            </a:extLst>
+          </p:cNvPr>
+          <p:cNvSpPr>
+            <a:spLocks noGrp="1"/>
+          </p:cNvSpPr>
+          <p:nvPr>
+            <p:ph idx="1"/>
+          </p:nvPr>
+        </p:nvSpPr>
+        <p:spPr>
+          <a:xfrm>
+            <a:off x="963930" y="2969469"/>
+            <a:ext cx="6056111" cy="2800395"/>
+          </a:xfrm>
+        </p:spPr>
+        <p:txBody>
+          <a:bodyPr anchor="t">
+            <a:normAutofit/>
+          </a:bodyPr>
+          <a:lstStyle/>
+          <a:p>
+            <a:pPr>
+              <a:buFontTx/>
+              <a:buChar char="-"/>
+            </a:pPr>
+            <a:r>
+              <a:rPr lang="pt-BR" b="1" dirty="0"/>
+              <a:t>Objetivo da apresentação</a:t>
+            </a:r>
+          </a:p>
+          <a:p>
+            <a:pPr marL="0" indent="0">
+              <a:buNone/>
+            </a:pPr>
+            <a:endParaRPr lang="pt-BR" dirty="0"/>
+          </a:p>
+          <a:p>
+            <a:pPr marL="400050" lvl="1" indent="0">
+              <a:buNone/>
+            </a:pPr>
+            <a:r>
+              <a:rPr lang="pt-BR" sz="2100"/>
+              <a:t>Demonstrar uma estrutura organizacional e necessidade da governança de TI no Hospital Regional do Oeste (HRO), sob gestão da ALVF, destacando a importância da implementação de um sistema robusto e seguro para a evolução digital do hospital HRO.</a:t>
+            </a:r>
+          </a:p>
+        </p:txBody>
+      </p:sp>
+    </p:spTree>
+    <p:extLst>
+      <p:ext uri="{BB962C8B-B14F-4D97-AF65-F5344CB8AC3E}">
+        <p14:creationId xmlns:p14="http://schemas.microsoft.com/office/powerpoint/2010/main" val="1018731890"/>
+      </p:ext>
+    </p:extLst>
+  </p:cSld>
+  <p:clrMapOvr>
+    <a:masterClrMapping/>
+  </p:clrMapOvr>
+</p:sld>
+</file>
+
+<file path=ppt/slides/slide30.xml><?xml version="1.0" encoding="utf-8"?>
+<p:sld xmlns:a="http://schemas.openxmlformats.org/drawingml/2006/main" xmlns:r="http://schemas.openxmlformats.org/officeDocument/2006/relationships" xmlns:p="http://schemas.openxmlformats.org/presentationml/2006/main">
+  <p:cSld>
+    <p:spTree>
+      <p:nvGrpSpPr>
+        <p:cNvPr id="1" name="Shape 254">
+          <a:extLst>
+            <a:ext uri="{FF2B5EF4-FFF2-40B4-BE49-F238E27FC236}">
+              <a16:creationId xmlns:a16="http://schemas.microsoft.com/office/drawing/2014/main" id="{C88B5888-4C0D-896C-99F2-E40DA5ADB52E}"/>
+            </a:ext>
+          </a:extLst>
+        </p:cNvPr>
+        <p:cNvGrpSpPr/>
+        <p:nvPr/>
+      </p:nvGrpSpPr>
+      <p:grpSpPr>
+        <a:xfrm>
+          <a:off x="0" y="0"/>
+          <a:ext cx="0" cy="0"/>
+          <a:chOff x="0" y="0"/>
+          <a:chExt cx="0" cy="0"/>
+        </a:xfrm>
+      </p:grpSpPr>
+      <p:sp>
+        <p:nvSpPr>
+          <p:cNvPr id="255" name="Google Shape;255;p5">
+            <a:extLst>
+              <a:ext uri="{FF2B5EF4-FFF2-40B4-BE49-F238E27FC236}">
+                <a16:creationId xmlns:a16="http://schemas.microsoft.com/office/drawing/2014/main" id="{EABC29E3-6863-F39C-C292-0A05E1679947}"/>
+              </a:ext>
+            </a:extLst>
+          </p:cNvPr>
           <p:cNvSpPr txBox="1"/>
           <p:nvPr/>
         </p:nvSpPr>
@@ -23820,7 +25799,7 @@
                   <a:srgbClr val="0F4861"/>
                 </a:solidFill>
               </a:rPr>
-              <a:t>Opção Aluguel/Sistema Fechado</a:t>
+              <a:t>1 - Aluguel/Sistema Fechado</a:t>
             </a:r>
             <a:endParaRPr sz="900" dirty="0"/>
           </a:p>
@@ -23831,7 +25810,7 @@
           <p:cNvPr id="3" name="CaixaDeTexto 2">
             <a:extLst>
               <a:ext uri="{FF2B5EF4-FFF2-40B4-BE49-F238E27FC236}">
-                <a16:creationId xmlns:a16="http://schemas.microsoft.com/office/drawing/2014/main" id="{8776FC41-510E-6F51-C0DE-4E2861822DF3}"/>
+                <a16:creationId xmlns:a16="http://schemas.microsoft.com/office/drawing/2014/main" id="{85A2068A-010D-D553-327D-7A6253A78BCE}"/>
               </a:ext>
             </a:extLst>
           </p:cNvPr>
@@ -23879,7 +25858,7 @@
             </a:pPr>
             <a:r>
               <a:rPr lang="pt-BR" sz="2400" dirty="0"/>
-              <a:t>Código-fonte não disponível para modificação.</a:t>
+              <a:t> Código-fonte não disponível para modificação.</a:t>
             </a:r>
           </a:p>
           <a:p>
@@ -23889,7 +25868,7 @@
             </a:pPr>
             <a:r>
               <a:rPr lang="pt-BR" sz="2400" dirty="0"/>
-              <a:t>Licenciamento pago ou restrito.</a:t>
+              <a:t> Licenciamento pago ou restrito.</a:t>
             </a:r>
           </a:p>
           <a:p>
@@ -23899,7 +25878,7 @@
             </a:pPr>
             <a:r>
               <a:rPr lang="pt-BR" sz="2400" dirty="0"/>
-              <a:t>Suporte técnico exclusivo da empresa fornecedora.</a:t>
+              <a:t> Suporte técnico exclusivo da empresa fornecedora.</a:t>
             </a:r>
           </a:p>
           <a:p>
@@ -23909,7 +25888,7 @@
             </a:pPr>
             <a:r>
               <a:rPr lang="pt-BR" sz="2400" dirty="0"/>
-              <a:t>Customizações limitadas pelo usuário final.</a:t>
+              <a:t> Customizações são limitadas ao usuário final.</a:t>
             </a:r>
           </a:p>
           <a:p>
@@ -23919,7 +25898,7 @@
             </a:pPr>
             <a:r>
               <a:rPr lang="pt-BR" sz="2400" dirty="0"/>
-              <a:t>Maior controle sobre segurança e conformidade com regulamentações.</a:t>
+              <a:t> Maior controle sobre segurança e conformidade com regulamentações em empresa fornecedora de porte.</a:t>
             </a:r>
             <a:endParaRPr lang="pt-BR" dirty="0"/>
           </a:p>
@@ -23928,7 +25907,7 @@
     </p:spTree>
     <p:extLst>
       <p:ext uri="{BB962C8B-B14F-4D97-AF65-F5344CB8AC3E}">
-        <p14:creationId xmlns:p14="http://schemas.microsoft.com/office/powerpoint/2010/main" val="2391642659"/>
+        <p14:creationId xmlns:p14="http://schemas.microsoft.com/office/powerpoint/2010/main" val="3132522136"/>
       </p:ext>
     </p:extLst>
   </p:cSld>
@@ -23938,7 +25917,7 @@
 </p:sld>
 </file>
 
-<file path=ppt/slides/slide26.xml><?xml version="1.0" encoding="utf-8"?>
+<file path=ppt/slides/slide31.xml><?xml version="1.0" encoding="utf-8"?>
 <p:sld xmlns:a="http://schemas.openxmlformats.org/drawingml/2006/main" xmlns:r="http://schemas.openxmlformats.org/officeDocument/2006/relationships" xmlns:p="http://schemas.openxmlformats.org/presentationml/2006/main">
   <p:cSld>
     <p:spTree>
@@ -23975,7 +25954,7 @@
         </p:nvSpPr>
         <p:spPr>
           <a:xfrm>
-            <a:off x="250371" y="466530"/>
+            <a:off x="250371" y="201729"/>
             <a:ext cx="8697686" cy="561662"/>
           </a:xfrm>
           <a:prstGeom prst="rect">
@@ -24001,7 +25980,7 @@
                   <a:srgbClr val="0F4861"/>
                 </a:solidFill>
               </a:rPr>
-              <a:t>Opção Open </a:t>
+              <a:t>2 - Open </a:t>
             </a:r>
             <a:r>
               <a:rPr lang="pt-BR" sz="3200" dirty="0" err="1">
@@ -24191,7 +26170,7 @@
 </p:sld>
 </file>
 
-<file path=ppt/slides/slide27.xml><?xml version="1.0" encoding="utf-8"?>
+<file path=ppt/slides/slide32.xml><?xml version="1.0" encoding="utf-8"?>
 <p:sld xmlns:a="http://schemas.openxmlformats.org/drawingml/2006/main" xmlns:r="http://schemas.openxmlformats.org/officeDocument/2006/relationships" xmlns:p="http://schemas.openxmlformats.org/presentationml/2006/main">
   <p:cSld>
     <p:bg>
@@ -24236,8 +26215,8 @@
         </p:nvSpPr>
         <p:spPr>
           <a:xfrm>
-            <a:off x="963930" y="1008993"/>
-            <a:ext cx="6923558" cy="3542045"/>
+            <a:off x="950739" y="2204079"/>
+            <a:ext cx="7242521" cy="1224921"/>
           </a:xfrm>
           <a:prstGeom prst="rect">
             <a:avLst/>
@@ -24245,14 +26224,11 @@
         </p:spPr>
         <p:txBody>
           <a:bodyPr spcFirstLastPara="1" vert="horz" lIns="91440" tIns="45720" rIns="91440" bIns="45720" rtlCol="0" anchor="b" anchorCtr="0">
-            <a:normAutofit/>
+            <a:normAutofit lnSpcReduction="10000"/>
           </a:bodyPr>
           <a:lstStyle/>
           <a:p>
-            <a:pPr>
-              <a:lnSpc>
-                <a:spcPct val="90000"/>
-              </a:lnSpc>
+            <a:pPr algn="ctr">
               <a:spcBef>
                 <a:spcPct val="0"/>
               </a:spcBef>
@@ -24262,16 +26238,26 @@
               <a:buSzPts val="5400"/>
             </a:pPr>
             <a:r>
-              <a:rPr lang="en-US" sz="7800" kern="1200">
-                <a:solidFill>
-                  <a:schemeClr val="tx1"/>
-                </a:solidFill>
+              <a:rPr lang="en-US" sz="7200" dirty="0">
                 <a:latin typeface="+mj-lt"/>
                 <a:ea typeface="+mj-ea"/>
                 <a:cs typeface="+mj-cs"/>
               </a:rPr>
-              <a:t>Opção Aluguel/Sistema Fechado</a:t>
-            </a:r>
+              <a:t>Sistema </a:t>
+            </a:r>
+            <a:r>
+              <a:rPr lang="en-US" sz="7200" dirty="0" err="1">
+                <a:latin typeface="+mj-lt"/>
+                <a:ea typeface="+mj-ea"/>
+                <a:cs typeface="+mj-cs"/>
+              </a:rPr>
+              <a:t>Fechado</a:t>
+            </a:r>
+            <a:endParaRPr lang="en-US" sz="7200" dirty="0">
+              <a:latin typeface="+mj-lt"/>
+              <a:ea typeface="+mj-ea"/>
+              <a:cs typeface="+mj-cs"/>
+            </a:endParaRPr>
           </a:p>
         </p:txBody>
       </p:sp>
@@ -24288,7 +26274,7 @@
 </p:sld>
 </file>
 
-<file path=ppt/slides/slide28.xml><?xml version="1.0" encoding="utf-8"?>
+<file path=ppt/slides/slide33.xml><?xml version="1.0" encoding="utf-8"?>
 <p:sld xmlns:a="http://schemas.openxmlformats.org/drawingml/2006/main" xmlns:r="http://schemas.openxmlformats.org/officeDocument/2006/relationships" xmlns:p="http://schemas.openxmlformats.org/presentationml/2006/main">
   <p:cSld>
     <p:spTree>
@@ -24649,7 +26635,7 @@
 </p:sld>
 </file>
 
-<file path=ppt/slides/slide29.xml><?xml version="1.0" encoding="utf-8"?>
+<file path=ppt/slides/slide34.xml><?xml version="1.0" encoding="utf-8"?>
 <p:sld xmlns:a="http://schemas.openxmlformats.org/drawingml/2006/main" xmlns:r="http://schemas.openxmlformats.org/officeDocument/2006/relationships" xmlns:p="http://schemas.openxmlformats.org/presentationml/2006/main">
   <p:cSld>
     <p:spTree>
@@ -24746,323 +26732,7 @@
 </p:sld>
 </file>
 
-<file path=ppt/slides/slide3.xml><?xml version="1.0" encoding="utf-8"?>
-<p:sld xmlns:a="http://schemas.openxmlformats.org/drawingml/2006/main" xmlns:r="http://schemas.openxmlformats.org/officeDocument/2006/relationships" xmlns:p="http://schemas.openxmlformats.org/presentationml/2006/main">
-  <p:cSld>
-    <p:bg>
-      <p:bgPr>
-        <a:solidFill>
-          <a:schemeClr val="bg1"/>
-        </a:solidFill>
-        <a:effectLst/>
-      </p:bgPr>
-    </p:bg>
-    <p:spTree>
-      <p:nvGrpSpPr>
-        <p:cNvPr id="1" name=""/>
-        <p:cNvGrpSpPr/>
-        <p:nvPr/>
-      </p:nvGrpSpPr>
-      <p:grpSpPr>
-        <a:xfrm>
-          <a:off x="0" y="0"/>
-          <a:ext cx="0" cy="0"/>
-          <a:chOff x="0" y="0"/>
-          <a:chExt cx="0" cy="0"/>
-        </a:xfrm>
-      </p:grpSpPr>
-      <p:sp useBgFill="1">
-        <p:nvSpPr>
-          <p:cNvPr id="8" name="Rectangle 7">
-            <a:extLst>
-              <a:ext uri="{FF2B5EF4-FFF2-40B4-BE49-F238E27FC236}">
-                <a16:creationId xmlns:a16="http://schemas.microsoft.com/office/drawing/2014/main" id="{081EA652-8C6A-4E69-BEB9-170809474553}"/>
-              </a:ext>
-              <a:ext uri="{C183D7F6-B498-43B3-948B-1728B52AA6E4}">
-                <adec:decorative xmlns:adec="http://schemas.microsoft.com/office/drawing/2017/decorative" val="1"/>
-              </a:ext>
-            </a:extLst>
-          </p:cNvPr>
-          <p:cNvSpPr>
-            <a:spLocks noGrp="1" noRot="1" noChangeAspect="1" noMove="1" noResize="1" noEditPoints="1" noAdjustHandles="1" noChangeArrowheads="1" noChangeShapeType="1" noTextEdit="1"/>
-          </p:cNvSpPr>
-          <p:nvPr>
-            <p:extLst>
-              <p:ext uri="{386F3935-93C4-4BCD-93E2-E3B085C9AB24}">
-                <p16:designElem xmlns:p16="http://schemas.microsoft.com/office/powerpoint/2015/main" val="1"/>
-              </p:ext>
-            </p:extLst>
-          </p:nvPr>
-        </p:nvSpPr>
-        <p:spPr>
-          <a:xfrm>
-            <a:off x="0" y="0"/>
-            <a:ext cx="9144000" cy="6858000"/>
-          </a:xfrm>
-          <a:prstGeom prst="rect">
-            <a:avLst/>
-          </a:prstGeom>
-          <a:ln>
-            <a:noFill/>
-          </a:ln>
-        </p:spPr>
-        <p:style>
-          <a:lnRef idx="2">
-            <a:schemeClr val="accent1">
-              <a:shade val="50000"/>
-            </a:schemeClr>
-          </a:lnRef>
-          <a:fillRef idx="1">
-            <a:schemeClr val="accent1"/>
-          </a:fillRef>
-          <a:effectRef idx="0">
-            <a:schemeClr val="accent1"/>
-          </a:effectRef>
-          <a:fontRef idx="minor">
-            <a:schemeClr val="lt1"/>
-          </a:fontRef>
-        </p:style>
-        <p:txBody>
-          <a:bodyPr rtlCol="0" anchor="ctr"/>
-          <a:lstStyle/>
-          <a:p>
-            <a:pPr algn="ctr"/>
-            <a:endParaRPr lang="en-US"/>
-          </a:p>
-        </p:txBody>
-      </p:sp>
-      <p:sp>
-        <p:nvSpPr>
-          <p:cNvPr id="10" name="Right Triangle 9">
-            <a:extLst>
-              <a:ext uri="{FF2B5EF4-FFF2-40B4-BE49-F238E27FC236}">
-                <a16:creationId xmlns:a16="http://schemas.microsoft.com/office/drawing/2014/main" id="{5298780A-33B9-4EA2-8F67-DE68AD62841B}"/>
-              </a:ext>
-              <a:ext uri="{C183D7F6-B498-43B3-948B-1728B52AA6E4}">
-                <adec:decorative xmlns:adec="http://schemas.microsoft.com/office/drawing/2017/decorative" val="1"/>
-              </a:ext>
-            </a:extLst>
-          </p:cNvPr>
-          <p:cNvSpPr>
-            <a:spLocks noGrp="1" noRot="1" noChangeAspect="1" noMove="1" noResize="1" noEditPoints="1" noAdjustHandles="1" noChangeArrowheads="1" noChangeShapeType="1" noTextEdit="1"/>
-          </p:cNvSpPr>
-          <p:nvPr>
-            <p:extLst>
-              <p:ext uri="{386F3935-93C4-4BCD-93E2-E3B085C9AB24}">
-                <p16:designElem xmlns:p16="http://schemas.microsoft.com/office/powerpoint/2015/main" val="1"/>
-              </p:ext>
-            </p:extLst>
-          </p:nvPr>
-        </p:nvSpPr>
-        <p:spPr>
-          <a:xfrm flipH="1">
-            <a:off x="6432540" y="3335867"/>
-            <a:ext cx="2468880" cy="3200400"/>
-          </a:xfrm>
-          <a:prstGeom prst="rtTriangle">
-            <a:avLst/>
-          </a:prstGeom>
-          <a:solidFill>
-            <a:schemeClr val="accent4"/>
-          </a:solidFill>
-          <a:ln>
-            <a:noFill/>
-          </a:ln>
-        </p:spPr>
-        <p:style>
-          <a:lnRef idx="2">
-            <a:schemeClr val="accent1">
-              <a:shade val="50000"/>
-            </a:schemeClr>
-          </a:lnRef>
-          <a:fillRef idx="1">
-            <a:schemeClr val="accent1"/>
-          </a:fillRef>
-          <a:effectRef idx="0">
-            <a:schemeClr val="accent1"/>
-          </a:effectRef>
-          <a:fontRef idx="minor">
-            <a:schemeClr val="lt1"/>
-          </a:fontRef>
-        </p:style>
-        <p:txBody>
-          <a:bodyPr rtlCol="0" anchor="ctr"/>
-          <a:lstStyle/>
-          <a:p>
-            <a:pPr algn="ctr"/>
-            <a:endParaRPr lang="en-US" dirty="0"/>
-          </a:p>
-        </p:txBody>
-      </p:sp>
-      <p:sp>
-        <p:nvSpPr>
-          <p:cNvPr id="12" name="Rectangle 11">
-            <a:extLst>
-              <a:ext uri="{FF2B5EF4-FFF2-40B4-BE49-F238E27FC236}">
-                <a16:creationId xmlns:a16="http://schemas.microsoft.com/office/drawing/2014/main" id="{7F488E8B-4E1E-4402-8935-D4E6C02615C7}"/>
-              </a:ext>
-              <a:ext uri="{C183D7F6-B498-43B3-948B-1728B52AA6E4}">
-                <adec:decorative xmlns:adec="http://schemas.microsoft.com/office/drawing/2017/decorative" val="1"/>
-              </a:ext>
-            </a:extLst>
-          </p:cNvPr>
-          <p:cNvSpPr>
-            <a:spLocks noGrp="1" noRot="1" noChangeAspect="1" noMove="1" noResize="1" noEditPoints="1" noAdjustHandles="1" noChangeArrowheads="1" noChangeShapeType="1" noTextEdit="1"/>
-          </p:cNvSpPr>
-          <p:nvPr>
-            <p:extLst>
-              <p:ext uri="{386F3935-93C4-4BCD-93E2-E3B085C9AB24}">
-                <p16:designElem xmlns:p16="http://schemas.microsoft.com/office/powerpoint/2015/main" val="1"/>
-              </p:ext>
-            </p:extLst>
-          </p:nvPr>
-        </p:nvSpPr>
-        <p:spPr>
-          <a:xfrm>
-            <a:off x="481330" y="623275"/>
-            <a:ext cx="8178790" cy="5607882"/>
-          </a:xfrm>
-          <a:prstGeom prst="rect">
-            <a:avLst/>
-          </a:prstGeom>
-          <a:noFill/>
-          <a:ln w="19050">
-            <a:solidFill>
-              <a:schemeClr val="tx1">
-                <a:lumMod val="75000"/>
-                <a:lumOff val="25000"/>
-              </a:schemeClr>
-            </a:solidFill>
-          </a:ln>
-        </p:spPr>
-        <p:style>
-          <a:lnRef idx="2">
-            <a:schemeClr val="accent1">
-              <a:shade val="50000"/>
-            </a:schemeClr>
-          </a:lnRef>
-          <a:fillRef idx="1">
-            <a:schemeClr val="accent1"/>
-          </a:fillRef>
-          <a:effectRef idx="0">
-            <a:schemeClr val="accent1"/>
-          </a:effectRef>
-          <a:fontRef idx="minor">
-            <a:schemeClr val="lt1"/>
-          </a:fontRef>
-        </p:style>
-        <p:txBody>
-          <a:bodyPr rtlCol="0" anchor="ctr"/>
-          <a:lstStyle/>
-          <a:p>
-            <a:pPr algn="ctr"/>
-            <a:endParaRPr lang="en-US"/>
-          </a:p>
-        </p:txBody>
-      </p:sp>
-      <p:sp>
-        <p:nvSpPr>
-          <p:cNvPr id="2" name="Título 1">
-            <a:extLst>
-              <a:ext uri="{FF2B5EF4-FFF2-40B4-BE49-F238E27FC236}">
-                <a16:creationId xmlns:a16="http://schemas.microsoft.com/office/drawing/2014/main" id="{7F5E962E-90CC-796E-9B17-0565B0C14B0A}"/>
-              </a:ext>
-            </a:extLst>
-          </p:cNvPr>
-          <p:cNvSpPr>
-            <a:spLocks noGrp="1"/>
-          </p:cNvSpPr>
-          <p:nvPr>
-            <p:ph type="title"/>
-          </p:nvPr>
-        </p:nvSpPr>
-        <p:spPr>
-          <a:xfrm>
-            <a:off x="963930" y="1050595"/>
-            <a:ext cx="6056111" cy="1618489"/>
-          </a:xfrm>
-        </p:spPr>
-        <p:txBody>
-          <a:bodyPr anchor="ctr">
-            <a:normAutofit/>
-          </a:bodyPr>
-          <a:lstStyle/>
-          <a:p>
-            <a:r>
-              <a:rPr lang="pt-BR" sz="6300" dirty="0"/>
-              <a:t>Introdução</a:t>
-            </a:r>
-          </a:p>
-        </p:txBody>
-      </p:sp>
-      <p:sp>
-        <p:nvSpPr>
-          <p:cNvPr id="3" name="Espaço Reservado para Conteúdo 2">
-            <a:extLst>
-              <a:ext uri="{FF2B5EF4-FFF2-40B4-BE49-F238E27FC236}">
-                <a16:creationId xmlns:a16="http://schemas.microsoft.com/office/drawing/2014/main" id="{7125DE4B-7038-8BE5-ABFA-C069390D2520}"/>
-              </a:ext>
-            </a:extLst>
-          </p:cNvPr>
-          <p:cNvSpPr>
-            <a:spLocks noGrp="1"/>
-          </p:cNvSpPr>
-          <p:nvPr>
-            <p:ph idx="1"/>
-          </p:nvPr>
-        </p:nvSpPr>
-        <p:spPr>
-          <a:xfrm>
-            <a:off x="963930" y="2969469"/>
-            <a:ext cx="6056111" cy="2800395"/>
-          </a:xfrm>
-        </p:spPr>
-        <p:txBody>
-          <a:bodyPr anchor="t">
-            <a:normAutofit/>
-          </a:bodyPr>
-          <a:lstStyle/>
-          <a:p>
-            <a:pPr>
-              <a:buFontTx/>
-              <a:buChar char="-"/>
-            </a:pPr>
-            <a:r>
-              <a:rPr lang="pt-BR" b="1" dirty="0"/>
-              <a:t>Objetivo da apresentação</a:t>
-            </a:r>
-          </a:p>
-          <a:p>
-            <a:pPr marL="0" indent="0">
-              <a:buNone/>
-            </a:pPr>
-            <a:endParaRPr lang="pt-BR" dirty="0"/>
-          </a:p>
-          <a:p>
-            <a:pPr marL="400050" lvl="1" indent="0">
-              <a:buNone/>
-            </a:pPr>
-            <a:r>
-              <a:rPr lang="pt-BR" sz="2100"/>
-              <a:t>Demonstrar uma estrutura organizacional e necessidade da governança de TI no Hospital Regional do Oeste (HRO), sob gestão da ALVF, destacando a importância da implementação de um sistema robusto e seguro para a evolução digital do hospital HRO.</a:t>
-            </a:r>
-          </a:p>
-        </p:txBody>
-      </p:sp>
-    </p:spTree>
-    <p:extLst>
-      <p:ext uri="{BB962C8B-B14F-4D97-AF65-F5344CB8AC3E}">
-        <p14:creationId xmlns:p14="http://schemas.microsoft.com/office/powerpoint/2010/main" val="1018731890"/>
-      </p:ext>
-    </p:extLst>
-  </p:cSld>
-  <p:clrMapOvr>
-    <a:masterClrMapping/>
-  </p:clrMapOvr>
-</p:sld>
-</file>
-
-<file path=ppt/slides/slide30.xml><?xml version="1.0" encoding="utf-8"?>
+<file path=ppt/slides/slide35.xml><?xml version="1.0" encoding="utf-8"?>
 <p:sld xmlns:a="http://schemas.openxmlformats.org/drawingml/2006/main" xmlns:r="http://schemas.openxmlformats.org/officeDocument/2006/relationships" xmlns:p="http://schemas.openxmlformats.org/presentationml/2006/main">
   <p:cSld>
     <p:spTree>
@@ -25219,7 +26889,7 @@
 </p:sld>
 </file>
 
-<file path=ppt/slides/slide31.xml><?xml version="1.0" encoding="utf-8"?>
+<file path=ppt/slides/slide36.xml><?xml version="1.0" encoding="utf-8"?>
 <p:sld xmlns:a="http://schemas.openxmlformats.org/drawingml/2006/main" xmlns:r="http://schemas.openxmlformats.org/officeDocument/2006/relationships" xmlns:p="http://schemas.openxmlformats.org/presentationml/2006/main">
   <p:cSld>
     <p:spTree>
@@ -25360,7 +27030,7 @@
 </p:sld>
 </file>
 
-<file path=ppt/slides/slide32.xml><?xml version="1.0" encoding="utf-8"?>
+<file path=ppt/slides/slide37.xml><?xml version="1.0" encoding="utf-8"?>
 <p:sld xmlns:a="http://schemas.openxmlformats.org/drawingml/2006/main" xmlns:r="http://schemas.openxmlformats.org/officeDocument/2006/relationships" xmlns:p="http://schemas.openxmlformats.org/presentationml/2006/main">
   <p:cSld>
     <p:bg>
@@ -25405,8 +27075,8 @@
         </p:nvSpPr>
         <p:spPr>
           <a:xfrm>
-            <a:off x="963930" y="1008993"/>
-            <a:ext cx="6923558" cy="3542045"/>
+            <a:off x="196770" y="1008993"/>
+            <a:ext cx="8773609" cy="3542045"/>
           </a:xfrm>
           <a:prstGeom prst="rect">
             <a:avLst/>
@@ -25418,7 +27088,7 @@
           </a:bodyPr>
           <a:lstStyle/>
           <a:p>
-            <a:pPr>
+            <a:pPr algn="ctr">
               <a:lnSpc>
                 <a:spcPct val="90000"/>
               </a:lnSpc>
@@ -25431,7 +27101,7 @@
               <a:buSzPts val="5400"/>
             </a:pPr>
             <a:r>
-              <a:rPr lang="en-US" sz="7800" kern="1200">
+              <a:rPr lang="en-US" sz="7200" kern="1200" dirty="0">
                 <a:solidFill>
                   <a:schemeClr val="tx1"/>
                 </a:solidFill>
@@ -25439,8 +27109,27 @@
                 <a:ea typeface="+mj-ea"/>
                 <a:cs typeface="+mj-cs"/>
               </a:rPr>
-              <a:t>Opção Open Source/Sistema Aberto</a:t>
-            </a:r>
+              <a:t>Open Source/Sistema </a:t>
+            </a:r>
+            <a:r>
+              <a:rPr lang="en-US" sz="7200" kern="1200" dirty="0" err="1">
+                <a:solidFill>
+                  <a:schemeClr val="tx1"/>
+                </a:solidFill>
+                <a:latin typeface="+mj-lt"/>
+                <a:ea typeface="+mj-ea"/>
+                <a:cs typeface="+mj-cs"/>
+              </a:rPr>
+              <a:t>Aberto</a:t>
+            </a:r>
+            <a:endParaRPr lang="en-US" sz="7200" kern="1200" dirty="0">
+              <a:solidFill>
+                <a:schemeClr val="tx1"/>
+              </a:solidFill>
+              <a:latin typeface="+mj-lt"/>
+              <a:ea typeface="+mj-ea"/>
+              <a:cs typeface="+mj-cs"/>
+            </a:endParaRPr>
           </a:p>
         </p:txBody>
       </p:sp>
@@ -25457,7 +27146,7 @@
 </p:sld>
 </file>
 
-<file path=ppt/slides/slide33.xml><?xml version="1.0" encoding="utf-8"?>
+<file path=ppt/slides/slide38.xml><?xml version="1.0" encoding="utf-8"?>
 <p:sld xmlns:a="http://schemas.openxmlformats.org/drawingml/2006/main" xmlns:r="http://schemas.openxmlformats.org/officeDocument/2006/relationships" xmlns:p="http://schemas.openxmlformats.org/presentationml/2006/main">
   <p:cSld>
     <p:bg>
@@ -25494,20 +27183,25 @@
         </p:nvSpPr>
         <p:spPr>
           <a:xfrm>
-            <a:off x="963930" y="1008993"/>
-            <a:ext cx="6923558" cy="3542045"/>
+            <a:off x="376178" y="2914924"/>
+            <a:ext cx="8391644" cy="1028151"/>
           </a:xfrm>
         </p:spPr>
         <p:txBody>
           <a:bodyPr anchor="b">
-            <a:normAutofit/>
+            <a:normAutofit fontScale="90000"/>
           </a:bodyPr>
           <a:lstStyle/>
           <a:p>
-            <a:pPr algn="l"/>
-            <a:r>
-              <a:rPr lang="pt-BR" sz="7800"/>
-              <a:t>Proposta Técnica - AGHUse</a:t>
+            <a:pPr defTabSz="914400">
+              <a:spcAft>
+                <a:spcPts val="600"/>
+              </a:spcAft>
+              <a:buSzPts val="5400"/>
+            </a:pPr>
+            <a:r>
+              <a:rPr lang="pt-BR" sz="7200" dirty="0"/>
+              <a:t>Proposta Técnica</a:t>
             </a:r>
           </a:p>
         </p:txBody>
@@ -25617,667 +27311,6 @@
 </p:sld>
 </file>
 
-<file path=ppt/slides/slide34.xml><?xml version="1.0" encoding="utf-8"?>
-<p:sld xmlns:a="http://schemas.openxmlformats.org/drawingml/2006/main" xmlns:r="http://schemas.openxmlformats.org/officeDocument/2006/relationships" xmlns:p="http://schemas.openxmlformats.org/presentationml/2006/main">
-  <p:cSld>
-    <p:bg>
-      <p:bgPr>
-        <a:solidFill>
-          <a:schemeClr val="bg1"/>
-        </a:solidFill>
-        <a:effectLst/>
-      </p:bgPr>
-    </p:bg>
-    <p:spTree>
-      <p:nvGrpSpPr>
-        <p:cNvPr id="1" name=""/>
-        <p:cNvGrpSpPr/>
-        <p:nvPr/>
-      </p:nvGrpSpPr>
-      <p:grpSpPr>
-        <a:xfrm>
-          <a:off x="0" y="0"/>
-          <a:ext cx="0" cy="0"/>
-          <a:chOff x="0" y="0"/>
-          <a:chExt cx="0" cy="0"/>
-        </a:xfrm>
-      </p:grpSpPr>
-      <p:sp>
-        <p:nvSpPr>
-          <p:cNvPr id="2" name="Title 1"/>
-          <p:cNvSpPr>
-            <a:spLocks noGrp="1"/>
-          </p:cNvSpPr>
-          <p:nvPr>
-            <p:ph type="title"/>
-          </p:nvPr>
-        </p:nvSpPr>
-        <p:spPr>
-          <a:xfrm>
-            <a:off x="963930" y="1050595"/>
-            <a:ext cx="6056111" cy="1618489"/>
-          </a:xfrm>
-        </p:spPr>
-        <p:txBody>
-          <a:bodyPr anchor="ctr">
-            <a:normAutofit/>
-          </a:bodyPr>
-          <a:lstStyle/>
-          <a:p>
-            <a:r>
-              <a:rPr lang="pt-BR" sz="6300"/>
-              <a:t>Solução AGHUse</a:t>
-            </a:r>
-          </a:p>
-        </p:txBody>
-      </p:sp>
-      <p:sp>
-        <p:nvSpPr>
-          <p:cNvPr id="3" name="Content Placeholder 2"/>
-          <p:cNvSpPr>
-            <a:spLocks noGrp="1"/>
-          </p:cNvSpPr>
-          <p:nvPr>
-            <p:ph idx="1"/>
-          </p:nvPr>
-        </p:nvSpPr>
-        <p:spPr>
-          <a:xfrm>
-            <a:off x="963930" y="2969469"/>
-            <a:ext cx="6056111" cy="2800395"/>
-          </a:xfrm>
-        </p:spPr>
-        <p:txBody>
-          <a:bodyPr anchor="t">
-            <a:normAutofit/>
-          </a:bodyPr>
-          <a:lstStyle/>
-          <a:p>
-            <a:pPr marL="0" indent="0">
-              <a:buNone/>
-            </a:pPr>
-            <a:r>
-              <a:rPr lang="pt-BR" dirty="0"/>
-              <a:t>• Software para gestão hospitalar, utilizado por grandes instituições no Brasil.</a:t>
-            </a:r>
-          </a:p>
-          <a:p>
-            <a:pPr marL="0" indent="0">
-              <a:buNone/>
-            </a:pPr>
-            <a:r>
-              <a:rPr lang="pt-BR" dirty="0"/>
-              <a:t>• Módulos assistenciais: Prontuário, Internação, Cirurgias, Exames, Emergência, etc.</a:t>
-            </a:r>
-          </a:p>
-          <a:p>
-            <a:pPr marL="0" indent="0">
-              <a:buNone/>
-            </a:pPr>
-            <a:r>
-              <a:rPr lang="pt-BR" dirty="0"/>
-              <a:t>• Módulos administrativos: Faturamento, Custos, Compras, Estoque, Manutenção.</a:t>
-            </a:r>
-          </a:p>
-          <a:p>
-            <a:pPr marL="0" indent="0">
-              <a:buNone/>
-            </a:pPr>
-            <a:r>
-              <a:rPr lang="pt-BR" dirty="0"/>
-              <a:t>• Interoperabilidade com sistemas de certificação digital e gestão.</a:t>
-            </a:r>
-          </a:p>
-          <a:p>
-            <a:endParaRPr dirty="0"/>
-          </a:p>
-        </p:txBody>
-      </p:sp>
-    </p:spTree>
-    <p:extLst>
-      <p:ext uri="{BB962C8B-B14F-4D97-AF65-F5344CB8AC3E}">
-        <p14:creationId xmlns:p14="http://schemas.microsoft.com/office/powerpoint/2010/main" val="171471434"/>
-      </p:ext>
-    </p:extLst>
-  </p:cSld>
-  <p:clrMapOvr>
-    <a:masterClrMapping/>
-  </p:clrMapOvr>
-</p:sld>
-</file>
-
-<file path=ppt/slides/slide35.xml><?xml version="1.0" encoding="utf-8"?>
-<p:sld xmlns:a="http://schemas.openxmlformats.org/drawingml/2006/main" xmlns:r="http://schemas.openxmlformats.org/officeDocument/2006/relationships" xmlns:p="http://schemas.openxmlformats.org/presentationml/2006/main">
-  <p:cSld>
-    <p:bg>
-      <p:bgPr>
-        <a:solidFill>
-          <a:schemeClr val="bg1"/>
-        </a:solidFill>
-        <a:effectLst/>
-      </p:bgPr>
-    </p:bg>
-    <p:spTree>
-      <p:nvGrpSpPr>
-        <p:cNvPr id="1" name=""/>
-        <p:cNvGrpSpPr/>
-        <p:nvPr/>
-      </p:nvGrpSpPr>
-      <p:grpSpPr>
-        <a:xfrm>
-          <a:off x="0" y="0"/>
-          <a:ext cx="0" cy="0"/>
-          <a:chOff x="0" y="0"/>
-          <a:chExt cx="0" cy="0"/>
-        </a:xfrm>
-      </p:grpSpPr>
-      <p:sp>
-        <p:nvSpPr>
-          <p:cNvPr id="2" name="Title 1"/>
-          <p:cNvSpPr>
-            <a:spLocks noGrp="1"/>
-          </p:cNvSpPr>
-          <p:nvPr>
-            <p:ph type="title"/>
-          </p:nvPr>
-        </p:nvSpPr>
-        <p:spPr>
-          <a:xfrm>
-            <a:off x="963930" y="1050595"/>
-            <a:ext cx="6056111" cy="1618489"/>
-          </a:xfrm>
-        </p:spPr>
-        <p:txBody>
-          <a:bodyPr anchor="ctr">
-            <a:normAutofit/>
-          </a:bodyPr>
-          <a:lstStyle/>
-          <a:p>
-            <a:r>
-              <a:rPr lang="pt-BR" sz="5400"/>
-              <a:t>Valores, Prazos e Condições</a:t>
-            </a:r>
-          </a:p>
-        </p:txBody>
-      </p:sp>
-      <p:sp>
-        <p:nvSpPr>
-          <p:cNvPr id="3" name="Content Placeholder 2"/>
-          <p:cNvSpPr>
-            <a:spLocks noGrp="1"/>
-          </p:cNvSpPr>
-          <p:nvPr>
-            <p:ph idx="1"/>
-          </p:nvPr>
-        </p:nvSpPr>
-        <p:spPr>
-          <a:xfrm>
-            <a:off x="963930" y="2969469"/>
-            <a:ext cx="6056111" cy="2800395"/>
-          </a:xfrm>
-        </p:spPr>
-        <p:txBody>
-          <a:bodyPr anchor="t">
-            <a:normAutofit/>
-          </a:bodyPr>
-          <a:lstStyle/>
-          <a:p>
-            <a:pPr marL="0" indent="0">
-              <a:buNone/>
-            </a:pPr>
-            <a:r>
-              <a:rPr lang="pt-BR"/>
-              <a:t>• Vigência do contrato: 18 meses, com possibilidade de prorrogação.</a:t>
-            </a:r>
-          </a:p>
-          <a:p>
-            <a:pPr marL="0" indent="0">
-              <a:buNone/>
-            </a:pPr>
-            <a:endParaRPr lang="pt-BR"/>
-          </a:p>
-          <a:p>
-            <a:pPr marL="0" indent="0">
-              <a:buNone/>
-            </a:pPr>
-            <a:r>
-              <a:rPr lang="pt-BR"/>
-              <a:t>• Atendimento remoto e presencial conforme necessidade.</a:t>
-            </a:r>
-          </a:p>
-          <a:p>
-            <a:endParaRPr dirty="0"/>
-          </a:p>
-        </p:txBody>
-      </p:sp>
-    </p:spTree>
-    <p:extLst>
-      <p:ext uri="{BB962C8B-B14F-4D97-AF65-F5344CB8AC3E}">
-        <p14:creationId xmlns:p14="http://schemas.microsoft.com/office/powerpoint/2010/main" val="1780494153"/>
-      </p:ext>
-    </p:extLst>
-  </p:cSld>
-  <p:clrMapOvr>
-    <a:masterClrMapping/>
-  </p:clrMapOvr>
-</p:sld>
-</file>
-
-<file path=ppt/slides/slide36.xml><?xml version="1.0" encoding="utf-8"?>
-<p:sld xmlns:a="http://schemas.openxmlformats.org/drawingml/2006/main" xmlns:r="http://schemas.openxmlformats.org/officeDocument/2006/relationships" xmlns:p="http://schemas.openxmlformats.org/presentationml/2006/main">
-  <p:cSld>
-    <p:bg>
-      <p:bgPr>
-        <a:solidFill>
-          <a:schemeClr val="bg1"/>
-        </a:solidFill>
-        <a:effectLst/>
-      </p:bgPr>
-    </p:bg>
-    <p:spTree>
-      <p:nvGrpSpPr>
-        <p:cNvPr id="1" name=""/>
-        <p:cNvGrpSpPr/>
-        <p:nvPr/>
-      </p:nvGrpSpPr>
-      <p:grpSpPr>
-        <a:xfrm>
-          <a:off x="0" y="0"/>
-          <a:ext cx="0" cy="0"/>
-          <a:chOff x="0" y="0"/>
-          <a:chExt cx="0" cy="0"/>
-        </a:xfrm>
-      </p:grpSpPr>
-      <p:sp>
-        <p:nvSpPr>
-          <p:cNvPr id="2" name="Title 1"/>
-          <p:cNvSpPr>
-            <a:spLocks noGrp="1"/>
-          </p:cNvSpPr>
-          <p:nvPr>
-            <p:ph type="title"/>
-          </p:nvPr>
-        </p:nvSpPr>
-        <p:spPr>
-          <a:xfrm>
-            <a:off x="963930" y="1050595"/>
-            <a:ext cx="6056111" cy="1618489"/>
-          </a:xfrm>
-        </p:spPr>
-        <p:txBody>
-          <a:bodyPr anchor="ctr">
-            <a:normAutofit/>
-          </a:bodyPr>
-          <a:lstStyle/>
-          <a:p>
-            <a:r>
-              <a:rPr lang="pt-BR" sz="5400"/>
-              <a:t>Proposta Comercial - AGHUse</a:t>
-            </a:r>
-          </a:p>
-        </p:txBody>
-      </p:sp>
-      <p:sp>
-        <p:nvSpPr>
-          <p:cNvPr id="3" name="Content Placeholder 2"/>
-          <p:cNvSpPr>
-            <a:spLocks noGrp="1"/>
-          </p:cNvSpPr>
-          <p:nvPr>
-            <p:ph idx="1"/>
-          </p:nvPr>
-        </p:nvSpPr>
-        <p:spPr>
-          <a:xfrm>
-            <a:off x="963930" y="2969469"/>
-            <a:ext cx="6056111" cy="2800395"/>
-          </a:xfrm>
-        </p:spPr>
-        <p:txBody>
-          <a:bodyPr anchor="t">
-            <a:normAutofit/>
-          </a:bodyPr>
-          <a:lstStyle/>
-          <a:p>
-            <a:pPr marL="0" indent="0">
-              <a:buNone/>
-            </a:pPr>
-            <a:r>
-              <a:rPr lang="pt-BR" sz="1900" dirty="0"/>
-              <a:t>• Implantação do Sistema </a:t>
-            </a:r>
-            <a:r>
-              <a:rPr lang="pt-BR" sz="1900"/>
-              <a:t>AGHUse</a:t>
-            </a:r>
-            <a:r>
-              <a:rPr lang="pt-BR" sz="1900" dirty="0"/>
-              <a:t> em </a:t>
-            </a:r>
-            <a:r>
-              <a:rPr lang="pt-BR" sz="1900" b="1" dirty="0"/>
-              <a:t>2 hospitais e 1 clínica</a:t>
-            </a:r>
-            <a:r>
-              <a:rPr lang="pt-BR" sz="1900" dirty="0"/>
-              <a:t> de especialidades da ALVF.</a:t>
-            </a:r>
-          </a:p>
-          <a:p>
-            <a:pPr marL="0" indent="0">
-              <a:buNone/>
-            </a:pPr>
-            <a:endParaRPr lang="pt-BR" sz="1900" dirty="0"/>
-          </a:p>
-          <a:p>
-            <a:pPr marL="0" indent="0">
-              <a:buNone/>
-            </a:pPr>
-            <a:r>
-              <a:rPr lang="pt-BR" sz="1900" dirty="0"/>
-              <a:t>• Prestação de serviços remotos para configuração, treinamento e operação assistida.</a:t>
-            </a:r>
-          </a:p>
-          <a:p>
-            <a:pPr marL="0" indent="0">
-              <a:buNone/>
-            </a:pPr>
-            <a:endParaRPr lang="pt-BR" sz="1900" dirty="0"/>
-          </a:p>
-          <a:p>
-            <a:pPr marL="0" indent="0">
-              <a:buNone/>
-            </a:pPr>
-            <a:r>
-              <a:rPr lang="pt-BR" sz="1900" dirty="0"/>
-              <a:t>• Garantir um ambiente seguro, funcional e eficiente para a ALVF.</a:t>
-            </a:r>
-          </a:p>
-        </p:txBody>
-      </p:sp>
-    </p:spTree>
-    <p:extLst>
-      <p:ext uri="{BB962C8B-B14F-4D97-AF65-F5344CB8AC3E}">
-        <p14:creationId xmlns:p14="http://schemas.microsoft.com/office/powerpoint/2010/main" val="4042395343"/>
-      </p:ext>
-    </p:extLst>
-  </p:cSld>
-  <p:clrMapOvr>
-    <a:masterClrMapping/>
-  </p:clrMapOvr>
-</p:sld>
-</file>
-
-<file path=ppt/slides/slide37.xml><?xml version="1.0" encoding="utf-8"?>
-<p:sld xmlns:a="http://schemas.openxmlformats.org/drawingml/2006/main" xmlns:r="http://schemas.openxmlformats.org/officeDocument/2006/relationships" xmlns:p="http://schemas.openxmlformats.org/presentationml/2006/main">
-  <p:cSld>
-    <p:bg>
-      <p:bgPr>
-        <a:solidFill>
-          <a:schemeClr val="bg1"/>
-        </a:solidFill>
-        <a:effectLst/>
-      </p:bgPr>
-    </p:bg>
-    <p:spTree>
-      <p:nvGrpSpPr>
-        <p:cNvPr id="1" name=""/>
-        <p:cNvGrpSpPr/>
-        <p:nvPr/>
-      </p:nvGrpSpPr>
-      <p:grpSpPr>
-        <a:xfrm>
-          <a:off x="0" y="0"/>
-          <a:ext cx="0" cy="0"/>
-          <a:chOff x="0" y="0"/>
-          <a:chExt cx="0" cy="0"/>
-        </a:xfrm>
-      </p:grpSpPr>
-      <p:sp>
-        <p:nvSpPr>
-          <p:cNvPr id="2" name="Title 1"/>
-          <p:cNvSpPr>
-            <a:spLocks noGrp="1"/>
-          </p:cNvSpPr>
-          <p:nvPr>
-            <p:ph type="title"/>
-          </p:nvPr>
-        </p:nvSpPr>
-        <p:spPr>
-          <a:xfrm>
-            <a:off x="963930" y="1050595"/>
-            <a:ext cx="6056111" cy="1618489"/>
-          </a:xfrm>
-        </p:spPr>
-        <p:txBody>
-          <a:bodyPr anchor="ctr">
-            <a:normAutofit/>
-          </a:bodyPr>
-          <a:lstStyle/>
-          <a:p>
-            <a:r>
-              <a:rPr lang="pt-BR" sz="5400"/>
-              <a:t>Atividades e Serviços</a:t>
-            </a:r>
-          </a:p>
-        </p:txBody>
-      </p:sp>
-      <p:sp>
-        <p:nvSpPr>
-          <p:cNvPr id="3" name="Content Placeholder 2"/>
-          <p:cNvSpPr>
-            <a:spLocks noGrp="1"/>
-          </p:cNvSpPr>
-          <p:nvPr>
-            <p:ph idx="1"/>
-          </p:nvPr>
-        </p:nvSpPr>
-        <p:spPr>
-          <a:xfrm>
-            <a:off x="963930" y="2969469"/>
-            <a:ext cx="6056111" cy="2800395"/>
-          </a:xfrm>
-        </p:spPr>
-        <p:txBody>
-          <a:bodyPr anchor="t">
-            <a:normAutofit/>
-          </a:bodyPr>
-          <a:lstStyle/>
-          <a:p>
-            <a:pPr marL="0" indent="0">
-              <a:buNone/>
-            </a:pPr>
-            <a:r>
-              <a:rPr lang="pt-BR" sz="1900"/>
-              <a:t>• Workshop de instalação e configuração do sistema.</a:t>
-            </a:r>
-          </a:p>
-          <a:p>
-            <a:pPr marL="0" indent="0">
-              <a:buNone/>
-            </a:pPr>
-            <a:r>
-              <a:rPr lang="pt-BR" sz="1900"/>
-              <a:t>• Treinamento para equipe técnica da ALVF.</a:t>
-            </a:r>
-          </a:p>
-          <a:p>
-            <a:pPr marL="0" indent="0">
-              <a:buNone/>
-            </a:pPr>
-            <a:r>
-              <a:rPr lang="pt-BR" sz="1900"/>
-              <a:t>• Consultoria técnica e suporte remoto.</a:t>
-            </a:r>
-          </a:p>
-          <a:p>
-            <a:pPr marL="0" indent="0">
-              <a:buNone/>
-            </a:pPr>
-            <a:r>
-              <a:rPr lang="pt-BR" sz="1900"/>
-              <a:t>• Configuração dos ambientes de Teste, Homologação e Produção.</a:t>
-            </a:r>
-          </a:p>
-          <a:p>
-            <a:pPr marL="0" indent="0">
-              <a:buNone/>
-            </a:pPr>
-            <a:r>
-              <a:rPr lang="pt-BR" sz="1900"/>
-              <a:t>• Operação assistida durante o período de implantação.</a:t>
-            </a:r>
-          </a:p>
-        </p:txBody>
-      </p:sp>
-    </p:spTree>
-    <p:extLst>
-      <p:ext uri="{BB962C8B-B14F-4D97-AF65-F5344CB8AC3E}">
-        <p14:creationId xmlns:p14="http://schemas.microsoft.com/office/powerpoint/2010/main" val="653017710"/>
-      </p:ext>
-    </p:extLst>
-  </p:cSld>
-  <p:clrMapOvr>
-    <a:masterClrMapping/>
-  </p:clrMapOvr>
-</p:sld>
-</file>
-
-<file path=ppt/slides/slide38.xml><?xml version="1.0" encoding="utf-8"?>
-<p:sld xmlns:a="http://schemas.openxmlformats.org/drawingml/2006/main" xmlns:r="http://schemas.openxmlformats.org/officeDocument/2006/relationships" xmlns:p="http://schemas.openxmlformats.org/presentationml/2006/main">
-  <p:cSld>
-    <p:bg>
-      <p:bgPr>
-        <a:solidFill>
-          <a:schemeClr val="bg1"/>
-        </a:solidFill>
-        <a:effectLst/>
-      </p:bgPr>
-    </p:bg>
-    <p:spTree>
-      <p:nvGrpSpPr>
-        <p:cNvPr id="1" name=""/>
-        <p:cNvGrpSpPr/>
-        <p:nvPr/>
-      </p:nvGrpSpPr>
-      <p:grpSpPr>
-        <a:xfrm>
-          <a:off x="0" y="0"/>
-          <a:ext cx="0" cy="0"/>
-          <a:chOff x="0" y="0"/>
-          <a:chExt cx="0" cy="0"/>
-        </a:xfrm>
-      </p:grpSpPr>
-      <p:sp>
-        <p:nvSpPr>
-          <p:cNvPr id="2" name="Title 1"/>
-          <p:cNvSpPr>
-            <a:spLocks noGrp="1"/>
-          </p:cNvSpPr>
-          <p:nvPr>
-            <p:ph type="title"/>
-          </p:nvPr>
-        </p:nvSpPr>
-        <p:spPr>
-          <a:xfrm>
-            <a:off x="963930" y="1050595"/>
-            <a:ext cx="6056111" cy="1618489"/>
-          </a:xfrm>
-        </p:spPr>
-        <p:txBody>
-          <a:bodyPr anchor="ctr">
-            <a:normAutofit/>
-          </a:bodyPr>
-          <a:lstStyle/>
-          <a:p>
-            <a:r>
-              <a:rPr lang="pt-BR" sz="4400"/>
-              <a:t>Valores, Parcelamentos e Prazos</a:t>
-            </a:r>
-          </a:p>
-        </p:txBody>
-      </p:sp>
-      <p:sp>
-        <p:nvSpPr>
-          <p:cNvPr id="3" name="Content Placeholder 2"/>
-          <p:cNvSpPr>
-            <a:spLocks noGrp="1"/>
-          </p:cNvSpPr>
-          <p:nvPr>
-            <p:ph idx="1"/>
-          </p:nvPr>
-        </p:nvSpPr>
-        <p:spPr>
-          <a:xfrm>
-            <a:off x="963930" y="2969469"/>
-            <a:ext cx="6056111" cy="2800395"/>
-          </a:xfrm>
-        </p:spPr>
-        <p:txBody>
-          <a:bodyPr anchor="t">
-            <a:normAutofit/>
-          </a:bodyPr>
-          <a:lstStyle/>
-          <a:p>
-            <a:pPr marL="0" indent="0">
-              <a:buNone/>
-            </a:pPr>
-            <a:r>
-              <a:rPr lang="pt-BR" sz="1900"/>
-              <a:t>• Implantação prevista para 18 meses (1 ano e meio).</a:t>
-            </a:r>
-          </a:p>
-          <a:p>
-            <a:pPr marL="0" indent="0">
-              <a:buNone/>
-            </a:pPr>
-            <a:r>
-              <a:rPr lang="pt-BR" sz="1900"/>
-              <a:t>• Valor mensal: R$ 319.445,52.</a:t>
-            </a:r>
-          </a:p>
-          <a:p>
-            <a:pPr marL="0" indent="0">
-              <a:buNone/>
-            </a:pPr>
-            <a:r>
-              <a:rPr lang="pt-BR" sz="1900"/>
-              <a:t>• Valor total estimado: R$ 5.750.019,29.</a:t>
-            </a:r>
-          </a:p>
-          <a:p>
-            <a:pPr marL="0" indent="0">
-              <a:buNone/>
-            </a:pPr>
-            <a:r>
-              <a:rPr lang="pt-BR" sz="1900"/>
-              <a:t>• Pagamento mensal com prazo de 30 dias após emissão da fatura.</a:t>
-            </a:r>
-          </a:p>
-          <a:p>
-            <a:pPr marL="0" indent="0">
-              <a:buNone/>
-            </a:pPr>
-            <a:r>
-              <a:rPr lang="pt-BR" sz="1900"/>
-              <a:t>• Reajuste anual pelo IPCA e ajustes contratuais conforme legislação vigente.</a:t>
-            </a:r>
-          </a:p>
-        </p:txBody>
-      </p:sp>
-    </p:spTree>
-    <p:extLst>
-      <p:ext uri="{BB962C8B-B14F-4D97-AF65-F5344CB8AC3E}">
-        <p14:creationId xmlns:p14="http://schemas.microsoft.com/office/powerpoint/2010/main" val="1190121489"/>
-      </p:ext>
-    </p:extLst>
-  </p:cSld>
-  <p:clrMapOvr>
-    <a:masterClrMapping/>
-  </p:clrMapOvr>
-</p:sld>
-</file>
-
 <file path=ppt/slides/slide39.xml><?xml version="1.0" encoding="utf-8"?>
 <p:sld xmlns:a="http://schemas.openxmlformats.org/drawingml/2006/main" xmlns:r="http://schemas.openxmlformats.org/officeDocument/2006/relationships" xmlns:p="http://schemas.openxmlformats.org/presentationml/2006/main">
   <p:cSld>
@@ -26326,9 +27359,14 @@
           <a:lstStyle/>
           <a:p>
             <a:r>
-              <a:rPr lang="pt-BR" sz="4400"/>
-              <a:t>Profissionais Envolvidos e Considerações Finais</a:t>
-            </a:r>
+              <a:rPr lang="pt-BR" sz="6300" dirty="0"/>
+              <a:t>Solução </a:t>
+            </a:r>
+            <a:r>
+              <a:rPr lang="pt-BR" sz="6300" dirty="0" err="1"/>
+              <a:t>AGHUse</a:t>
+            </a:r>
+            <a:endParaRPr lang="pt-BR" sz="6300" dirty="0"/>
           </a:p>
         </p:txBody>
       </p:sp>
@@ -26358,8 +27396,8 @@
               <a:buNone/>
             </a:pPr>
             <a:r>
-              <a:rPr lang="pt-BR" sz="1800"/>
-              <a:t>• Equipe técnica especializada composta por Gerentes, Arquitetos, Desenvolvedores e Consultores.</a:t>
+              <a:rPr lang="pt-BR" dirty="0"/>
+              <a:t>• Software para gestão hospitalar, utilizado por grandes instituições no Brasil.</a:t>
             </a:r>
           </a:p>
           <a:p>
@@ -26367,8 +27405,8 @@
               <a:buNone/>
             </a:pPr>
             <a:r>
-              <a:rPr lang="pt-BR" sz="1800"/>
-              <a:t>• Compromisso com segurança da informação e compliance.</a:t>
+              <a:rPr lang="pt-BR" dirty="0"/>
+              <a:t>• Módulos assistenciais: Prontuário, Internação, Cirurgias, Exames, Emergência, etc.</a:t>
             </a:r>
           </a:p>
           <a:p>
@@ -26376,8 +27414,8 @@
               <a:buNone/>
             </a:pPr>
             <a:r>
-              <a:rPr lang="pt-BR" sz="1800"/>
-              <a:t>• Obrigações da ALVF incluem disponibilização de infraestrutura e ambiente de testes.</a:t>
+              <a:rPr lang="pt-BR" dirty="0"/>
+              <a:t>• Módulos administrativos: Faturamento, Custos, Compras, Estoque, Manutenção.</a:t>
             </a:r>
           </a:p>
           <a:p>
@@ -26385,25 +27423,19 @@
               <a:buNone/>
             </a:pPr>
             <a:r>
-              <a:rPr lang="pt-BR" sz="1800"/>
-              <a:t>• Termos de confidencialidade e não contratação de profissionais SONDA por 1 ano.</a:t>
-            </a:r>
-          </a:p>
-          <a:p>
-            <a:pPr marL="0" indent="0">
-              <a:buNone/>
-            </a:pPr>
-            <a:r>
-              <a:rPr lang="pt-BR" sz="1800"/>
-              <a:t>• Proposta válida por 30 dias após a emissão.</a:t>
-            </a:r>
+              <a:rPr lang="pt-BR" dirty="0"/>
+              <a:t>• Interoperabilidade com sistemas de certificação digital e gestão.</a:t>
+            </a:r>
+          </a:p>
+          <a:p>
+            <a:endParaRPr dirty="0"/>
           </a:p>
         </p:txBody>
       </p:sp>
     </p:spTree>
     <p:extLst>
       <p:ext uri="{BB962C8B-B14F-4D97-AF65-F5344CB8AC3E}">
-        <p14:creationId xmlns:p14="http://schemas.microsoft.com/office/powerpoint/2010/main" val="2382692790"/>
+        <p14:creationId xmlns:p14="http://schemas.microsoft.com/office/powerpoint/2010/main" val="171471434"/>
       </p:ext>
     </p:extLst>
   </p:cSld>
@@ -26767,13 +27799,685 @@
             <a:spLocks noGrp="1"/>
           </p:cNvSpPr>
           <p:nvPr>
+            <p:ph type="title"/>
+          </p:nvPr>
+        </p:nvSpPr>
+        <p:spPr>
+          <a:xfrm>
+            <a:off x="509286" y="1050595"/>
+            <a:ext cx="8194876" cy="1618489"/>
+          </a:xfrm>
+        </p:spPr>
+        <p:txBody>
+          <a:bodyPr anchor="ctr">
+            <a:normAutofit/>
+          </a:bodyPr>
+          <a:lstStyle/>
+          <a:p>
+            <a:r>
+              <a:rPr lang="pt-BR" sz="5400" dirty="0"/>
+              <a:t>Valores, Prazos e Condições</a:t>
+            </a:r>
+          </a:p>
+        </p:txBody>
+      </p:sp>
+      <p:sp>
+        <p:nvSpPr>
+          <p:cNvPr id="3" name="Content Placeholder 2"/>
+          <p:cNvSpPr>
+            <a:spLocks noGrp="1"/>
+          </p:cNvSpPr>
+          <p:nvPr>
+            <p:ph idx="1"/>
+          </p:nvPr>
+        </p:nvSpPr>
+        <p:spPr>
+          <a:xfrm>
+            <a:off x="963930" y="2969469"/>
+            <a:ext cx="6056111" cy="2800395"/>
+          </a:xfrm>
+        </p:spPr>
+        <p:txBody>
+          <a:bodyPr anchor="t">
+            <a:normAutofit/>
+          </a:bodyPr>
+          <a:lstStyle/>
+          <a:p>
+            <a:pPr marL="0" indent="0">
+              <a:buNone/>
+            </a:pPr>
+            <a:r>
+              <a:rPr lang="pt-BR"/>
+              <a:t>• Vigência do contrato: 18 meses, com possibilidade de prorrogação.</a:t>
+            </a:r>
+          </a:p>
+          <a:p>
+            <a:pPr marL="0" indent="0">
+              <a:buNone/>
+            </a:pPr>
+            <a:endParaRPr lang="pt-BR"/>
+          </a:p>
+          <a:p>
+            <a:pPr marL="0" indent="0">
+              <a:buNone/>
+            </a:pPr>
+            <a:r>
+              <a:rPr lang="pt-BR"/>
+              <a:t>• Atendimento remoto e presencial conforme necessidade.</a:t>
+            </a:r>
+          </a:p>
+          <a:p>
+            <a:endParaRPr dirty="0"/>
+          </a:p>
+        </p:txBody>
+      </p:sp>
+    </p:spTree>
+    <p:extLst>
+      <p:ext uri="{BB962C8B-B14F-4D97-AF65-F5344CB8AC3E}">
+        <p14:creationId xmlns:p14="http://schemas.microsoft.com/office/powerpoint/2010/main" val="1780494153"/>
+      </p:ext>
+    </p:extLst>
+  </p:cSld>
+  <p:clrMapOvr>
+    <a:masterClrMapping/>
+  </p:clrMapOvr>
+</p:sld>
+</file>
+
+<file path=ppt/slides/slide41.xml><?xml version="1.0" encoding="utf-8"?>
+<p:sld xmlns:a="http://schemas.openxmlformats.org/drawingml/2006/main" xmlns:r="http://schemas.openxmlformats.org/officeDocument/2006/relationships" xmlns:p="http://schemas.openxmlformats.org/presentationml/2006/main">
+  <p:cSld>
+    <p:bg>
+      <p:bgPr>
+        <a:solidFill>
+          <a:schemeClr val="bg1"/>
+        </a:solidFill>
+        <a:effectLst/>
+      </p:bgPr>
+    </p:bg>
+    <p:spTree>
+      <p:nvGrpSpPr>
+        <p:cNvPr id="1" name=""/>
+        <p:cNvGrpSpPr/>
+        <p:nvPr/>
+      </p:nvGrpSpPr>
+      <p:grpSpPr>
+        <a:xfrm>
+          <a:off x="0" y="0"/>
+          <a:ext cx="0" cy="0"/>
+          <a:chOff x="0" y="0"/>
+          <a:chExt cx="0" cy="0"/>
+        </a:xfrm>
+      </p:grpSpPr>
+      <p:sp>
+        <p:nvSpPr>
+          <p:cNvPr id="2" name="Title 1"/>
+          <p:cNvSpPr>
+            <a:spLocks noGrp="1"/>
+          </p:cNvSpPr>
+          <p:nvPr>
+            <p:ph type="title"/>
+          </p:nvPr>
+        </p:nvSpPr>
+        <p:spPr>
+          <a:xfrm>
+            <a:off x="717630" y="1050595"/>
+            <a:ext cx="7870785" cy="1618489"/>
+          </a:xfrm>
+        </p:spPr>
+        <p:txBody>
+          <a:bodyPr anchor="ctr">
+            <a:normAutofit/>
+          </a:bodyPr>
+          <a:lstStyle/>
+          <a:p>
+            <a:r>
+              <a:rPr lang="pt-BR" sz="5400" dirty="0"/>
+              <a:t>Proposta Comercial - </a:t>
+            </a:r>
+            <a:r>
+              <a:rPr lang="pt-BR" sz="5400" dirty="0" err="1"/>
+              <a:t>AGHUse</a:t>
+            </a:r>
+            <a:endParaRPr lang="pt-BR" sz="5400" dirty="0"/>
+          </a:p>
+        </p:txBody>
+      </p:sp>
+      <p:sp>
+        <p:nvSpPr>
+          <p:cNvPr id="3" name="Content Placeholder 2"/>
+          <p:cNvSpPr>
+            <a:spLocks noGrp="1"/>
+          </p:cNvSpPr>
+          <p:nvPr>
+            <p:ph idx="1"/>
+          </p:nvPr>
+        </p:nvSpPr>
+        <p:spPr>
+          <a:xfrm>
+            <a:off x="963930" y="2969469"/>
+            <a:ext cx="6056111" cy="2800395"/>
+          </a:xfrm>
+        </p:spPr>
+        <p:txBody>
+          <a:bodyPr anchor="t">
+            <a:normAutofit/>
+          </a:bodyPr>
+          <a:lstStyle/>
+          <a:p>
+            <a:pPr marL="0" indent="0">
+              <a:buNone/>
+            </a:pPr>
+            <a:r>
+              <a:rPr lang="pt-BR" sz="1900" dirty="0"/>
+              <a:t>• Implantação do Sistema </a:t>
+            </a:r>
+            <a:r>
+              <a:rPr lang="pt-BR" sz="1900"/>
+              <a:t>AGHUse</a:t>
+            </a:r>
+            <a:r>
+              <a:rPr lang="pt-BR" sz="1900" dirty="0"/>
+              <a:t> em </a:t>
+            </a:r>
+            <a:r>
+              <a:rPr lang="pt-BR" sz="1900" b="1" dirty="0"/>
+              <a:t>2 hospitais e 1 clínica</a:t>
+            </a:r>
+            <a:r>
+              <a:rPr lang="pt-BR" sz="1900" dirty="0"/>
+              <a:t> de especialidades da ALVF.</a:t>
+            </a:r>
+          </a:p>
+          <a:p>
+            <a:pPr marL="0" indent="0">
+              <a:buNone/>
+            </a:pPr>
+            <a:endParaRPr lang="pt-BR" sz="1900" dirty="0"/>
+          </a:p>
+          <a:p>
+            <a:pPr marL="0" indent="0">
+              <a:buNone/>
+            </a:pPr>
+            <a:r>
+              <a:rPr lang="pt-BR" sz="1900" dirty="0"/>
+              <a:t>• Prestação de serviços remotos para configuração, treinamento e operação assistida.</a:t>
+            </a:r>
+          </a:p>
+          <a:p>
+            <a:pPr marL="0" indent="0">
+              <a:buNone/>
+            </a:pPr>
+            <a:endParaRPr lang="pt-BR" sz="1900" dirty="0"/>
+          </a:p>
+          <a:p>
+            <a:pPr marL="0" indent="0">
+              <a:buNone/>
+            </a:pPr>
+            <a:r>
+              <a:rPr lang="pt-BR" sz="1900" dirty="0"/>
+              <a:t>• Garantir um ambiente seguro, funcional e eficiente para a ALVF.</a:t>
+            </a:r>
+          </a:p>
+        </p:txBody>
+      </p:sp>
+    </p:spTree>
+    <p:extLst>
+      <p:ext uri="{BB962C8B-B14F-4D97-AF65-F5344CB8AC3E}">
+        <p14:creationId xmlns:p14="http://schemas.microsoft.com/office/powerpoint/2010/main" val="4042395343"/>
+      </p:ext>
+    </p:extLst>
+  </p:cSld>
+  <p:clrMapOvr>
+    <a:masterClrMapping/>
+  </p:clrMapOvr>
+</p:sld>
+</file>
+
+<file path=ppt/slides/slide42.xml><?xml version="1.0" encoding="utf-8"?>
+<p:sld xmlns:a="http://schemas.openxmlformats.org/drawingml/2006/main" xmlns:r="http://schemas.openxmlformats.org/officeDocument/2006/relationships" xmlns:p="http://schemas.openxmlformats.org/presentationml/2006/main">
+  <p:cSld>
+    <p:bg>
+      <p:bgPr>
+        <a:solidFill>
+          <a:schemeClr val="bg1"/>
+        </a:solidFill>
+        <a:effectLst/>
+      </p:bgPr>
+    </p:bg>
+    <p:spTree>
+      <p:nvGrpSpPr>
+        <p:cNvPr id="1" name=""/>
+        <p:cNvGrpSpPr/>
+        <p:nvPr/>
+      </p:nvGrpSpPr>
+      <p:grpSpPr>
+        <a:xfrm>
+          <a:off x="0" y="0"/>
+          <a:ext cx="0" cy="0"/>
+          <a:chOff x="0" y="0"/>
+          <a:chExt cx="0" cy="0"/>
+        </a:xfrm>
+      </p:grpSpPr>
+      <p:sp>
+        <p:nvSpPr>
+          <p:cNvPr id="2" name="Title 1"/>
+          <p:cNvSpPr>
+            <a:spLocks noGrp="1"/>
+          </p:cNvSpPr>
+          <p:nvPr>
+            <p:ph type="title"/>
+          </p:nvPr>
+        </p:nvSpPr>
+        <p:spPr>
+          <a:xfrm>
+            <a:off x="694482" y="1050595"/>
+            <a:ext cx="6325560" cy="1618489"/>
+          </a:xfrm>
+        </p:spPr>
+        <p:txBody>
+          <a:bodyPr anchor="ctr">
+            <a:normAutofit/>
+          </a:bodyPr>
+          <a:lstStyle/>
+          <a:p>
+            <a:r>
+              <a:rPr lang="pt-BR" sz="5400" dirty="0"/>
+              <a:t>Atividades e Serviços</a:t>
+            </a:r>
+          </a:p>
+        </p:txBody>
+      </p:sp>
+      <p:sp>
+        <p:nvSpPr>
+          <p:cNvPr id="3" name="Content Placeholder 2"/>
+          <p:cNvSpPr>
+            <a:spLocks noGrp="1"/>
+          </p:cNvSpPr>
+          <p:nvPr>
+            <p:ph idx="1"/>
+          </p:nvPr>
+        </p:nvSpPr>
+        <p:spPr>
+          <a:xfrm>
+            <a:off x="963930" y="2969469"/>
+            <a:ext cx="6056111" cy="2800395"/>
+          </a:xfrm>
+        </p:spPr>
+        <p:txBody>
+          <a:bodyPr anchor="t">
+            <a:normAutofit/>
+          </a:bodyPr>
+          <a:lstStyle/>
+          <a:p>
+            <a:pPr marL="0" indent="0">
+              <a:buNone/>
+            </a:pPr>
+            <a:r>
+              <a:rPr lang="pt-BR" sz="1900"/>
+              <a:t>• Workshop de instalação e configuração do sistema.</a:t>
+            </a:r>
+          </a:p>
+          <a:p>
+            <a:pPr marL="0" indent="0">
+              <a:buNone/>
+            </a:pPr>
+            <a:r>
+              <a:rPr lang="pt-BR" sz="1900"/>
+              <a:t>• Treinamento para equipe técnica da ALVF.</a:t>
+            </a:r>
+          </a:p>
+          <a:p>
+            <a:pPr marL="0" indent="0">
+              <a:buNone/>
+            </a:pPr>
+            <a:r>
+              <a:rPr lang="pt-BR" sz="1900"/>
+              <a:t>• Consultoria técnica e suporte remoto.</a:t>
+            </a:r>
+          </a:p>
+          <a:p>
+            <a:pPr marL="0" indent="0">
+              <a:buNone/>
+            </a:pPr>
+            <a:r>
+              <a:rPr lang="pt-BR" sz="1900"/>
+              <a:t>• Configuração dos ambientes de Teste, Homologação e Produção.</a:t>
+            </a:r>
+          </a:p>
+          <a:p>
+            <a:pPr marL="0" indent="0">
+              <a:buNone/>
+            </a:pPr>
+            <a:r>
+              <a:rPr lang="pt-BR" sz="1900"/>
+              <a:t>• Operação assistida durante o período de implantação.</a:t>
+            </a:r>
+          </a:p>
+        </p:txBody>
+      </p:sp>
+    </p:spTree>
+    <p:extLst>
+      <p:ext uri="{BB962C8B-B14F-4D97-AF65-F5344CB8AC3E}">
+        <p14:creationId xmlns:p14="http://schemas.microsoft.com/office/powerpoint/2010/main" val="653017710"/>
+      </p:ext>
+    </p:extLst>
+  </p:cSld>
+  <p:clrMapOvr>
+    <a:masterClrMapping/>
+  </p:clrMapOvr>
+</p:sld>
+</file>
+
+<file path=ppt/slides/slide43.xml><?xml version="1.0" encoding="utf-8"?>
+<p:sld xmlns:a="http://schemas.openxmlformats.org/drawingml/2006/main" xmlns:r="http://schemas.openxmlformats.org/officeDocument/2006/relationships" xmlns:p="http://schemas.openxmlformats.org/presentationml/2006/main">
+  <p:cSld>
+    <p:bg>
+      <p:bgPr>
+        <a:solidFill>
+          <a:schemeClr val="bg1"/>
+        </a:solidFill>
+        <a:effectLst/>
+      </p:bgPr>
+    </p:bg>
+    <p:spTree>
+      <p:nvGrpSpPr>
+        <p:cNvPr id="1" name=""/>
+        <p:cNvGrpSpPr/>
+        <p:nvPr/>
+      </p:nvGrpSpPr>
+      <p:grpSpPr>
+        <a:xfrm>
+          <a:off x="0" y="0"/>
+          <a:ext cx="0" cy="0"/>
+          <a:chOff x="0" y="0"/>
+          <a:chExt cx="0" cy="0"/>
+        </a:xfrm>
+      </p:grpSpPr>
+      <p:sp>
+        <p:nvSpPr>
+          <p:cNvPr id="2" name="Title 1"/>
+          <p:cNvSpPr>
+            <a:spLocks noGrp="1"/>
+          </p:cNvSpPr>
+          <p:nvPr>
+            <p:ph type="title"/>
+          </p:nvPr>
+        </p:nvSpPr>
+        <p:spPr>
+          <a:xfrm>
+            <a:off x="963930" y="1050595"/>
+            <a:ext cx="6056111" cy="1618489"/>
+          </a:xfrm>
+        </p:spPr>
+        <p:txBody>
+          <a:bodyPr anchor="ctr">
+            <a:normAutofit/>
+          </a:bodyPr>
+          <a:lstStyle/>
+          <a:p>
+            <a:r>
+              <a:rPr lang="pt-BR" sz="4400"/>
+              <a:t>Valores, Parcelamentos e Prazos</a:t>
+            </a:r>
+          </a:p>
+        </p:txBody>
+      </p:sp>
+      <p:sp>
+        <p:nvSpPr>
+          <p:cNvPr id="3" name="Content Placeholder 2"/>
+          <p:cNvSpPr>
+            <a:spLocks noGrp="1"/>
+          </p:cNvSpPr>
+          <p:nvPr>
+            <p:ph idx="1"/>
+          </p:nvPr>
+        </p:nvSpPr>
+        <p:spPr>
+          <a:xfrm>
+            <a:off x="963930" y="2969469"/>
+            <a:ext cx="6056111" cy="2800395"/>
+          </a:xfrm>
+        </p:spPr>
+        <p:txBody>
+          <a:bodyPr anchor="t">
+            <a:normAutofit/>
+          </a:bodyPr>
+          <a:lstStyle/>
+          <a:p>
+            <a:pPr marL="0" indent="0">
+              <a:buNone/>
+            </a:pPr>
+            <a:r>
+              <a:rPr lang="pt-BR" sz="1900"/>
+              <a:t>• Implantação prevista para 18 meses (1 ano e meio).</a:t>
+            </a:r>
+          </a:p>
+          <a:p>
+            <a:pPr marL="0" indent="0">
+              <a:buNone/>
+            </a:pPr>
+            <a:r>
+              <a:rPr lang="pt-BR" sz="1900"/>
+              <a:t>• Valor mensal: R$ 319.445,52.</a:t>
+            </a:r>
+          </a:p>
+          <a:p>
+            <a:pPr marL="0" indent="0">
+              <a:buNone/>
+            </a:pPr>
+            <a:r>
+              <a:rPr lang="pt-BR" sz="1900"/>
+              <a:t>• Valor total estimado: R$ 5.750.019,29.</a:t>
+            </a:r>
+          </a:p>
+          <a:p>
+            <a:pPr marL="0" indent="0">
+              <a:buNone/>
+            </a:pPr>
+            <a:r>
+              <a:rPr lang="pt-BR" sz="1900"/>
+              <a:t>• Pagamento mensal com prazo de 30 dias após emissão da fatura.</a:t>
+            </a:r>
+          </a:p>
+          <a:p>
+            <a:pPr marL="0" indent="0">
+              <a:buNone/>
+            </a:pPr>
+            <a:r>
+              <a:rPr lang="pt-BR" sz="1900"/>
+              <a:t>• Reajuste anual pelo IPCA e ajustes contratuais conforme legislação vigente.</a:t>
+            </a:r>
+          </a:p>
+        </p:txBody>
+      </p:sp>
+    </p:spTree>
+    <p:extLst>
+      <p:ext uri="{BB962C8B-B14F-4D97-AF65-F5344CB8AC3E}">
+        <p14:creationId xmlns:p14="http://schemas.microsoft.com/office/powerpoint/2010/main" val="1190121489"/>
+      </p:ext>
+    </p:extLst>
+  </p:cSld>
+  <p:clrMapOvr>
+    <a:masterClrMapping/>
+  </p:clrMapOvr>
+</p:sld>
+</file>
+
+<file path=ppt/slides/slide44.xml><?xml version="1.0" encoding="utf-8"?>
+<p:sld xmlns:a="http://schemas.openxmlformats.org/drawingml/2006/main" xmlns:r="http://schemas.openxmlformats.org/officeDocument/2006/relationships" xmlns:p="http://schemas.openxmlformats.org/presentationml/2006/main">
+  <p:cSld>
+    <p:bg>
+      <p:bgPr>
+        <a:solidFill>
+          <a:schemeClr val="bg1"/>
+        </a:solidFill>
+        <a:effectLst/>
+      </p:bgPr>
+    </p:bg>
+    <p:spTree>
+      <p:nvGrpSpPr>
+        <p:cNvPr id="1" name=""/>
+        <p:cNvGrpSpPr/>
+        <p:nvPr/>
+      </p:nvGrpSpPr>
+      <p:grpSpPr>
+        <a:xfrm>
+          <a:off x="0" y="0"/>
+          <a:ext cx="0" cy="0"/>
+          <a:chOff x="0" y="0"/>
+          <a:chExt cx="0" cy="0"/>
+        </a:xfrm>
+      </p:grpSpPr>
+      <p:sp>
+        <p:nvSpPr>
+          <p:cNvPr id="2" name="Title 1"/>
+          <p:cNvSpPr>
+            <a:spLocks noGrp="1"/>
+          </p:cNvSpPr>
+          <p:nvPr>
+            <p:ph type="title"/>
+          </p:nvPr>
+        </p:nvSpPr>
+        <p:spPr>
+          <a:xfrm>
+            <a:off x="963930" y="1050595"/>
+            <a:ext cx="6056111" cy="1618489"/>
+          </a:xfrm>
+        </p:spPr>
+        <p:txBody>
+          <a:bodyPr anchor="ctr">
+            <a:normAutofit/>
+          </a:bodyPr>
+          <a:lstStyle/>
+          <a:p>
+            <a:r>
+              <a:rPr lang="pt-BR" sz="4400"/>
+              <a:t>Profissionais Envolvidos e Considerações Finais</a:t>
+            </a:r>
+          </a:p>
+        </p:txBody>
+      </p:sp>
+      <p:sp>
+        <p:nvSpPr>
+          <p:cNvPr id="3" name="Content Placeholder 2"/>
+          <p:cNvSpPr>
+            <a:spLocks noGrp="1"/>
+          </p:cNvSpPr>
+          <p:nvPr>
+            <p:ph idx="1"/>
+          </p:nvPr>
+        </p:nvSpPr>
+        <p:spPr>
+          <a:xfrm>
+            <a:off x="963930" y="2969469"/>
+            <a:ext cx="6056111" cy="2800395"/>
+          </a:xfrm>
+        </p:spPr>
+        <p:txBody>
+          <a:bodyPr anchor="t">
+            <a:normAutofit/>
+          </a:bodyPr>
+          <a:lstStyle/>
+          <a:p>
+            <a:pPr marL="0" indent="0">
+              <a:buNone/>
+            </a:pPr>
+            <a:r>
+              <a:rPr lang="pt-BR" sz="1800"/>
+              <a:t>• Equipe técnica especializada composta por Gerentes, Arquitetos, Desenvolvedores e Consultores.</a:t>
+            </a:r>
+          </a:p>
+          <a:p>
+            <a:pPr marL="0" indent="0">
+              <a:buNone/>
+            </a:pPr>
+            <a:r>
+              <a:rPr lang="pt-BR" sz="1800"/>
+              <a:t>• Compromisso com segurança da informação e compliance.</a:t>
+            </a:r>
+          </a:p>
+          <a:p>
+            <a:pPr marL="0" indent="0">
+              <a:buNone/>
+            </a:pPr>
+            <a:r>
+              <a:rPr lang="pt-BR" sz="1800"/>
+              <a:t>• Obrigações da ALVF incluem disponibilização de infraestrutura e ambiente de testes.</a:t>
+            </a:r>
+          </a:p>
+          <a:p>
+            <a:pPr marL="0" indent="0">
+              <a:buNone/>
+            </a:pPr>
+            <a:r>
+              <a:rPr lang="pt-BR" sz="1800"/>
+              <a:t>• Termos de confidencialidade e não contratação de profissionais SONDA por 1 ano.</a:t>
+            </a:r>
+          </a:p>
+          <a:p>
+            <a:pPr marL="0" indent="0">
+              <a:buNone/>
+            </a:pPr>
+            <a:r>
+              <a:rPr lang="pt-BR" sz="1800"/>
+              <a:t>• Proposta válida por 30 dias após a emissão.</a:t>
+            </a:r>
+          </a:p>
+        </p:txBody>
+      </p:sp>
+    </p:spTree>
+    <p:extLst>
+      <p:ext uri="{BB962C8B-B14F-4D97-AF65-F5344CB8AC3E}">
+        <p14:creationId xmlns:p14="http://schemas.microsoft.com/office/powerpoint/2010/main" val="2382692790"/>
+      </p:ext>
+    </p:extLst>
+  </p:cSld>
+  <p:clrMapOvr>
+    <a:masterClrMapping/>
+  </p:clrMapOvr>
+</p:sld>
+</file>
+
+<file path=ppt/slides/slide45.xml><?xml version="1.0" encoding="utf-8"?>
+<p:sld xmlns:a="http://schemas.openxmlformats.org/drawingml/2006/main" xmlns:r="http://schemas.openxmlformats.org/officeDocument/2006/relationships" xmlns:p="http://schemas.openxmlformats.org/presentationml/2006/main">
+  <p:cSld>
+    <p:bg>
+      <p:bgPr>
+        <a:solidFill>
+          <a:schemeClr val="bg1"/>
+        </a:solidFill>
+        <a:effectLst/>
+      </p:bgPr>
+    </p:bg>
+    <p:spTree>
+      <p:nvGrpSpPr>
+        <p:cNvPr id="1" name=""/>
+        <p:cNvGrpSpPr/>
+        <p:nvPr/>
+      </p:nvGrpSpPr>
+      <p:grpSpPr>
+        <a:xfrm>
+          <a:off x="0" y="0"/>
+          <a:ext cx="0" cy="0"/>
+          <a:chOff x="0" y="0"/>
+          <a:chExt cx="0" cy="0"/>
+        </a:xfrm>
+      </p:grpSpPr>
+      <p:sp>
+        <p:nvSpPr>
+          <p:cNvPr id="2" name="Title 1"/>
+          <p:cNvSpPr>
+            <a:spLocks noGrp="1"/>
+          </p:cNvSpPr>
+          <p:nvPr>
             <p:ph type="ctrTitle"/>
           </p:nvPr>
         </p:nvSpPr>
         <p:spPr>
           <a:xfrm>
-            <a:off x="963930" y="1008993"/>
-            <a:ext cx="6923558" cy="3542045"/>
+            <a:off x="963929" y="1008993"/>
+            <a:ext cx="7555037" cy="3542045"/>
           </a:xfrm>
         </p:spPr>
         <p:txBody>
@@ -26782,10 +28486,9 @@
           </a:bodyPr>
           <a:lstStyle/>
           <a:p>
-            <a:pPr algn="l"/>
-            <a:r>
-              <a:rPr lang="pt-BR" sz="7000"/>
-              <a:t>Proposta Técnica Comercial - CLOUD</a:t>
+            <a:r>
+              <a:rPr lang="pt-BR" sz="7000" dirty="0"/>
+              <a:t>Proposta Técnica - CLOUD</a:t>
             </a:r>
           </a:p>
         </p:txBody>
@@ -26895,7 +28598,669 @@
 </p:sld>
 </file>
 
-<file path=ppt/slides/slide41.xml><?xml version="1.0" encoding="utf-8"?>
+<file path=ppt/slides/slide46.xml><?xml version="1.0" encoding="utf-8"?>
+<p:sld xmlns:a="http://schemas.openxmlformats.org/drawingml/2006/main" xmlns:r="http://schemas.openxmlformats.org/officeDocument/2006/relationships" xmlns:p="http://schemas.openxmlformats.org/presentationml/2006/main">
+  <p:cSld>
+    <p:bg>
+      <p:bgPr>
+        <a:solidFill>
+          <a:schemeClr val="bg1"/>
+        </a:solidFill>
+        <a:effectLst/>
+      </p:bgPr>
+    </p:bg>
+    <p:spTree>
+      <p:nvGrpSpPr>
+        <p:cNvPr id="1" name=""/>
+        <p:cNvGrpSpPr/>
+        <p:nvPr/>
+      </p:nvGrpSpPr>
+      <p:grpSpPr>
+        <a:xfrm>
+          <a:off x="0" y="0"/>
+          <a:ext cx="0" cy="0"/>
+          <a:chOff x="0" y="0"/>
+          <a:chExt cx="0" cy="0"/>
+        </a:xfrm>
+      </p:grpSpPr>
+      <p:sp>
+        <p:nvSpPr>
+          <p:cNvPr id="2" name="Title 1"/>
+          <p:cNvSpPr>
+            <a:spLocks noGrp="1"/>
+          </p:cNvSpPr>
+          <p:nvPr>
+            <p:ph type="title"/>
+          </p:nvPr>
+        </p:nvSpPr>
+        <p:spPr>
+          <a:xfrm>
+            <a:off x="497712" y="1050595"/>
+            <a:ext cx="7951808" cy="1618489"/>
+          </a:xfrm>
+        </p:spPr>
+        <p:txBody>
+          <a:bodyPr anchor="ctr">
+            <a:normAutofit/>
+          </a:bodyPr>
+          <a:lstStyle/>
+          <a:p>
+            <a:r>
+              <a:rPr lang="pt-BR" sz="5400" dirty="0"/>
+              <a:t>Governança e Gestão de Serviços</a:t>
+            </a:r>
+          </a:p>
+        </p:txBody>
+      </p:sp>
+      <p:sp>
+        <p:nvSpPr>
+          <p:cNvPr id="3" name="Content Placeholder 2"/>
+          <p:cNvSpPr>
+            <a:spLocks noGrp="1"/>
+          </p:cNvSpPr>
+          <p:nvPr>
+            <p:ph idx="1"/>
+          </p:nvPr>
+        </p:nvSpPr>
+        <p:spPr>
+          <a:xfrm>
+            <a:off x="963930" y="2969469"/>
+            <a:ext cx="6056111" cy="2800395"/>
+          </a:xfrm>
+        </p:spPr>
+        <p:txBody>
+          <a:bodyPr anchor="t">
+            <a:normAutofit/>
+          </a:bodyPr>
+          <a:lstStyle/>
+          <a:p>
+            <a:pPr marL="0" indent="0">
+              <a:buNone/>
+            </a:pPr>
+            <a:r>
+              <a:rPr dirty="0"/>
+              <a:t>- </a:t>
+            </a:r>
+            <a:r>
+              <a:rPr lang="pt-BR"/>
+              <a:t>Estrutura</a:t>
+            </a:r>
+            <a:r>
+              <a:rPr dirty="0"/>
+              <a:t> </a:t>
+            </a:r>
+            <a:r>
+              <a:rPr lang="pt-BR"/>
+              <a:t>baseada</a:t>
+            </a:r>
+            <a:r>
+              <a:rPr dirty="0"/>
+              <a:t> </a:t>
+            </a:r>
+            <a:r>
+              <a:rPr lang="pt-BR"/>
+              <a:t>em</a:t>
+            </a:r>
+            <a:r>
+              <a:rPr dirty="0"/>
+              <a:t> ITIL e ISO 20000, 27001, 27017, 27018</a:t>
+            </a:r>
+          </a:p>
+          <a:p>
+            <a:pPr marL="0" indent="0">
+              <a:buNone/>
+            </a:pPr>
+            <a:r>
+              <a:rPr dirty="0"/>
+              <a:t>- </a:t>
+            </a:r>
+            <a:r>
+              <a:rPr lang="pt-BR"/>
+              <a:t>Gestão</a:t>
+            </a:r>
+            <a:r>
+              <a:rPr dirty="0"/>
+              <a:t> de </a:t>
+            </a:r>
+            <a:r>
+              <a:rPr lang="pt-BR"/>
+              <a:t>incidentes</a:t>
+            </a:r>
+            <a:r>
+              <a:rPr dirty="0"/>
+              <a:t> e </a:t>
+            </a:r>
+            <a:r>
+              <a:rPr lang="pt-BR"/>
+              <a:t>problemas</a:t>
+            </a:r>
+            <a:endParaRPr dirty="0"/>
+          </a:p>
+          <a:p>
+            <a:pPr marL="0" indent="0">
+              <a:buNone/>
+            </a:pPr>
+            <a:r>
+              <a:rPr dirty="0"/>
+              <a:t>- </a:t>
+            </a:r>
+            <a:r>
+              <a:rPr lang="pt-BR"/>
+              <a:t>Automação</a:t>
+            </a:r>
+            <a:r>
+              <a:rPr dirty="0"/>
+              <a:t> via </a:t>
+            </a:r>
+            <a:r>
+              <a:rPr lang="pt-BR"/>
+              <a:t>Infraestrutura</a:t>
+            </a:r>
+            <a:r>
+              <a:rPr dirty="0"/>
+              <a:t> </a:t>
+            </a:r>
+            <a:r>
+              <a:rPr lang="pt-BR"/>
+              <a:t>como</a:t>
+            </a:r>
+            <a:r>
+              <a:rPr dirty="0"/>
+              <a:t> Código (</a:t>
+            </a:r>
+            <a:r>
+              <a:rPr lang="pt-BR"/>
+              <a:t>IaC</a:t>
+            </a:r>
+            <a:r>
+              <a:rPr dirty="0"/>
+              <a:t>)</a:t>
+            </a:r>
+          </a:p>
+          <a:p>
+            <a:pPr marL="0" indent="0">
+              <a:buNone/>
+            </a:pPr>
+            <a:r>
+              <a:rPr dirty="0"/>
+              <a:t>- </a:t>
+            </a:r>
+            <a:r>
+              <a:rPr lang="pt-BR"/>
+              <a:t>Relatórios</a:t>
+            </a:r>
+            <a:r>
+              <a:rPr dirty="0"/>
+              <a:t> </a:t>
+            </a:r>
+            <a:r>
+              <a:rPr lang="pt-BR"/>
+              <a:t>mensais</a:t>
+            </a:r>
+            <a:r>
+              <a:rPr dirty="0"/>
+              <a:t> com </a:t>
+            </a:r>
+            <a:r>
+              <a:rPr lang="pt-BR"/>
+              <a:t>análise</a:t>
+            </a:r>
+            <a:r>
+              <a:rPr dirty="0"/>
+              <a:t> de </a:t>
+            </a:r>
+            <a:r>
+              <a:rPr lang="pt-BR"/>
+              <a:t>disponibilidade</a:t>
+            </a:r>
+            <a:r>
+              <a:rPr dirty="0"/>
+              <a:t> e </a:t>
+            </a:r>
+            <a:r>
+              <a:rPr lang="pt-BR"/>
+              <a:t>mudanças</a:t>
+            </a:r>
+            <a:endParaRPr dirty="0"/>
+          </a:p>
+        </p:txBody>
+      </p:sp>
+    </p:spTree>
+    <p:extLst>
+      <p:ext uri="{BB962C8B-B14F-4D97-AF65-F5344CB8AC3E}">
+        <p14:creationId xmlns:p14="http://schemas.microsoft.com/office/powerpoint/2010/main" val="3558635821"/>
+      </p:ext>
+    </p:extLst>
+  </p:cSld>
+  <p:clrMapOvr>
+    <a:masterClrMapping/>
+  </p:clrMapOvr>
+</p:sld>
+</file>
+
+<file path=ppt/slides/slide47.xml><?xml version="1.0" encoding="utf-8"?>
+<p:sld xmlns:a="http://schemas.openxmlformats.org/drawingml/2006/main" xmlns:r="http://schemas.openxmlformats.org/officeDocument/2006/relationships" xmlns:p="http://schemas.openxmlformats.org/presentationml/2006/main">
+  <p:cSld>
+    <p:bg>
+      <p:bgPr>
+        <a:solidFill>
+          <a:schemeClr val="bg1"/>
+        </a:solidFill>
+        <a:effectLst/>
+      </p:bgPr>
+    </p:bg>
+    <p:spTree>
+      <p:nvGrpSpPr>
+        <p:cNvPr id="1" name=""/>
+        <p:cNvGrpSpPr/>
+        <p:nvPr/>
+      </p:nvGrpSpPr>
+      <p:grpSpPr>
+        <a:xfrm>
+          <a:off x="0" y="0"/>
+          <a:ext cx="0" cy="0"/>
+          <a:chOff x="0" y="0"/>
+          <a:chExt cx="0" cy="0"/>
+        </a:xfrm>
+      </p:grpSpPr>
+      <p:sp>
+        <p:nvSpPr>
+          <p:cNvPr id="2" name="Title 1"/>
+          <p:cNvSpPr>
+            <a:spLocks noGrp="1"/>
+          </p:cNvSpPr>
+          <p:nvPr>
+            <p:ph type="title"/>
+          </p:nvPr>
+        </p:nvSpPr>
+        <p:spPr>
+          <a:xfrm>
+            <a:off x="544010" y="1050595"/>
+            <a:ext cx="7685590" cy="1618489"/>
+          </a:xfrm>
+        </p:spPr>
+        <p:txBody>
+          <a:bodyPr anchor="ctr">
+            <a:normAutofit/>
+          </a:bodyPr>
+          <a:lstStyle/>
+          <a:p>
+            <a:r>
+              <a:rPr lang="pt-BR" sz="5400" dirty="0"/>
+              <a:t>Valores e Condições Comerciais</a:t>
+            </a:r>
+          </a:p>
+        </p:txBody>
+      </p:sp>
+      <p:sp>
+        <p:nvSpPr>
+          <p:cNvPr id="3" name="Content Placeholder 2"/>
+          <p:cNvSpPr>
+            <a:spLocks noGrp="1"/>
+          </p:cNvSpPr>
+          <p:nvPr>
+            <p:ph idx="1"/>
+          </p:nvPr>
+        </p:nvSpPr>
+        <p:spPr>
+          <a:xfrm>
+            <a:off x="671332" y="2858947"/>
+            <a:ext cx="7859210" cy="2910917"/>
+          </a:xfrm>
+        </p:spPr>
+        <p:txBody>
+          <a:bodyPr anchor="t">
+            <a:normAutofit/>
+          </a:bodyPr>
+          <a:lstStyle/>
+          <a:p>
+            <a:pPr marL="0" indent="0">
+              <a:buNone/>
+            </a:pPr>
+            <a:r>
+              <a:rPr lang="pt-BR" dirty="0"/>
+              <a:t>- Duração do contrato: 60 meses/ 5 anos</a:t>
+            </a:r>
+          </a:p>
+          <a:p>
+            <a:pPr marL="342900" lvl="1" indent="0">
+              <a:buNone/>
+            </a:pPr>
+            <a:r>
+              <a:rPr lang="pt-BR" sz="2100" dirty="0"/>
+              <a:t>- Valor total: R$ 1.535.750,28</a:t>
+            </a:r>
+          </a:p>
+          <a:p>
+            <a:pPr marL="0" indent="0">
+              <a:buNone/>
+            </a:pPr>
+            <a:r>
+              <a:rPr lang="pt-BR" dirty="0"/>
+              <a:t>- Parcelas mensais:</a:t>
+            </a:r>
+          </a:p>
+          <a:p>
+            <a:pPr marL="342900" lvl="1" indent="0">
+              <a:buNone/>
+            </a:pPr>
+            <a:r>
+              <a:rPr lang="pt-BR" sz="2100" dirty="0"/>
+              <a:t>  * Infraestrutura: R$ 19.654,04</a:t>
+            </a:r>
+          </a:p>
+          <a:p>
+            <a:pPr marL="342900" lvl="1" indent="0">
+              <a:buNone/>
+            </a:pPr>
+            <a:r>
+              <a:rPr lang="pt-BR" sz="2100" dirty="0"/>
+              <a:t>  * Serviços Gerenciados: R$ 5.473,68</a:t>
+            </a:r>
+          </a:p>
+          <a:p>
+            <a:pPr marL="342900" lvl="1" indent="0">
+              <a:buNone/>
+            </a:pPr>
+            <a:r>
+              <a:rPr lang="pt-BR" sz="2100" dirty="0"/>
+              <a:t>Total: R$ 25.127,72</a:t>
+            </a:r>
+          </a:p>
+          <a:p>
+            <a:pPr marL="0" indent="0">
+              <a:buNone/>
+            </a:pPr>
+            <a:r>
+              <a:rPr lang="pt-BR" dirty="0"/>
+              <a:t>- Setup/Transição: R$ 28.087,08</a:t>
+            </a:r>
+          </a:p>
+          <a:p>
+            <a:pPr marL="0" indent="0">
+              <a:buNone/>
+            </a:pPr>
+            <a:r>
+              <a:rPr lang="pt-BR" dirty="0"/>
+              <a:t>- Reajuste anual pelo IPCA</a:t>
+            </a:r>
+          </a:p>
+        </p:txBody>
+      </p:sp>
+    </p:spTree>
+    <p:extLst>
+      <p:ext uri="{BB962C8B-B14F-4D97-AF65-F5344CB8AC3E}">
+        <p14:creationId xmlns:p14="http://schemas.microsoft.com/office/powerpoint/2010/main" val="2387129254"/>
+      </p:ext>
+    </p:extLst>
+  </p:cSld>
+  <p:clrMapOvr>
+    <a:masterClrMapping/>
+  </p:clrMapOvr>
+</p:sld>
+</file>
+
+<file path=ppt/slides/slide48.xml><?xml version="1.0" encoding="utf-8"?>
+<p:sld xmlns:a="http://schemas.openxmlformats.org/drawingml/2006/main" xmlns:r="http://schemas.openxmlformats.org/officeDocument/2006/relationships" xmlns:p="http://schemas.openxmlformats.org/presentationml/2006/main">
+  <p:cSld>
+    <p:bg>
+      <p:bgPr>
+        <a:solidFill>
+          <a:schemeClr val="bg1"/>
+        </a:solidFill>
+        <a:effectLst/>
+      </p:bgPr>
+    </p:bg>
+    <p:spTree>
+      <p:nvGrpSpPr>
+        <p:cNvPr id="1" name=""/>
+        <p:cNvGrpSpPr/>
+        <p:nvPr/>
+      </p:nvGrpSpPr>
+      <p:grpSpPr>
+        <a:xfrm>
+          <a:off x="0" y="0"/>
+          <a:ext cx="0" cy="0"/>
+          <a:chOff x="0" y="0"/>
+          <a:chExt cx="0" cy="0"/>
+        </a:xfrm>
+      </p:grpSpPr>
+      <p:sp>
+        <p:nvSpPr>
+          <p:cNvPr id="2" name="Title 1"/>
+          <p:cNvSpPr>
+            <a:spLocks noGrp="1"/>
+          </p:cNvSpPr>
+          <p:nvPr>
+            <p:ph type="title"/>
+          </p:nvPr>
+        </p:nvSpPr>
+        <p:spPr>
+          <a:xfrm>
+            <a:off x="572044" y="653401"/>
+            <a:ext cx="6056111" cy="1618489"/>
+          </a:xfrm>
+        </p:spPr>
+        <p:txBody>
+          <a:bodyPr anchor="ctr">
+            <a:normAutofit/>
+          </a:bodyPr>
+          <a:lstStyle/>
+          <a:p>
+            <a:r>
+              <a:rPr lang="pt-BR" sz="6300" dirty="0"/>
+              <a:t>Parcerias</a:t>
+            </a:r>
+          </a:p>
+        </p:txBody>
+      </p:sp>
+      <p:sp>
+        <p:nvSpPr>
+          <p:cNvPr id="3" name="Content Placeholder 2"/>
+          <p:cNvSpPr>
+            <a:spLocks noGrp="1"/>
+          </p:cNvSpPr>
+          <p:nvPr>
+            <p:ph idx="1"/>
+          </p:nvPr>
+        </p:nvSpPr>
+        <p:spPr>
+          <a:xfrm>
+            <a:off x="572044" y="2269112"/>
+            <a:ext cx="4984730" cy="3538293"/>
+          </a:xfrm>
+        </p:spPr>
+        <p:txBody>
+          <a:bodyPr anchor="t">
+            <a:noAutofit/>
+          </a:bodyPr>
+          <a:lstStyle/>
+          <a:p>
+            <a:pPr marL="0" indent="0">
+              <a:buNone/>
+            </a:pPr>
+            <a:r>
+              <a:rPr lang="pt-BR" sz="1800" dirty="0"/>
+              <a:t>- Instituições envolvidas</a:t>
+            </a:r>
+          </a:p>
+          <a:p>
+            <a:pPr lvl="1"/>
+            <a:r>
+              <a:rPr lang="pt-BR" dirty="0"/>
+              <a:t>ALVF/HRO/HNS</a:t>
+            </a:r>
+          </a:p>
+          <a:p>
+            <a:pPr lvl="1"/>
+            <a:r>
+              <a:rPr lang="pt-BR" dirty="0"/>
+              <a:t>Comunidade </a:t>
+            </a:r>
+            <a:r>
+              <a:rPr lang="pt-BR" dirty="0" err="1"/>
+              <a:t>AGHUse</a:t>
+            </a:r>
+            <a:endParaRPr lang="pt-BR" dirty="0"/>
+          </a:p>
+          <a:p>
+            <a:pPr lvl="1"/>
+            <a:r>
+              <a:rPr lang="pt-BR" dirty="0"/>
+              <a:t>Universidades</a:t>
+            </a:r>
+          </a:p>
+          <a:p>
+            <a:pPr marL="0" indent="0">
+              <a:buNone/>
+            </a:pPr>
+            <a:r>
+              <a:rPr lang="pt-BR" sz="1800" dirty="0"/>
+              <a:t>- Possíveis parceiros tecnológicos</a:t>
+            </a:r>
+          </a:p>
+          <a:p>
+            <a:pPr lvl="1"/>
+            <a:r>
+              <a:rPr lang="pt-BR" dirty="0"/>
+              <a:t> Universidades</a:t>
+            </a:r>
+          </a:p>
+          <a:p>
+            <a:pPr lvl="1"/>
+            <a:r>
+              <a:rPr lang="pt-BR" dirty="0"/>
+              <a:t> Hospital Unimed</a:t>
+            </a:r>
+          </a:p>
+          <a:p>
+            <a:pPr lvl="1"/>
+            <a:r>
+              <a:rPr lang="pt-BR" dirty="0"/>
+              <a:t> Secretaria da Saúde</a:t>
+            </a:r>
+          </a:p>
+          <a:p>
+            <a:pPr lvl="1"/>
+            <a:r>
+              <a:rPr lang="pt-BR" dirty="0"/>
+              <a:t> Instituições de Saúde (</a:t>
+            </a:r>
+            <a:r>
+              <a:rPr lang="pt-BR" dirty="0" err="1"/>
+              <a:t>UPAs</a:t>
+            </a:r>
+            <a:r>
+              <a:rPr lang="pt-BR" dirty="0"/>
+              <a:t>, </a:t>
+            </a:r>
+          </a:p>
+          <a:p>
+            <a:pPr marL="342900" lvl="1" indent="0">
+              <a:buNone/>
+            </a:pPr>
+            <a:r>
+              <a:rPr lang="pt-BR" dirty="0"/>
+              <a:t>     Hospitais, ...)</a:t>
+            </a:r>
+          </a:p>
+          <a:p>
+            <a:pPr lvl="1"/>
+            <a:r>
+              <a:rPr lang="pt-BR" dirty="0"/>
+              <a:t>Associações Empresariais</a:t>
+            </a:r>
+          </a:p>
+          <a:p>
+            <a:pPr lvl="1"/>
+            <a:r>
+              <a:rPr lang="pt-BR" dirty="0"/>
+              <a:t>Empresas</a:t>
+            </a:r>
+          </a:p>
+          <a:p>
+            <a:pPr marL="0" indent="0">
+              <a:buNone/>
+            </a:pPr>
+            <a:r>
+              <a:rPr lang="pt-BR" sz="1800" dirty="0"/>
+              <a:t>-</a:t>
+            </a:r>
+            <a:endParaRPr lang="pt-BR" dirty="0"/>
+          </a:p>
+        </p:txBody>
+      </p:sp>
+      <p:sp>
+        <p:nvSpPr>
+          <p:cNvPr id="5" name="CaixaDeTexto 4">
+            <a:extLst>
+              <a:ext uri="{FF2B5EF4-FFF2-40B4-BE49-F238E27FC236}">
+                <a16:creationId xmlns:a16="http://schemas.microsoft.com/office/drawing/2014/main" id="{4F6F4615-8767-D4F2-6959-9EF43ABDE029}"/>
+              </a:ext>
+            </a:extLst>
+          </p:cNvPr>
+          <p:cNvSpPr txBox="1"/>
+          <p:nvPr/>
+        </p:nvSpPr>
+        <p:spPr>
+          <a:xfrm>
+            <a:off x="4330700" y="2306589"/>
+            <a:ext cx="4329420" cy="1200329"/>
+          </a:xfrm>
+          <a:prstGeom prst="rect">
+            <a:avLst/>
+          </a:prstGeom>
+          <a:noFill/>
+        </p:spPr>
+        <p:txBody>
+          <a:bodyPr wrap="square">
+            <a:spAutoFit/>
+          </a:bodyPr>
+          <a:lstStyle/>
+          <a:p>
+            <a:pPr marL="0" indent="0">
+              <a:buNone/>
+            </a:pPr>
+            <a:r>
+              <a:rPr lang="pt-BR" sz="1800" dirty="0"/>
+              <a:t>Modelos de colaboração e financiamento</a:t>
+            </a:r>
+          </a:p>
+          <a:p>
+            <a:pPr marL="742950" lvl="1" indent="-285750">
+              <a:buFont typeface="Arial" panose="020B0604020202020204" pitchFamily="34" charset="0"/>
+              <a:buChar char="•"/>
+            </a:pPr>
+            <a:r>
+              <a:rPr lang="pt-BR" dirty="0"/>
+              <a:t>Recursos Públicos</a:t>
+            </a:r>
+          </a:p>
+          <a:p>
+            <a:pPr marL="742950" lvl="1" indent="-285750">
+              <a:buFont typeface="Arial" panose="020B0604020202020204" pitchFamily="34" charset="0"/>
+              <a:buChar char="•"/>
+            </a:pPr>
+            <a:r>
+              <a:rPr lang="pt-BR" dirty="0"/>
+              <a:t>Recursos Empresariais</a:t>
+            </a:r>
+          </a:p>
+          <a:p>
+            <a:pPr lvl="1"/>
+            <a:endParaRPr lang="pt-BR" dirty="0"/>
+          </a:p>
+        </p:txBody>
+      </p:sp>
+    </p:spTree>
+  </p:cSld>
+  <p:clrMapOvr>
+    <a:masterClrMapping/>
+  </p:clrMapOvr>
+</p:sld>
+</file>
+
+<file path=ppt/slides/slide49.xml><?xml version="1.0" encoding="utf-8"?>
 <p:sld xmlns:a="http://schemas.openxmlformats.org/drawingml/2006/main" xmlns:r="http://schemas.openxmlformats.org/officeDocument/2006/relationships" xmlns:p="http://schemas.openxmlformats.org/presentationml/2006/main">
   <p:cSld>
     <p:bg>
@@ -26943,8 +29308,8 @@
           <a:lstStyle/>
           <a:p>
             <a:r>
-              <a:rPr lang="pt-BR" sz="5400"/>
-              <a:t>Governança e Gestão de Serviços</a:t>
+              <a:rPr lang="pt-BR" sz="6300"/>
+              <a:t>Modelo</a:t>
             </a:r>
           </a:p>
         </p:txBody>
@@ -26980,28 +29345,17 @@
             </a:r>
             <a:r>
               <a:rPr lang="pt-BR"/>
-              <a:t>Estrutura</a:t>
+              <a:t>Arquitetura</a:t>
             </a:r>
             <a:r>
               <a:rPr dirty="0"/>
-              <a:t> </a:t>
+              <a:t> do </a:t>
             </a:r>
             <a:r>
               <a:rPr lang="pt-BR"/>
-              <a:t>baseada</a:t>
-            </a:r>
-            <a:r>
-              <a:rPr dirty="0"/>
-              <a:t> </a:t>
-            </a:r>
-            <a:r>
-              <a:rPr lang="pt-BR"/>
-              <a:t>em</a:t>
-            </a:r>
-            <a:r>
-              <a:rPr dirty="0"/>
-              <a:t> ITIL e ISO 20000, 27001, 27017, 27018</a:t>
-            </a:r>
+              <a:t>sistema</a:t>
+            </a:r>
+            <a:endParaRPr dirty="0"/>
           </a:p>
           <a:p>
             <a:pPr marL="0" indent="0">
@@ -27013,23 +29367,23 @@
             </a:r>
             <a:r>
               <a:rPr lang="pt-BR"/>
-              <a:t>Gestão</a:t>
+              <a:t>Tecnologias</a:t>
             </a:r>
             <a:r>
               <a:rPr dirty="0"/>
-              <a:t> de </a:t>
+              <a:t> a </a:t>
             </a:r>
             <a:r>
               <a:rPr lang="pt-BR"/>
-              <a:t>incidentes</a:t>
+              <a:t>serem</a:t>
             </a:r>
             <a:r>
               <a:rPr dirty="0"/>
-              <a:t> e </a:t>
+              <a:t> </a:t>
             </a:r>
             <a:r>
               <a:rPr lang="pt-BR"/>
-              <a:t>problemas</a:t>
+              <a:t>utilizadas</a:t>
             </a:r>
             <a:endParaRPr dirty="0"/>
           </a:p>
@@ -27043,763 +29397,28 @@
             </a:r>
             <a:r>
               <a:rPr lang="pt-BR"/>
-              <a:t>Automação</a:t>
+              <a:t>Fluxo</a:t>
             </a:r>
             <a:r>
               <a:rPr dirty="0"/>
-              <a:t> via </a:t>
+              <a:t> de dados e </a:t>
             </a:r>
             <a:r>
               <a:rPr lang="pt-BR"/>
-              <a:t>Infraestrutura</a:t>
+              <a:t>integração</a:t>
             </a:r>
             <a:r>
               <a:rPr dirty="0"/>
-              <a:t> </a:t>
+              <a:t> com outros </a:t>
             </a:r>
             <a:r>
               <a:rPr lang="pt-BR"/>
-              <a:t>como</a:t>
-            </a:r>
-            <a:r>
-              <a:rPr dirty="0"/>
-              <a:t> Código (</a:t>
-            </a:r>
-            <a:r>
-              <a:rPr lang="pt-BR"/>
-              <a:t>IaC</a:t>
-            </a:r>
-            <a:r>
-              <a:rPr dirty="0"/>
-              <a:t>)</a:t>
-            </a:r>
-          </a:p>
-          <a:p>
-            <a:pPr marL="0" indent="0">
-              <a:buNone/>
-            </a:pPr>
-            <a:r>
-              <a:rPr dirty="0"/>
-              <a:t>- </a:t>
-            </a:r>
-            <a:r>
-              <a:rPr lang="pt-BR"/>
-              <a:t>Relatórios</a:t>
-            </a:r>
-            <a:r>
-              <a:rPr dirty="0"/>
-              <a:t> </a:t>
-            </a:r>
-            <a:r>
-              <a:rPr lang="pt-BR"/>
-              <a:t>mensais</a:t>
-            </a:r>
-            <a:r>
-              <a:rPr dirty="0"/>
-              <a:t> com </a:t>
-            </a:r>
-            <a:r>
-              <a:rPr lang="pt-BR"/>
-              <a:t>análise</a:t>
-            </a:r>
-            <a:r>
-              <a:rPr dirty="0"/>
-              <a:t> de </a:t>
-            </a:r>
-            <a:r>
-              <a:rPr lang="pt-BR"/>
-              <a:t>disponibilidade</a:t>
-            </a:r>
-            <a:r>
-              <a:rPr dirty="0"/>
-              <a:t> e </a:t>
-            </a:r>
-            <a:r>
-              <a:rPr lang="pt-BR"/>
-              <a:t>mudanças</a:t>
+              <a:t>sistemas</a:t>
             </a:r>
             <a:endParaRPr dirty="0"/>
           </a:p>
         </p:txBody>
       </p:sp>
-    </p:spTree>
-    <p:extLst>
-      <p:ext uri="{BB962C8B-B14F-4D97-AF65-F5344CB8AC3E}">
-        <p14:creationId xmlns:p14="http://schemas.microsoft.com/office/powerpoint/2010/main" val="3558635821"/>
-      </p:ext>
-    </p:extLst>
-  </p:cSld>
-  <p:clrMapOvr>
-    <a:masterClrMapping/>
-  </p:clrMapOvr>
-</p:sld>
-</file>
-
-<file path=ppt/slides/slide42.xml><?xml version="1.0" encoding="utf-8"?>
-<p:sld xmlns:a="http://schemas.openxmlformats.org/drawingml/2006/main" xmlns:r="http://schemas.openxmlformats.org/officeDocument/2006/relationships" xmlns:p="http://schemas.openxmlformats.org/presentationml/2006/main">
-  <p:cSld>
-    <p:bg>
-      <p:bgPr>
-        <a:solidFill>
-          <a:schemeClr val="bg1"/>
-        </a:solidFill>
-        <a:effectLst/>
-      </p:bgPr>
-    </p:bg>
-    <p:spTree>
-      <p:nvGrpSpPr>
-        <p:cNvPr id="1" name=""/>
-        <p:cNvGrpSpPr/>
-        <p:nvPr/>
-      </p:nvGrpSpPr>
-      <p:grpSpPr>
-        <a:xfrm>
-          <a:off x="0" y="0"/>
-          <a:ext cx="0" cy="0"/>
-          <a:chOff x="0" y="0"/>
-          <a:chExt cx="0" cy="0"/>
-        </a:xfrm>
-      </p:grpSpPr>
-      <p:sp>
-        <p:nvSpPr>
-          <p:cNvPr id="2" name="Title 1"/>
-          <p:cNvSpPr>
-            <a:spLocks noGrp="1"/>
-          </p:cNvSpPr>
-          <p:nvPr>
-            <p:ph type="title"/>
-          </p:nvPr>
-        </p:nvSpPr>
-        <p:spPr>
-          <a:xfrm>
-            <a:off x="963930" y="1050595"/>
-            <a:ext cx="6056111" cy="1618489"/>
-          </a:xfrm>
-        </p:spPr>
-        <p:txBody>
-          <a:bodyPr anchor="ctr">
-            <a:normAutofit/>
-          </a:bodyPr>
-          <a:lstStyle/>
-          <a:p>
-            <a:r>
-              <a:rPr lang="pt-BR" sz="5400"/>
-              <a:t>Valores e Condições Comerciais</a:t>
-            </a:r>
-          </a:p>
-        </p:txBody>
-      </p:sp>
-      <p:sp>
-        <p:nvSpPr>
-          <p:cNvPr id="3" name="Content Placeholder 2"/>
-          <p:cNvSpPr>
-            <a:spLocks noGrp="1"/>
-          </p:cNvSpPr>
-          <p:nvPr>
-            <p:ph idx="1"/>
-          </p:nvPr>
-        </p:nvSpPr>
-        <p:spPr>
-          <a:xfrm>
-            <a:off x="963930" y="2969469"/>
-            <a:ext cx="6056111" cy="2800395"/>
-          </a:xfrm>
-        </p:spPr>
-        <p:txBody>
-          <a:bodyPr anchor="t">
-            <a:normAutofit/>
-          </a:bodyPr>
-          <a:lstStyle/>
-          <a:p>
-            <a:pPr marL="0" indent="0">
-              <a:buNone/>
-            </a:pPr>
-            <a:r>
-              <a:rPr lang="pt-BR" dirty="0"/>
-              <a:t>- Duração do contrato: 60 meses/ 5 anos</a:t>
-            </a:r>
-          </a:p>
-          <a:p>
-            <a:pPr marL="342900" lvl="1" indent="0">
-              <a:buNone/>
-            </a:pPr>
-            <a:r>
-              <a:rPr lang="pt-BR" sz="2100" dirty="0"/>
-              <a:t>- Valor total: R$ 1.535.750,28</a:t>
-            </a:r>
-          </a:p>
-          <a:p>
-            <a:pPr marL="0" indent="0">
-              <a:buNone/>
-            </a:pPr>
-            <a:r>
-              <a:rPr lang="pt-BR" dirty="0"/>
-              <a:t>- Parcelas mensais:</a:t>
-            </a:r>
-          </a:p>
-          <a:p>
-            <a:pPr marL="342900" lvl="1" indent="0">
-              <a:buNone/>
-            </a:pPr>
-            <a:r>
-              <a:rPr lang="pt-BR" sz="2100" dirty="0"/>
-              <a:t>  * Infraestrutura: R$ 19.654,04</a:t>
-            </a:r>
-          </a:p>
-          <a:p>
-            <a:pPr marL="342900" lvl="1" indent="0">
-              <a:buNone/>
-            </a:pPr>
-            <a:r>
-              <a:rPr lang="pt-BR" sz="2100" dirty="0"/>
-              <a:t>  * Serviços Gerenciados: R$ 5.473,68</a:t>
-            </a:r>
-          </a:p>
-          <a:p>
-            <a:pPr marL="0" indent="0">
-              <a:buNone/>
-            </a:pPr>
-            <a:r>
-              <a:rPr lang="pt-BR" dirty="0"/>
-              <a:t>- Setup/Transição: R$ 28.087,08</a:t>
-            </a:r>
-          </a:p>
-          <a:p>
-            <a:pPr marL="0" indent="0">
-              <a:buNone/>
-            </a:pPr>
-            <a:r>
-              <a:rPr lang="pt-BR" dirty="0"/>
-              <a:t>- Reajuste anual pelo IPCA</a:t>
-            </a:r>
-          </a:p>
-        </p:txBody>
-      </p:sp>
-    </p:spTree>
-    <p:extLst>
-      <p:ext uri="{BB962C8B-B14F-4D97-AF65-F5344CB8AC3E}">
-        <p14:creationId xmlns:p14="http://schemas.microsoft.com/office/powerpoint/2010/main" val="2387129254"/>
-      </p:ext>
-    </p:extLst>
-  </p:cSld>
-  <p:clrMapOvr>
-    <a:masterClrMapping/>
-  </p:clrMapOvr>
-</p:sld>
-</file>
-
-<file path=ppt/slides/slide43.xml><?xml version="1.0" encoding="utf-8"?>
-<p:sld xmlns:a="http://schemas.openxmlformats.org/drawingml/2006/main" xmlns:r="http://schemas.openxmlformats.org/officeDocument/2006/relationships" xmlns:p="http://schemas.openxmlformats.org/presentationml/2006/main">
-  <p:cSld>
-    <p:bg>
-      <p:bgPr>
-        <a:solidFill>
-          <a:schemeClr val="bg1"/>
-        </a:solidFill>
-        <a:effectLst/>
-      </p:bgPr>
-    </p:bg>
-    <p:spTree>
-      <p:nvGrpSpPr>
-        <p:cNvPr id="1" name=""/>
-        <p:cNvGrpSpPr/>
-        <p:nvPr/>
-      </p:nvGrpSpPr>
-      <p:grpSpPr>
-        <a:xfrm>
-          <a:off x="0" y="0"/>
-          <a:ext cx="0" cy="0"/>
-          <a:chOff x="0" y="0"/>
-          <a:chExt cx="0" cy="0"/>
-        </a:xfrm>
-      </p:grpSpPr>
-      <p:sp>
-        <p:nvSpPr>
-          <p:cNvPr id="2" name="Title 1"/>
-          <p:cNvSpPr>
-            <a:spLocks noGrp="1"/>
-          </p:cNvSpPr>
-          <p:nvPr>
-            <p:ph type="title"/>
-          </p:nvPr>
-        </p:nvSpPr>
-        <p:spPr>
-          <a:xfrm>
-            <a:off x="572044" y="653401"/>
-            <a:ext cx="6056111" cy="1618489"/>
-          </a:xfrm>
-        </p:spPr>
-        <p:txBody>
-          <a:bodyPr anchor="ctr">
-            <a:normAutofit/>
-          </a:bodyPr>
-          <a:lstStyle/>
-          <a:p>
-            <a:r>
-              <a:rPr lang="pt-BR" sz="6300" dirty="0"/>
-              <a:t>Parcerias</a:t>
-            </a:r>
-          </a:p>
-        </p:txBody>
-      </p:sp>
-      <p:sp>
-        <p:nvSpPr>
-          <p:cNvPr id="3" name="Content Placeholder 2"/>
-          <p:cNvSpPr>
-            <a:spLocks noGrp="1"/>
-          </p:cNvSpPr>
-          <p:nvPr>
-            <p:ph idx="1"/>
-          </p:nvPr>
-        </p:nvSpPr>
-        <p:spPr>
-          <a:xfrm>
-            <a:off x="572044" y="2269112"/>
-            <a:ext cx="4984730" cy="3538293"/>
-          </a:xfrm>
-        </p:spPr>
-        <p:txBody>
-          <a:bodyPr anchor="t">
-            <a:noAutofit/>
-          </a:bodyPr>
-          <a:lstStyle/>
-          <a:p>
-            <a:pPr marL="0" indent="0">
-              <a:buNone/>
-            </a:pPr>
-            <a:r>
-              <a:rPr lang="pt-BR" sz="1800" dirty="0"/>
-              <a:t>- Instituições envolvidas</a:t>
-            </a:r>
-          </a:p>
-          <a:p>
-            <a:pPr lvl="1"/>
-            <a:r>
-              <a:rPr lang="pt-BR" dirty="0"/>
-              <a:t>ALVF/HRO/HNS</a:t>
-            </a:r>
-          </a:p>
-          <a:p>
-            <a:pPr lvl="1"/>
-            <a:r>
-              <a:rPr lang="pt-BR" dirty="0"/>
-              <a:t>Comunidade </a:t>
-            </a:r>
-            <a:r>
-              <a:rPr lang="pt-BR" dirty="0" err="1"/>
-              <a:t>AGHUse</a:t>
-            </a:r>
-            <a:endParaRPr lang="pt-BR" dirty="0"/>
-          </a:p>
-          <a:p>
-            <a:pPr lvl="1"/>
-            <a:r>
-              <a:rPr lang="pt-BR" dirty="0"/>
-              <a:t>Universidades</a:t>
-            </a:r>
-          </a:p>
-          <a:p>
-            <a:pPr marL="0" indent="0">
-              <a:buNone/>
-            </a:pPr>
-            <a:r>
-              <a:rPr lang="pt-BR" sz="1800" dirty="0"/>
-              <a:t>- Possíveis parceiros tecnológicos</a:t>
-            </a:r>
-          </a:p>
-          <a:p>
-            <a:pPr lvl="1"/>
-            <a:r>
-              <a:rPr lang="pt-BR" dirty="0"/>
-              <a:t> Universidades</a:t>
-            </a:r>
-          </a:p>
-          <a:p>
-            <a:pPr lvl="1"/>
-            <a:r>
-              <a:rPr lang="pt-BR" dirty="0"/>
-              <a:t> Hospital Unimed</a:t>
-            </a:r>
-          </a:p>
-          <a:p>
-            <a:pPr lvl="1"/>
-            <a:r>
-              <a:rPr lang="pt-BR" dirty="0"/>
-              <a:t> Secretaria da Saúde</a:t>
-            </a:r>
-          </a:p>
-          <a:p>
-            <a:pPr lvl="1"/>
-            <a:r>
-              <a:rPr lang="pt-BR" dirty="0"/>
-              <a:t> Instituições de Saúde (</a:t>
-            </a:r>
-            <a:r>
-              <a:rPr lang="pt-BR" dirty="0" err="1"/>
-              <a:t>UPAs</a:t>
-            </a:r>
-            <a:r>
-              <a:rPr lang="pt-BR" dirty="0"/>
-              <a:t>, </a:t>
-            </a:r>
-          </a:p>
-          <a:p>
-            <a:pPr marL="342900" lvl="1" indent="0">
-              <a:buNone/>
-            </a:pPr>
-            <a:r>
-              <a:rPr lang="pt-BR" dirty="0"/>
-              <a:t>     Hospitais, ...)</a:t>
-            </a:r>
-          </a:p>
-          <a:p>
-            <a:pPr lvl="1"/>
-            <a:r>
-              <a:rPr lang="pt-BR" dirty="0"/>
-              <a:t>Associações Empresariais</a:t>
-            </a:r>
-          </a:p>
-          <a:p>
-            <a:pPr lvl="1"/>
-            <a:r>
-              <a:rPr lang="pt-BR" dirty="0"/>
-              <a:t>Empresas</a:t>
-            </a:r>
-          </a:p>
-          <a:p>
-            <a:pPr marL="0" indent="0">
-              <a:buNone/>
-            </a:pPr>
-            <a:r>
-              <a:rPr lang="pt-BR" sz="1800" dirty="0"/>
-              <a:t>-</a:t>
-            </a:r>
-            <a:endParaRPr lang="pt-BR" dirty="0"/>
-          </a:p>
-        </p:txBody>
-      </p:sp>
-      <p:sp>
-        <p:nvSpPr>
-          <p:cNvPr id="5" name="CaixaDeTexto 4">
-            <a:extLst>
-              <a:ext uri="{FF2B5EF4-FFF2-40B4-BE49-F238E27FC236}">
-                <a16:creationId xmlns:a16="http://schemas.microsoft.com/office/drawing/2014/main" id="{4F6F4615-8767-D4F2-6959-9EF43ABDE029}"/>
-              </a:ext>
-            </a:extLst>
-          </p:cNvPr>
-          <p:cNvSpPr txBox="1"/>
-          <p:nvPr/>
-        </p:nvSpPr>
-        <p:spPr>
-          <a:xfrm>
-            <a:off x="4330700" y="2306589"/>
-            <a:ext cx="4329420" cy="1200329"/>
-          </a:xfrm>
-          <a:prstGeom prst="rect">
-            <a:avLst/>
-          </a:prstGeom>
-          <a:noFill/>
-        </p:spPr>
-        <p:txBody>
-          <a:bodyPr wrap="square">
-            <a:spAutoFit/>
-          </a:bodyPr>
-          <a:lstStyle/>
-          <a:p>
-            <a:pPr marL="0" indent="0">
-              <a:buNone/>
-            </a:pPr>
-            <a:r>
-              <a:rPr lang="pt-BR" sz="1800" dirty="0"/>
-              <a:t>Modelos de colaboração e financiamento</a:t>
-            </a:r>
-          </a:p>
-          <a:p>
-            <a:pPr marL="742950" lvl="1" indent="-285750">
-              <a:buFont typeface="Arial" panose="020B0604020202020204" pitchFamily="34" charset="0"/>
-              <a:buChar char="•"/>
-            </a:pPr>
-            <a:r>
-              <a:rPr lang="pt-BR" dirty="0"/>
-              <a:t>Recursos Públicos</a:t>
-            </a:r>
-          </a:p>
-          <a:p>
-            <a:pPr marL="742950" lvl="1" indent="-285750">
-              <a:buFont typeface="Arial" panose="020B0604020202020204" pitchFamily="34" charset="0"/>
-              <a:buChar char="•"/>
-            </a:pPr>
-            <a:r>
-              <a:rPr lang="pt-BR" dirty="0"/>
-              <a:t>Recursos Empresariais</a:t>
-            </a:r>
-          </a:p>
-          <a:p>
-            <a:pPr lvl="1"/>
-            <a:endParaRPr lang="pt-BR" dirty="0"/>
-          </a:p>
-        </p:txBody>
-      </p:sp>
-    </p:spTree>
-  </p:cSld>
-  <p:clrMapOvr>
-    <a:masterClrMapping/>
-  </p:clrMapOvr>
-</p:sld>
-</file>
-
-<file path=ppt/slides/slide44.xml><?xml version="1.0" encoding="utf-8"?>
-<p:sld xmlns:a="http://schemas.openxmlformats.org/drawingml/2006/main" xmlns:r="http://schemas.openxmlformats.org/officeDocument/2006/relationships" xmlns:p="http://schemas.openxmlformats.org/presentationml/2006/main">
-  <p:cSld>
-    <p:bg>
-      <p:bgPr>
-        <a:solidFill>
-          <a:schemeClr val="bg1"/>
-        </a:solidFill>
-        <a:effectLst/>
-      </p:bgPr>
-    </p:bg>
-    <p:spTree>
-      <p:nvGrpSpPr>
-        <p:cNvPr id="1" name=""/>
-        <p:cNvGrpSpPr/>
-        <p:nvPr/>
-      </p:nvGrpSpPr>
-      <p:grpSpPr>
-        <a:xfrm>
-          <a:off x="0" y="0"/>
-          <a:ext cx="0" cy="0"/>
-          <a:chOff x="0" y="0"/>
-          <a:chExt cx="0" cy="0"/>
-        </a:xfrm>
-      </p:grpSpPr>
-      <p:sp>
-        <p:nvSpPr>
-          <p:cNvPr id="2" name="Title 1"/>
-          <p:cNvSpPr>
-            <a:spLocks noGrp="1"/>
-          </p:cNvSpPr>
-          <p:nvPr>
-            <p:ph type="title"/>
-          </p:nvPr>
-        </p:nvSpPr>
-        <p:spPr>
-          <a:xfrm>
-            <a:off x="963930" y="1050595"/>
-            <a:ext cx="6056111" cy="1618489"/>
-          </a:xfrm>
-        </p:spPr>
-        <p:txBody>
-          <a:bodyPr anchor="ctr">
-            <a:normAutofit/>
-          </a:bodyPr>
-          <a:lstStyle/>
-          <a:p>
-            <a:r>
-              <a:rPr lang="pt-BR" sz="6300"/>
-              <a:t>Modelo</a:t>
-            </a:r>
-          </a:p>
-        </p:txBody>
-      </p:sp>
-      <p:sp>
-        <p:nvSpPr>
-          <p:cNvPr id="3" name="Content Placeholder 2"/>
-          <p:cNvSpPr>
-            <a:spLocks noGrp="1"/>
-          </p:cNvSpPr>
-          <p:nvPr>
-            <p:ph idx="1"/>
-          </p:nvPr>
-        </p:nvSpPr>
-        <p:spPr>
-          <a:xfrm>
-            <a:off x="963930" y="2969469"/>
-            <a:ext cx="6056111" cy="2800395"/>
-          </a:xfrm>
-        </p:spPr>
-        <p:txBody>
-          <a:bodyPr anchor="t">
-            <a:normAutofit/>
-          </a:bodyPr>
-          <a:lstStyle/>
-          <a:p>
-            <a:pPr marL="0" indent="0">
-              <a:buNone/>
-            </a:pPr>
-            <a:r>
-              <a:rPr dirty="0"/>
-              <a:t>- </a:t>
-            </a:r>
-            <a:r>
-              <a:rPr lang="pt-BR"/>
-              <a:t>Arquitetura</a:t>
-            </a:r>
-            <a:r>
-              <a:rPr dirty="0"/>
-              <a:t> do </a:t>
-            </a:r>
-            <a:r>
-              <a:rPr lang="pt-BR"/>
-              <a:t>sistema</a:t>
-            </a:r>
-            <a:endParaRPr dirty="0"/>
-          </a:p>
-          <a:p>
-            <a:pPr marL="0" indent="0">
-              <a:buNone/>
-            </a:pPr>
-            <a:r>
-              <a:rPr dirty="0"/>
-              <a:t>- </a:t>
-            </a:r>
-            <a:r>
-              <a:rPr lang="pt-BR"/>
-              <a:t>Tecnologias</a:t>
-            </a:r>
-            <a:r>
-              <a:rPr dirty="0"/>
-              <a:t> a </a:t>
-            </a:r>
-            <a:r>
-              <a:rPr lang="pt-BR"/>
-              <a:t>serem</a:t>
-            </a:r>
-            <a:r>
-              <a:rPr dirty="0"/>
-              <a:t> </a:t>
-            </a:r>
-            <a:r>
-              <a:rPr lang="pt-BR"/>
-              <a:t>utilizadas</a:t>
-            </a:r>
-            <a:endParaRPr dirty="0"/>
-          </a:p>
-          <a:p>
-            <a:pPr marL="0" indent="0">
-              <a:buNone/>
-            </a:pPr>
-            <a:r>
-              <a:rPr dirty="0"/>
-              <a:t>- </a:t>
-            </a:r>
-            <a:r>
-              <a:rPr lang="pt-BR"/>
-              <a:t>Fluxo</a:t>
-            </a:r>
-            <a:r>
-              <a:rPr dirty="0"/>
-              <a:t> de dados e </a:t>
-            </a:r>
-            <a:r>
-              <a:rPr lang="pt-BR"/>
-              <a:t>integração</a:t>
-            </a:r>
-            <a:r>
-              <a:rPr dirty="0"/>
-              <a:t> com outros </a:t>
-            </a:r>
-            <a:r>
-              <a:rPr lang="pt-BR"/>
-              <a:t>sistemas</a:t>
-            </a:r>
-            <a:endParaRPr dirty="0"/>
-          </a:p>
-        </p:txBody>
-      </p:sp>
-    </p:spTree>
-  </p:cSld>
-  <p:clrMapOvr>
-    <a:masterClrMapping/>
-  </p:clrMapOvr>
-</p:sld>
-</file>
-
-<file path=ppt/slides/slide45.xml><?xml version="1.0" encoding="utf-8"?>
-<p:sld xmlns:a="http://schemas.openxmlformats.org/drawingml/2006/main" xmlns:r="http://schemas.openxmlformats.org/officeDocument/2006/relationships" xmlns:p="http://schemas.openxmlformats.org/presentationml/2006/main">
-  <p:cSld>
-    <p:bg>
-      <p:bgPr>
-        <a:solidFill>
-          <a:schemeClr val="bg1"/>
-        </a:solidFill>
-        <a:effectLst/>
-      </p:bgPr>
-    </p:bg>
-    <p:spTree>
-      <p:nvGrpSpPr>
-        <p:cNvPr id="1" name=""/>
-        <p:cNvGrpSpPr/>
-        <p:nvPr/>
-      </p:nvGrpSpPr>
-      <p:grpSpPr>
-        <a:xfrm>
-          <a:off x="0" y="0"/>
-          <a:ext cx="0" cy="0"/>
-          <a:chOff x="0" y="0"/>
-          <a:chExt cx="0" cy="0"/>
-        </a:xfrm>
-      </p:grpSpPr>
-      <p:sp>
-        <p:nvSpPr>
-          <p:cNvPr id="2" name="Title 1"/>
-          <p:cNvSpPr>
-            <a:spLocks noGrp="1"/>
-          </p:cNvSpPr>
-          <p:nvPr>
-            <p:ph type="title"/>
-          </p:nvPr>
-        </p:nvSpPr>
-        <p:spPr>
-          <a:xfrm>
-            <a:off x="620486" y="739255"/>
-            <a:ext cx="7750628" cy="1618489"/>
-          </a:xfrm>
-        </p:spPr>
-        <p:txBody>
-          <a:bodyPr anchor="ctr">
-            <a:normAutofit/>
-          </a:bodyPr>
-          <a:lstStyle/>
-          <a:p>
-            <a:r>
-              <a:rPr lang="pt-BR" sz="5400" dirty="0"/>
-              <a:t>Conclusão e Próximos Passos</a:t>
-            </a:r>
-          </a:p>
-        </p:txBody>
-      </p:sp>
-      <p:graphicFrame>
-        <p:nvGraphicFramePr>
-          <p:cNvPr id="5" name="Content Placeholder 2">
-            <a:extLst>
-              <a:ext uri="{FF2B5EF4-FFF2-40B4-BE49-F238E27FC236}">
-                <a16:creationId xmlns:a16="http://schemas.microsoft.com/office/drawing/2014/main" id="{0301372E-773E-634A-6EAC-0A09A8C3501C}"/>
-              </a:ext>
-            </a:extLst>
-          </p:cNvPr>
-          <p:cNvGraphicFramePr>
-            <a:graphicFrameLocks noGrp="1"/>
-          </p:cNvGraphicFramePr>
-          <p:nvPr>
-            <p:ph idx="1"/>
-            <p:extLst>
-              <p:ext uri="{D42A27DB-BD31-4B8C-83A1-F6EECF244321}">
-                <p14:modId xmlns:p14="http://schemas.microsoft.com/office/powerpoint/2010/main" val="3225319052"/>
-              </p:ext>
-            </p:extLst>
-          </p:nvPr>
-        </p:nvGraphicFramePr>
-        <p:xfrm>
-          <a:off x="620486" y="2155339"/>
-          <a:ext cx="7903028" cy="3963406"/>
-        </p:xfrm>
-        <a:graphic>
-          <a:graphicData uri="http://schemas.openxmlformats.org/drawingml/2006/diagram">
-            <dgm:relIds xmlns:dgm="http://schemas.openxmlformats.org/drawingml/2006/diagram" xmlns:r="http://schemas.openxmlformats.org/officeDocument/2006/relationships" r:dm="rId2" r:lo="rId3" r:qs="rId4" r:cs="rId5"/>
-          </a:graphicData>
-        </a:graphic>
-      </p:graphicFrame>
     </p:spTree>
   </p:cSld>
   <p:clrMapOvr>
@@ -28156,6 +29775,99 @@
       <p:bldP spid="2" grpId="0"/>
     </p:bldLst>
   </p:timing>
+</p:sld>
+</file>
+
+<file path=ppt/slides/slide50.xml><?xml version="1.0" encoding="utf-8"?>
+<p:sld xmlns:a="http://schemas.openxmlformats.org/drawingml/2006/main" xmlns:r="http://schemas.openxmlformats.org/officeDocument/2006/relationships" xmlns:p="http://schemas.openxmlformats.org/presentationml/2006/main">
+  <p:cSld>
+    <p:bg>
+      <p:bgPr>
+        <a:solidFill>
+          <a:schemeClr val="bg1"/>
+        </a:solidFill>
+        <a:effectLst/>
+      </p:bgPr>
+    </p:bg>
+    <p:spTree>
+      <p:nvGrpSpPr>
+        <p:cNvPr id="1" name=""/>
+        <p:cNvGrpSpPr/>
+        <p:nvPr/>
+      </p:nvGrpSpPr>
+      <p:grpSpPr>
+        <a:xfrm>
+          <a:off x="0" y="0"/>
+          <a:ext cx="0" cy="0"/>
+          <a:chOff x="0" y="0"/>
+          <a:chExt cx="0" cy="0"/>
+        </a:xfrm>
+      </p:grpSpPr>
+      <p:sp>
+        <p:nvSpPr>
+          <p:cNvPr id="2" name="Title 1"/>
+          <p:cNvSpPr>
+            <a:spLocks noGrp="1"/>
+          </p:cNvSpPr>
+          <p:nvPr>
+            <p:ph type="title"/>
+          </p:nvPr>
+        </p:nvSpPr>
+        <p:spPr>
+          <a:xfrm>
+            <a:off x="620486" y="426739"/>
+            <a:ext cx="7750628" cy="1618489"/>
+          </a:xfrm>
+        </p:spPr>
+        <p:txBody>
+          <a:bodyPr anchor="ctr">
+            <a:normAutofit/>
+          </a:bodyPr>
+          <a:lstStyle/>
+          <a:p>
+            <a:r>
+              <a:rPr lang="pt-BR" sz="5400" dirty="0"/>
+              <a:t>Conclusão</a:t>
+            </a:r>
+          </a:p>
+        </p:txBody>
+      </p:sp>
+      <p:graphicFrame>
+        <p:nvGraphicFramePr>
+          <p:cNvPr id="5" name="Content Placeholder 2">
+            <a:extLst>
+              <a:ext uri="{FF2B5EF4-FFF2-40B4-BE49-F238E27FC236}">
+                <a16:creationId xmlns:a16="http://schemas.microsoft.com/office/drawing/2014/main" id="{0301372E-773E-634A-6EAC-0A09A8C3501C}"/>
+              </a:ext>
+            </a:extLst>
+          </p:cNvPr>
+          <p:cNvGraphicFramePr>
+            <a:graphicFrameLocks noGrp="1"/>
+          </p:cNvGraphicFramePr>
+          <p:nvPr>
+            <p:ph idx="1"/>
+            <p:extLst>
+              <p:ext uri="{D42A27DB-BD31-4B8C-83A1-F6EECF244321}">
+                <p14:modId xmlns:p14="http://schemas.microsoft.com/office/powerpoint/2010/main" val="3225319052"/>
+              </p:ext>
+            </p:extLst>
+          </p:nvPr>
+        </p:nvGraphicFramePr>
+        <p:xfrm>
+          <a:off x="620486" y="2155339"/>
+          <a:ext cx="7903028" cy="3963406"/>
+        </p:xfrm>
+        <a:graphic>
+          <a:graphicData uri="http://schemas.openxmlformats.org/drawingml/2006/diagram">
+            <dgm:relIds xmlns:dgm="http://schemas.openxmlformats.org/drawingml/2006/diagram" xmlns:r="http://schemas.openxmlformats.org/officeDocument/2006/relationships" r:dm="rId2" r:lo="rId3" r:qs="rId4" r:cs="rId5"/>
+          </a:graphicData>
+        </a:graphic>
+      </p:graphicFrame>
+    </p:spTree>
+  </p:cSld>
+  <p:clrMapOvr>
+    <a:masterClrMapping/>
+  </p:clrMapOvr>
 </p:sld>
 </file>
 
